--- a/presentasi 3.pptx
+++ b/presentasi 3.pptx
@@ -24,6 +24,12 @@
     <p:sldId id="275" r:id="rId18"/>
     <p:sldId id="276" r:id="rId19"/>
     <p:sldId id="277" r:id="rId20"/>
+    <p:sldId id="278" r:id="rId21"/>
+    <p:sldId id="279" r:id="rId22"/>
+    <p:sldId id="280" r:id="rId23"/>
+    <p:sldId id="281" r:id="rId24"/>
+    <p:sldId id="282" r:id="rId25"/>
+    <p:sldId id="283" r:id="rId26"/>
   </p:sldIdLst>
   <p:sldSz cx="12192000" cy="6858000"/>
   <p:notesSz cx="6858000" cy="9144000"/>
@@ -122,6 +128,11 @@
       </a:defRPr>
     </a:lvl9pPr>
   </p:defaultTextStyle>
+  <p:extLst>
+    <p:ext uri="{EFAFB233-063F-42B5-8137-9DF3F51BA10A}">
+      <p15:sldGuideLst xmlns:p15="http://schemas.microsoft.com/office/powerpoint/2012/main"/>
+    </p:ext>
+  </p:extLst>
 </p:presentation>
 </file>
 
@@ -399,7 +410,7 @@
           <a:p>
             <a:fld id="{AF239A9A-B4B0-4B32-B8CD-2E25E95134C4}" type="datetimeFigureOut">
               <a:rPr lang="en-US" dirty="0"/>
-              <a:t>10/16/2019</a:t>
+              <a:t>10/19/2019</a:t>
             </a:fld>
             <a:endParaRPr lang="en-US" dirty="0"/>
           </a:p>
@@ -808,7 +819,7 @@
           <a:p>
             <a:fld id="{F25518A9-B687-4302-9395-2322403C6656}" type="datetimeFigureOut">
               <a:rPr lang="en-US" dirty="0"/>
-              <a:t>10/16/2019</a:t>
+              <a:t>10/19/2019</a:t>
             </a:fld>
             <a:endParaRPr lang="en-US" dirty="0"/>
           </a:p>
@@ -1139,7 +1150,7 @@
           <a:p>
             <a:fld id="{1A99A684-0CB7-41E9-A4DF-5D1C2CA5BF6F}" type="datetimeFigureOut">
               <a:rPr lang="en-US" dirty="0"/>
-              <a:t>10/16/2019</a:t>
+              <a:t>10/19/2019</a:t>
             </a:fld>
             <a:endParaRPr lang="en-US" dirty="0"/>
           </a:p>
@@ -1539,7 +1550,7 @@
           <a:p>
             <a:fld id="{FEDD7C35-9E19-4518-A4B2-3B09CD8CC756}" type="datetimeFigureOut">
               <a:rPr lang="en-US" dirty="0"/>
-              <a:t>10/16/2019</a:t>
+              <a:t>10/19/2019</a:t>
             </a:fld>
             <a:endParaRPr lang="en-US" dirty="0"/>
           </a:p>
@@ -2102,7 +2113,7 @@
           <a:p>
             <a:fld id="{26196DA8-8897-4DDF-BFB6-5D83863C837A}" type="datetimeFigureOut">
               <a:rPr lang="en-US" dirty="0"/>
-              <a:t>10/16/2019</a:t>
+              <a:t>10/19/2019</a:t>
             </a:fld>
             <a:endParaRPr lang="en-US" dirty="0"/>
           </a:p>
@@ -2778,7 +2789,7 @@
           <a:p>
             <a:fld id="{DCBBA708-C5F0-412D-90E2-1919F0D196AE}" type="datetimeFigureOut">
               <a:rPr lang="en-US" dirty="0"/>
-              <a:t>10/16/2019</a:t>
+              <a:t>10/19/2019</a:t>
             </a:fld>
             <a:endParaRPr lang="en-US" dirty="0"/>
           </a:p>
@@ -3686,7 +3697,7 @@
           <a:p>
             <a:fld id="{A9C8F8FA-EF43-4642-9368-3F4E33039BD9}" type="datetimeFigureOut">
               <a:rPr lang="en-US" dirty="0"/>
-              <a:t>10/16/2019</a:t>
+              <a:t>10/19/2019</a:t>
             </a:fld>
             <a:endParaRPr lang="en-US" dirty="0"/>
           </a:p>
@@ -3994,7 +4005,7 @@
           <a:p>
             <a:fld id="{6B61E721-B01C-4D5D-A3CA-2E5518383F10}" type="datetimeFigureOut">
               <a:rPr lang="en-US" dirty="0"/>
-              <a:t>10/16/2019</a:t>
+              <a:t>10/19/2019</a:t>
             </a:fld>
             <a:endParaRPr lang="en-US" dirty="0"/>
           </a:p>
@@ -4253,7 +4264,7 @@
           <a:p>
             <a:fld id="{6513FEF9-69D0-4F8C-A336-59491FBEDC47}" type="datetimeFigureOut">
               <a:rPr lang="en-US" dirty="0"/>
-              <a:t>10/16/2019</a:t>
+              <a:t>10/19/2019</a:t>
             </a:fld>
             <a:endParaRPr lang="en-US" dirty="0"/>
           </a:p>
@@ -4590,7 +4601,7 @@
           <a:p>
             <a:fld id="{A91E21DC-8981-44E6-BC8C-2BA8F673FFBB}" type="datetimeFigureOut">
               <a:rPr lang="en-US" dirty="0"/>
-              <a:t>10/16/2019</a:t>
+              <a:t>10/19/2019</a:t>
             </a:fld>
             <a:endParaRPr lang="en-US" dirty="0"/>
           </a:p>
@@ -4974,7 +4985,7 @@
           <a:p>
             <a:fld id="{AEB9C5D3-0140-4E75-8D7F-C0623D06DFD7}" type="datetimeFigureOut">
               <a:rPr lang="en-US" dirty="0"/>
-              <a:t>10/16/2019</a:t>
+              <a:t>10/19/2019</a:t>
             </a:fld>
             <a:endParaRPr lang="en-US" dirty="0"/>
           </a:p>
@@ -5345,7 +5356,7 @@
           <a:p>
             <a:fld id="{3A5666F9-5B40-48E0-8DFD-99EF944CDD22}" type="datetimeFigureOut">
               <a:rPr lang="en-US" dirty="0"/>
-              <a:t>10/16/2019</a:t>
+              <a:t>10/19/2019</a:t>
             </a:fld>
             <a:endParaRPr lang="en-US" dirty="0"/>
           </a:p>
@@ -5846,7 +5857,7 @@
           <a:p>
             <a:fld id="{2A698D6B-2C72-4E21-9893-A649C6E2A47D}" type="datetimeFigureOut">
               <a:rPr lang="en-US" dirty="0"/>
-              <a:t>10/16/2019</a:t>
+              <a:t>10/19/2019</a:t>
             </a:fld>
             <a:endParaRPr lang="en-US" dirty="0"/>
           </a:p>
@@ -6098,7 +6109,7 @@
           <a:p>
             <a:fld id="{C86811C9-A66C-49F0-970E-F7B68D9109A0}" type="datetimeFigureOut">
               <a:rPr lang="en-US" dirty="0"/>
-              <a:t>10/16/2019</a:t>
+              <a:t>10/19/2019</a:t>
             </a:fld>
             <a:endParaRPr lang="en-US" dirty="0"/>
           </a:p>
@@ -6256,7 +6267,7 @@
           <a:p>
             <a:fld id="{6C01AE78-96A2-4A23-B183-3B6DB4374FE7}" type="datetimeFigureOut">
               <a:rPr lang="en-US" dirty="0"/>
-              <a:t>10/16/2019</a:t>
+              <a:t>10/19/2019</a:t>
             </a:fld>
             <a:endParaRPr lang="en-US" dirty="0"/>
           </a:p>
@@ -6641,7 +6652,7 @@
           <a:p>
             <a:fld id="{73AE0757-B101-4811-9189-10EB2F458E2D}" type="datetimeFigureOut">
               <a:rPr lang="en-US" dirty="0"/>
-              <a:t>10/16/2019</a:t>
+              <a:t>10/19/2019</a:t>
             </a:fld>
             <a:endParaRPr lang="en-US" dirty="0"/>
           </a:p>
@@ -7045,7 +7056,7 @@
           <a:p>
             <a:fld id="{7EBDC078-589F-40E3-816C-EE21D62B5BBA}" type="datetimeFigureOut">
               <a:rPr lang="en-US" dirty="0"/>
-              <a:t>10/16/2019</a:t>
+              <a:t>10/19/2019</a:t>
             </a:fld>
             <a:endParaRPr lang="en-US" dirty="0"/>
           </a:p>
@@ -7284,7 +7295,7 @@
           <a:p>
             <a:fld id="{C7004436-CA73-4D53-89B4-2A5C7347BF2F}" type="datetimeFigureOut">
               <a:rPr lang="en-US" dirty="0"/>
-              <a:t>10/16/2019</a:t>
+              <a:t>10/19/2019</a:t>
             </a:fld>
             <a:endParaRPr lang="en-US" dirty="0"/>
           </a:p>
@@ -7935,8 +7946,19 @@
           <a:p>
             <a:r>
               <a:rPr lang="en-US" smtClean="0"/>
-              <a:t>Latihan 2: XML simple</a:t>
-            </a:r>
+              <a:t>Latihan 2: XML </a:t>
+            </a:r>
+            <a:r>
+              <a:rPr lang="en-US" smtClean="0"/>
+              <a:t>simple</a:t>
+            </a:r>
+          </a:p>
+          <a:p>
+            <a:r>
+              <a:rPr lang="en-US" smtClean="0"/>
+              <a:t>Latihan 3: XML untuk SiteMap</a:t>
+            </a:r>
+            <a:endParaRPr lang="en-US" smtClean="0"/>
           </a:p>
           <a:p>
             <a:endParaRPr lang="en-US" smtClean="0"/>
@@ -8174,17 +8196,7 @@
                   </a:schemeClr>
                 </a:solidFill>
               </a:rPr>
-              <a:t>&lt;/</a:t>
-            </a:r>
-            <a:r>
-              <a:rPr lang="id-ID" sz="1800">
-                <a:solidFill>
-                  <a:schemeClr val="accent4">
-                    <a:lumMod val="50000"/>
-                  </a:schemeClr>
-                </a:solidFill>
-              </a:rPr>
-              <a:t>tr_unit</a:t>
+              <a:t>&lt;/tr_unit</a:t>
             </a:r>
             <a:r>
               <a:rPr lang="id-ID" sz="1800" smtClean="0">
@@ -8940,6 +8952,781 @@
 </p:sld>
 </file>
 
+<file path=ppt/slides/slide20.xml><?xml version="1.0" encoding="utf-8"?>
+<p:sld xmlns:a="http://schemas.openxmlformats.org/drawingml/2006/main" xmlns:r="http://schemas.openxmlformats.org/officeDocument/2006/relationships" xmlns:p="http://schemas.openxmlformats.org/presentationml/2006/main">
+  <p:cSld>
+    <p:spTree>
+      <p:nvGrpSpPr>
+        <p:cNvPr id="1" name=""/>
+        <p:cNvGrpSpPr/>
+        <p:nvPr/>
+      </p:nvGrpSpPr>
+      <p:grpSpPr>
+        <a:xfrm>
+          <a:off x="0" y="0"/>
+          <a:ext cx="0" cy="0"/>
+          <a:chOff x="0" y="0"/>
+          <a:chExt cx="0" cy="0"/>
+        </a:xfrm>
+      </p:grpSpPr>
+      <p:sp>
+        <p:nvSpPr>
+          <p:cNvPr id="2" name="Title 1"/>
+          <p:cNvSpPr>
+            <a:spLocks noGrp="1"/>
+          </p:cNvSpPr>
+          <p:nvPr>
+            <p:ph type="title"/>
+          </p:nvPr>
+        </p:nvSpPr>
+        <p:spPr/>
+        <p:txBody>
+          <a:bodyPr/>
+          <a:lstStyle/>
+          <a:p>
+            <a:r>
+              <a:rPr lang="en-US" smtClean="0"/>
+              <a:t>Latihan 3: XML Sitemap</a:t>
+            </a:r>
+            <a:endParaRPr lang="id-ID"/>
+          </a:p>
+        </p:txBody>
+      </p:sp>
+      <p:sp>
+        <p:nvSpPr>
+          <p:cNvPr id="3" name="Content Placeholder 2"/>
+          <p:cNvSpPr>
+            <a:spLocks noGrp="1"/>
+          </p:cNvSpPr>
+          <p:nvPr>
+            <p:ph idx="1"/>
+          </p:nvPr>
+        </p:nvSpPr>
+        <p:spPr/>
+        <p:txBody>
+          <a:bodyPr/>
+          <a:lstStyle/>
+          <a:p>
+            <a:r>
+              <a:rPr lang="en-US" smtClean="0"/>
+              <a:t>Untuk mempermudah navigasi website</a:t>
+            </a:r>
+          </a:p>
+          <a:p>
+            <a:r>
+              <a:rPr lang="en-US" smtClean="0"/>
+              <a:t>Menghindari tersesat</a:t>
+            </a:r>
+          </a:p>
+          <a:p>
+            <a:endParaRPr lang="id-ID"/>
+          </a:p>
+        </p:txBody>
+      </p:sp>
+    </p:spTree>
+    <p:extLst>
+      <p:ext uri="{BB962C8B-B14F-4D97-AF65-F5344CB8AC3E}">
+        <p14:creationId xmlns:p14="http://schemas.microsoft.com/office/powerpoint/2010/main" val="1730439408"/>
+      </p:ext>
+    </p:extLst>
+  </p:cSld>
+  <p:clrMapOvr>
+    <a:masterClrMapping/>
+  </p:clrMapOvr>
+  <p:timing>
+    <p:tnLst>
+      <p:par>
+        <p:cTn id="1" dur="indefinite" restart="never" nodeType="tmRoot"/>
+      </p:par>
+    </p:tnLst>
+  </p:timing>
+</p:sld>
+</file>
+
+<file path=ppt/slides/slide21.xml><?xml version="1.0" encoding="utf-8"?>
+<p:sld xmlns:a="http://schemas.openxmlformats.org/drawingml/2006/main" xmlns:r="http://schemas.openxmlformats.org/officeDocument/2006/relationships" xmlns:p="http://schemas.openxmlformats.org/presentationml/2006/main">
+  <p:cSld>
+    <p:spTree>
+      <p:nvGrpSpPr>
+        <p:cNvPr id="1" name=""/>
+        <p:cNvGrpSpPr/>
+        <p:nvPr/>
+      </p:nvGrpSpPr>
+      <p:grpSpPr>
+        <a:xfrm>
+          <a:off x="0" y="0"/>
+          <a:ext cx="0" cy="0"/>
+          <a:chOff x="0" y="0"/>
+          <a:chExt cx="0" cy="0"/>
+        </a:xfrm>
+      </p:grpSpPr>
+      <p:sp>
+        <p:nvSpPr>
+          <p:cNvPr id="2" name="Title 1"/>
+          <p:cNvSpPr>
+            <a:spLocks noGrp="1"/>
+          </p:cNvSpPr>
+          <p:nvPr>
+            <p:ph type="title"/>
+          </p:nvPr>
+        </p:nvSpPr>
+        <p:spPr/>
+        <p:txBody>
+          <a:bodyPr/>
+          <a:lstStyle/>
+          <a:p>
+            <a:r>
+              <a:rPr lang="en-US" smtClean="0"/>
+              <a:t>SiteMap</a:t>
+            </a:r>
+            <a:endParaRPr lang="id-ID"/>
+          </a:p>
+        </p:txBody>
+      </p:sp>
+      <p:sp>
+        <p:nvSpPr>
+          <p:cNvPr id="3" name="Content Placeholder 2"/>
+          <p:cNvSpPr>
+            <a:spLocks noGrp="1"/>
+          </p:cNvSpPr>
+          <p:nvPr>
+            <p:ph idx="1"/>
+          </p:nvPr>
+        </p:nvSpPr>
+        <p:spPr>
+          <a:xfrm>
+            <a:off x="680321" y="2336873"/>
+            <a:ext cx="9613861" cy="4285996"/>
+          </a:xfrm>
+        </p:spPr>
+        <p:txBody>
+          <a:bodyPr>
+            <a:normAutofit fontScale="55000" lnSpcReduction="20000"/>
+          </a:bodyPr>
+          <a:lstStyle/>
+          <a:p>
+            <a:r>
+              <a:rPr lang="en-US" sz="5100" smtClean="0"/>
+              <a:t>Dari root project, tambahkan sebuah item SiteMap</a:t>
+            </a:r>
+          </a:p>
+          <a:p>
+            <a:r>
+              <a:rPr lang="en-US" sz="5100" smtClean="0"/>
+              <a:t>Nama file web.sitemap (default)</a:t>
+            </a:r>
+          </a:p>
+          <a:p>
+            <a:endParaRPr lang="en-US"/>
+          </a:p>
+          <a:p>
+            <a:pPr marL="0" indent="0">
+              <a:buNone/>
+            </a:pPr>
+            <a:r>
+              <a:rPr lang="id-ID" sz="2900">
+                <a:solidFill>
+                  <a:srgbClr val="FFFF00"/>
+                </a:solidFill>
+              </a:rPr>
+              <a:t>&lt;?xml version="1.0" encoding="utf-8" ?&gt;</a:t>
+            </a:r>
+          </a:p>
+          <a:p>
+            <a:pPr marL="0" indent="0">
+              <a:buNone/>
+            </a:pPr>
+            <a:r>
+              <a:rPr lang="id-ID" sz="2900">
+                <a:solidFill>
+                  <a:srgbClr val="FFFF00"/>
+                </a:solidFill>
+              </a:rPr>
+              <a:t>&lt;siteMap xmlns="http://schemas.microsoft.com/AspNet/SiteMap-File-1.0" &gt;</a:t>
+            </a:r>
+          </a:p>
+          <a:p>
+            <a:pPr marL="0" indent="0">
+              <a:buNone/>
+            </a:pPr>
+            <a:r>
+              <a:rPr lang="id-ID" sz="2900">
+                <a:solidFill>
+                  <a:srgbClr val="FFFF00"/>
+                </a:solidFill>
+              </a:rPr>
+              <a:t>  &lt;siteMapNode url="~/default.aspx" title="Home"  description="Default homepage"&gt;</a:t>
+            </a:r>
+          </a:p>
+          <a:p>
+            <a:pPr marL="0" indent="0">
+              <a:buNone/>
+            </a:pPr>
+            <a:r>
+              <a:rPr lang="id-ID" sz="2900">
+                <a:solidFill>
+                  <a:srgbClr val="FFFF00"/>
+                </a:solidFill>
+              </a:rPr>
+              <a:t>    &lt;siteMapNode  title="XML Object"  description="Latihan XML Object"&gt;</a:t>
+            </a:r>
+          </a:p>
+          <a:p>
+            <a:pPr marL="0" indent="0">
+              <a:buNone/>
+            </a:pPr>
+            <a:r>
+              <a:rPr lang="id-ID" sz="2900">
+                <a:solidFill>
+                  <a:srgbClr val="FFFF00"/>
+                </a:solidFill>
+              </a:rPr>
+              <a:t>      &lt;siteMapNode url="~/dataxml/WebForm1.aspx" title="XML object1"  description="Latihan XML Object 1" /&gt;</a:t>
+            </a:r>
+          </a:p>
+          <a:p>
+            <a:pPr marL="0" indent="0">
+              <a:buNone/>
+            </a:pPr>
+            <a:r>
+              <a:rPr lang="id-ID" sz="2900">
+                <a:solidFill>
+                  <a:srgbClr val="FFFF00"/>
+                </a:solidFill>
+              </a:rPr>
+              <a:t>      &lt;siteMapNode url="~/dataxml/WebForm2.aspx" title="XML object2"  description="Latihan XML Object 2" /&gt;</a:t>
+            </a:r>
+          </a:p>
+          <a:p>
+            <a:pPr marL="0" indent="0">
+              <a:buNone/>
+            </a:pPr>
+            <a:r>
+              <a:rPr lang="id-ID" sz="2900">
+                <a:solidFill>
+                  <a:srgbClr val="FFFF00"/>
+                </a:solidFill>
+              </a:rPr>
+              <a:t>    &lt;/siteMapNode&gt;</a:t>
+            </a:r>
+          </a:p>
+          <a:p>
+            <a:pPr marL="0" indent="0">
+              <a:buNone/>
+            </a:pPr>
+            <a:r>
+              <a:rPr lang="id-ID" sz="2900">
+                <a:solidFill>
+                  <a:srgbClr val="FFFF00"/>
+                </a:solidFill>
+              </a:rPr>
+              <a:t>  &lt;/</a:t>
+            </a:r>
+            <a:r>
+              <a:rPr lang="id-ID" sz="2900">
+                <a:solidFill>
+                  <a:srgbClr val="FFFF00"/>
+                </a:solidFill>
+              </a:rPr>
+              <a:t>siteMapNode</a:t>
+            </a:r>
+            <a:r>
+              <a:rPr lang="id-ID" sz="2900" smtClean="0">
+                <a:solidFill>
+                  <a:srgbClr val="FFFF00"/>
+                </a:solidFill>
+              </a:rPr>
+              <a:t>&gt;</a:t>
+            </a:r>
+            <a:endParaRPr lang="id-ID" sz="2900">
+              <a:solidFill>
+                <a:srgbClr val="FFFF00"/>
+              </a:solidFill>
+            </a:endParaRPr>
+          </a:p>
+          <a:p>
+            <a:pPr marL="0" indent="0">
+              <a:buNone/>
+            </a:pPr>
+            <a:r>
+              <a:rPr lang="id-ID" sz="2900">
+                <a:solidFill>
+                  <a:srgbClr val="FFFF00"/>
+                </a:solidFill>
+              </a:rPr>
+              <a:t>&lt;/</a:t>
+            </a:r>
+            <a:r>
+              <a:rPr lang="id-ID" sz="2900">
+                <a:solidFill>
+                  <a:srgbClr val="FFFF00"/>
+                </a:solidFill>
+              </a:rPr>
+              <a:t>siteMap</a:t>
+            </a:r>
+            <a:r>
+              <a:rPr lang="id-ID" sz="2900" smtClean="0">
+                <a:solidFill>
+                  <a:srgbClr val="FFFF00"/>
+                </a:solidFill>
+              </a:rPr>
+              <a:t>&gt;</a:t>
+            </a:r>
+            <a:endParaRPr lang="id-ID" sz="2900">
+              <a:solidFill>
+                <a:srgbClr val="FFFF00"/>
+              </a:solidFill>
+            </a:endParaRPr>
+          </a:p>
+        </p:txBody>
+      </p:sp>
+    </p:spTree>
+    <p:extLst>
+      <p:ext uri="{BB962C8B-B14F-4D97-AF65-F5344CB8AC3E}">
+        <p14:creationId xmlns:p14="http://schemas.microsoft.com/office/powerpoint/2010/main" val="1929356756"/>
+      </p:ext>
+    </p:extLst>
+  </p:cSld>
+  <p:clrMapOvr>
+    <a:masterClrMapping/>
+  </p:clrMapOvr>
+  <p:timing>
+    <p:tnLst>
+      <p:par>
+        <p:cTn id="1" dur="indefinite" restart="never" nodeType="tmRoot"/>
+      </p:par>
+    </p:tnLst>
+  </p:timing>
+</p:sld>
+</file>
+
+<file path=ppt/slides/slide22.xml><?xml version="1.0" encoding="utf-8"?>
+<p:sld xmlns:a="http://schemas.openxmlformats.org/drawingml/2006/main" xmlns:r="http://schemas.openxmlformats.org/officeDocument/2006/relationships" xmlns:p="http://schemas.openxmlformats.org/presentationml/2006/main">
+  <p:cSld>
+    <p:spTree>
+      <p:nvGrpSpPr>
+        <p:cNvPr id="1" name=""/>
+        <p:cNvGrpSpPr/>
+        <p:nvPr/>
+      </p:nvGrpSpPr>
+      <p:grpSpPr>
+        <a:xfrm>
+          <a:off x="0" y="0"/>
+          <a:ext cx="0" cy="0"/>
+          <a:chOff x="0" y="0"/>
+          <a:chExt cx="0" cy="0"/>
+        </a:xfrm>
+      </p:grpSpPr>
+      <p:sp>
+        <p:nvSpPr>
+          <p:cNvPr id="2" name="Title 1"/>
+          <p:cNvSpPr>
+            <a:spLocks noGrp="1"/>
+          </p:cNvSpPr>
+          <p:nvPr>
+            <p:ph type="title"/>
+          </p:nvPr>
+        </p:nvSpPr>
+        <p:spPr/>
+        <p:txBody>
+          <a:bodyPr/>
+          <a:lstStyle/>
+          <a:p>
+            <a:r>
+              <a:rPr lang="en-US" smtClean="0"/>
+              <a:t>Halaman Home</a:t>
+            </a:r>
+            <a:endParaRPr lang="id-ID"/>
+          </a:p>
+        </p:txBody>
+      </p:sp>
+      <p:sp>
+        <p:nvSpPr>
+          <p:cNvPr id="3" name="Content Placeholder 2"/>
+          <p:cNvSpPr>
+            <a:spLocks noGrp="1"/>
+          </p:cNvSpPr>
+          <p:nvPr>
+            <p:ph idx="1"/>
+          </p:nvPr>
+        </p:nvSpPr>
+        <p:spPr/>
+        <p:txBody>
+          <a:bodyPr>
+            <a:normAutofit fontScale="92500" lnSpcReduction="10000"/>
+          </a:bodyPr>
+          <a:lstStyle/>
+          <a:p>
+            <a:r>
+              <a:rPr lang="en-US" sz="2600" smtClean="0"/>
+              <a:t>Buat sebuah webform di root project </a:t>
+            </a:r>
+          </a:p>
+          <a:p>
+            <a:r>
+              <a:rPr lang="en-US" sz="2600" smtClean="0"/>
+              <a:t>Tambahkan SiteMapDataSource</a:t>
+            </a:r>
+          </a:p>
+          <a:p>
+            <a:r>
+              <a:rPr lang="en-US" sz="2600" smtClean="0"/>
+              <a:t>Tambahkan menu dengan orientasi verikal</a:t>
+            </a:r>
+          </a:p>
+          <a:p>
+            <a:r>
+              <a:rPr lang="en-US" sz="2600" smtClean="0"/>
+              <a:t>Simpan sebagai default.aspx</a:t>
+            </a:r>
+          </a:p>
+          <a:p>
+            <a:r>
+              <a:rPr lang="en-US" sz="2600" smtClean="0"/>
+              <a:t>Tambahkan SiteMapPath untuk halaman lainnya</a:t>
+            </a:r>
+          </a:p>
+          <a:p>
+            <a:pPr marL="0" indent="0">
+              <a:buNone/>
+            </a:pPr>
+            <a:r>
+              <a:rPr lang="en-US" sz="2200">
+                <a:solidFill>
+                  <a:srgbClr val="FFFF00"/>
+                </a:solidFill>
+              </a:rPr>
+              <a:t> </a:t>
+            </a:r>
+            <a:r>
+              <a:rPr lang="en-US" sz="2200" smtClean="0">
+                <a:solidFill>
+                  <a:srgbClr val="FFFF00"/>
+                </a:solidFill>
+              </a:rPr>
+              <a:t>   </a:t>
+            </a:r>
+            <a:r>
+              <a:rPr lang="id-ID" sz="1900" smtClean="0">
+                <a:solidFill>
+                  <a:srgbClr val="FFFF00"/>
+                </a:solidFill>
+              </a:rPr>
+              <a:t>&lt;</a:t>
+            </a:r>
+            <a:r>
+              <a:rPr lang="id-ID" sz="1900">
+                <a:solidFill>
+                  <a:srgbClr val="FFFF00"/>
+                </a:solidFill>
+              </a:rPr>
+              <a:t>asp:SiteMapPath ID</a:t>
+            </a:r>
+            <a:r>
+              <a:rPr lang="id-ID" sz="1900">
+                <a:solidFill>
+                  <a:srgbClr val="FFFF00"/>
+                </a:solidFill>
+              </a:rPr>
+              <a:t>="</a:t>
+            </a:r>
+            <a:r>
+              <a:rPr lang="id-ID" sz="1900" smtClean="0">
+                <a:solidFill>
+                  <a:srgbClr val="FFFF00"/>
+                </a:solidFill>
+              </a:rPr>
+              <a:t>sm</a:t>
+            </a:r>
+            <a:r>
+              <a:rPr lang="en-US" sz="1900" smtClean="0">
+                <a:solidFill>
+                  <a:srgbClr val="FFFF00"/>
+                </a:solidFill>
+              </a:rPr>
+              <a:t>XMLForm1</a:t>
+            </a:r>
+            <a:r>
+              <a:rPr lang="id-ID" sz="1900" smtClean="0">
+                <a:solidFill>
+                  <a:srgbClr val="FFFF00"/>
+                </a:solidFill>
+              </a:rPr>
+              <a:t>" </a:t>
+            </a:r>
+            <a:r>
+              <a:rPr lang="id-ID" sz="1900">
+                <a:solidFill>
+                  <a:srgbClr val="FFFF00"/>
+                </a:solidFill>
+              </a:rPr>
+              <a:t>runat="server"&gt;&lt;/</a:t>
+            </a:r>
+            <a:r>
+              <a:rPr lang="id-ID" sz="1900">
+                <a:solidFill>
+                  <a:srgbClr val="FFFF00"/>
+                </a:solidFill>
+              </a:rPr>
+              <a:t>asp:SiteMapPath</a:t>
+            </a:r>
+            <a:r>
+              <a:rPr lang="id-ID" sz="1900" smtClean="0">
+                <a:solidFill>
+                  <a:srgbClr val="FFFF00"/>
+                </a:solidFill>
+              </a:rPr>
+              <a:t>&gt;</a:t>
+            </a:r>
+            <a:endParaRPr lang="en-US" sz="1900" smtClean="0">
+              <a:solidFill>
+                <a:srgbClr val="FFFF00"/>
+              </a:solidFill>
+            </a:endParaRPr>
+          </a:p>
+          <a:p>
+            <a:pPr marL="0" indent="0">
+              <a:buNone/>
+            </a:pPr>
+            <a:endParaRPr lang="en-US" smtClean="0"/>
+          </a:p>
+          <a:p>
+            <a:endParaRPr lang="en-US"/>
+          </a:p>
+          <a:p>
+            <a:pPr marL="0" indent="0">
+              <a:buNone/>
+            </a:pPr>
+            <a:r>
+              <a:rPr lang="en-US" sz="2000" smtClean="0">
+                <a:solidFill>
+                  <a:srgbClr val="FFFF00"/>
+                </a:solidFill>
+              </a:rPr>
+              <a:t>Tips: bedakan jika orientasi horisontal!</a:t>
+            </a:r>
+          </a:p>
+          <a:p>
+            <a:pPr marL="0" indent="0">
+              <a:buNone/>
+            </a:pPr>
+            <a:endParaRPr lang="en-US" smtClean="0"/>
+          </a:p>
+          <a:p>
+            <a:endParaRPr lang="id-ID"/>
+          </a:p>
+        </p:txBody>
+      </p:sp>
+    </p:spTree>
+    <p:extLst>
+      <p:ext uri="{BB962C8B-B14F-4D97-AF65-F5344CB8AC3E}">
+        <p14:creationId xmlns:p14="http://schemas.microsoft.com/office/powerpoint/2010/main" val="1539152411"/>
+      </p:ext>
+    </p:extLst>
+  </p:cSld>
+  <p:clrMapOvr>
+    <a:masterClrMapping/>
+  </p:clrMapOvr>
+  <p:timing>
+    <p:tnLst>
+      <p:par>
+        <p:cTn id="1" dur="indefinite" restart="never" nodeType="tmRoot"/>
+      </p:par>
+    </p:tnLst>
+  </p:timing>
+</p:sld>
+</file>
+
+<file path=ppt/slides/slide23.xml><?xml version="1.0" encoding="utf-8"?>
+<p:sld xmlns:a="http://schemas.openxmlformats.org/drawingml/2006/main" xmlns:r="http://schemas.openxmlformats.org/officeDocument/2006/relationships" xmlns:p="http://schemas.openxmlformats.org/presentationml/2006/main">
+  <p:cSld>
+    <p:spTree>
+      <p:nvGrpSpPr>
+        <p:cNvPr id="1" name=""/>
+        <p:cNvGrpSpPr/>
+        <p:nvPr/>
+      </p:nvGrpSpPr>
+      <p:grpSpPr>
+        <a:xfrm>
+          <a:off x="0" y="0"/>
+          <a:ext cx="0" cy="0"/>
+          <a:chOff x="0" y="0"/>
+          <a:chExt cx="0" cy="0"/>
+        </a:xfrm>
+      </p:grpSpPr>
+      <p:pic>
+        <p:nvPicPr>
+          <p:cNvPr id="4" name="Picture 3"/>
+          <p:cNvPicPr>
+            <a:picLocks noChangeAspect="1"/>
+          </p:cNvPicPr>
+          <p:nvPr/>
+        </p:nvPicPr>
+        <p:blipFill>
+          <a:blip r:embed="rId2"/>
+          <a:stretch>
+            <a:fillRect/>
+          </a:stretch>
+        </p:blipFill>
+        <p:spPr>
+          <a:xfrm>
+            <a:off x="208620" y="352697"/>
+            <a:ext cx="11845268" cy="5991770"/>
+          </a:xfrm>
+          <a:prstGeom prst="rect">
+            <a:avLst/>
+          </a:prstGeom>
+        </p:spPr>
+      </p:pic>
+    </p:spTree>
+    <p:extLst>
+      <p:ext uri="{BB962C8B-B14F-4D97-AF65-F5344CB8AC3E}">
+        <p14:creationId xmlns:p14="http://schemas.microsoft.com/office/powerpoint/2010/main" val="1033223386"/>
+      </p:ext>
+    </p:extLst>
+  </p:cSld>
+  <p:clrMapOvr>
+    <a:masterClrMapping/>
+  </p:clrMapOvr>
+</p:sld>
+</file>
+
+<file path=ppt/slides/slide24.xml><?xml version="1.0" encoding="utf-8"?>
+<p:sld xmlns:a="http://schemas.openxmlformats.org/drawingml/2006/main" xmlns:r="http://schemas.openxmlformats.org/officeDocument/2006/relationships" xmlns:p="http://schemas.openxmlformats.org/presentationml/2006/main">
+  <p:cSld>
+    <p:spTree>
+      <p:nvGrpSpPr>
+        <p:cNvPr id="1" name=""/>
+        <p:cNvGrpSpPr/>
+        <p:nvPr/>
+      </p:nvGrpSpPr>
+      <p:grpSpPr>
+        <a:xfrm>
+          <a:off x="0" y="0"/>
+          <a:ext cx="0" cy="0"/>
+          <a:chOff x="0" y="0"/>
+          <a:chExt cx="0" cy="0"/>
+        </a:xfrm>
+      </p:grpSpPr>
+      <p:sp>
+        <p:nvSpPr>
+          <p:cNvPr id="2" name="Title 1"/>
+          <p:cNvSpPr>
+            <a:spLocks noGrp="1"/>
+          </p:cNvSpPr>
+          <p:nvPr>
+            <p:ph type="title"/>
+          </p:nvPr>
+        </p:nvSpPr>
+        <p:spPr/>
+        <p:txBody>
+          <a:bodyPr/>
+          <a:lstStyle/>
+          <a:p>
+            <a:r>
+              <a:rPr lang="en-US" smtClean="0"/>
+              <a:t>TreeView</a:t>
+            </a:r>
+            <a:endParaRPr lang="id-ID"/>
+          </a:p>
+        </p:txBody>
+      </p:sp>
+      <p:sp>
+        <p:nvSpPr>
+          <p:cNvPr id="3" name="Content Placeholder 2"/>
+          <p:cNvSpPr>
+            <a:spLocks noGrp="1"/>
+          </p:cNvSpPr>
+          <p:nvPr>
+            <p:ph idx="1"/>
+          </p:nvPr>
+        </p:nvSpPr>
+        <p:spPr/>
+        <p:txBody>
+          <a:bodyPr/>
+          <a:lstStyle/>
+          <a:p>
+            <a:r>
+              <a:rPr lang="en-US" smtClean="0"/>
+              <a:t>Bentuk navigasi lain adalah berupa Tree</a:t>
+            </a:r>
+          </a:p>
+          <a:p>
+            <a:r>
+              <a:rPr lang="en-US" smtClean="0"/>
+              <a:t>Tambahkan TreeView di halaman Home</a:t>
+            </a:r>
+            <a:endParaRPr lang="id-ID"/>
+          </a:p>
+        </p:txBody>
+      </p:sp>
+    </p:spTree>
+    <p:extLst>
+      <p:ext uri="{BB962C8B-B14F-4D97-AF65-F5344CB8AC3E}">
+        <p14:creationId xmlns:p14="http://schemas.microsoft.com/office/powerpoint/2010/main" val="1759186849"/>
+      </p:ext>
+    </p:extLst>
+  </p:cSld>
+  <p:clrMapOvr>
+    <a:masterClrMapping/>
+  </p:clrMapOvr>
+</p:sld>
+</file>
+
+<file path=ppt/slides/slide25.xml><?xml version="1.0" encoding="utf-8"?>
+<p:sld xmlns:a="http://schemas.openxmlformats.org/drawingml/2006/main" xmlns:r="http://schemas.openxmlformats.org/officeDocument/2006/relationships" xmlns:p="http://schemas.openxmlformats.org/presentationml/2006/main">
+  <p:cSld>
+    <p:spTree>
+      <p:nvGrpSpPr>
+        <p:cNvPr id="1" name=""/>
+        <p:cNvGrpSpPr/>
+        <p:nvPr/>
+      </p:nvGrpSpPr>
+      <p:grpSpPr>
+        <a:xfrm>
+          <a:off x="0" y="0"/>
+          <a:ext cx="0" cy="0"/>
+          <a:chOff x="0" y="0"/>
+          <a:chExt cx="0" cy="0"/>
+        </a:xfrm>
+      </p:grpSpPr>
+      <p:pic>
+        <p:nvPicPr>
+          <p:cNvPr id="4" name="Picture 3"/>
+          <p:cNvPicPr>
+            <a:picLocks noChangeAspect="1"/>
+          </p:cNvPicPr>
+          <p:nvPr/>
+        </p:nvPicPr>
+        <p:blipFill>
+          <a:blip r:embed="rId2"/>
+          <a:stretch>
+            <a:fillRect/>
+          </a:stretch>
+        </p:blipFill>
+        <p:spPr>
+          <a:xfrm>
+            <a:off x="340314" y="350928"/>
+            <a:ext cx="11649473" cy="5932306"/>
+          </a:xfrm>
+          <a:prstGeom prst="rect">
+            <a:avLst/>
+          </a:prstGeom>
+        </p:spPr>
+      </p:pic>
+    </p:spTree>
+    <p:extLst>
+      <p:ext uri="{BB962C8B-B14F-4D97-AF65-F5344CB8AC3E}">
+        <p14:creationId xmlns:p14="http://schemas.microsoft.com/office/powerpoint/2010/main" val="3607142190"/>
+      </p:ext>
+    </p:extLst>
+  </p:cSld>
+  <p:clrMapOvr>
+    <a:masterClrMapping/>
+  </p:clrMapOvr>
+</p:sld>
+</file>
+
 <file path=ppt/slides/slide3.xml><?xml version="1.0" encoding="utf-8"?>
 <p:sld xmlns:a="http://schemas.openxmlformats.org/drawingml/2006/main" xmlns:r="http://schemas.openxmlformats.org/officeDocument/2006/relationships" xmlns:p="http://schemas.openxmlformats.org/presentationml/2006/main">
   <p:cSld>
@@ -9456,46 +10243,7 @@
                 <a:effectLst/>
                 <a:latin typeface="Arial" panose="020B0604020202020204" pitchFamily="34" charset="0"/>
               </a:rPr>
-              <a:t>XML </a:t>
-            </a:r>
-            <a:r>
-              <a:rPr kumimoji="0" lang="id-ID" altLang="id-ID" b="0" i="0" u="none" strike="noStrike" cap="none" normalizeH="0" baseline="0" smtClean="0">
-                <a:ln>
-                  <a:noFill/>
-                </a:ln>
-                <a:solidFill>
-                  <a:schemeClr val="tx1"/>
-                </a:solidFill>
-                <a:effectLst/>
-                <a:latin typeface="Arial" panose="020B0604020202020204" pitchFamily="34" charset="0"/>
-              </a:rPr>
-              <a:t>digunakan untuk membawa data pada </a:t>
-            </a:r>
-            <a:r>
-              <a:rPr kumimoji="0" lang="id-ID" altLang="id-ID" b="0" i="0" u="none" strike="noStrike" cap="none" normalizeH="0" baseline="0" smtClean="0">
-                <a:ln>
-                  <a:noFill/>
-                </a:ln>
-                <a:solidFill>
-                  <a:schemeClr val="tx1"/>
-                </a:solidFill>
-                <a:effectLst/>
-                <a:latin typeface="Arial" panose="020B0604020202020204" pitchFamily="34" charset="0"/>
-              </a:rPr>
-              <a:t>API </a:t>
-            </a:r>
-            <a:r>
-              <a:rPr kumimoji="0" lang="id-ID" altLang="id-ID" b="0" i="0" u="none" strike="noStrike" cap="none" normalizeH="0" baseline="0" smtClean="0">
-                <a:ln>
-                  <a:noFill/>
-                </a:ln>
-                <a:solidFill>
-                  <a:schemeClr val="tx1"/>
-                </a:solidFill>
-                <a:effectLst/>
-                <a:latin typeface="Arial" panose="020B0604020202020204" pitchFamily="34" charset="0"/>
-              </a:rPr>
-              <a:t>sep</a:t>
+              <a:t>XML digunakan untuk membawa data pada API sep</a:t>
             </a:r>
             <a:r>
               <a:rPr kumimoji="0" lang="en-US" altLang="id-ID" b="0" i="0" u="none" strike="noStrike" cap="none" normalizeH="0" baseline="0" smtClean="0">
@@ -9523,16 +10271,6 @@
               </a:rPr>
               <a:t>ti SOAP</a:t>
             </a:r>
-            <a:endParaRPr kumimoji="0" lang="id-ID" altLang="id-ID" b="0" i="0" u="none" strike="noStrike" cap="none" normalizeH="0" baseline="0" smtClean="0">
-              <a:ln>
-                <a:noFill/>
-              </a:ln>
-              <a:solidFill>
-                <a:schemeClr val="tx1"/>
-              </a:solidFill>
-              <a:effectLst/>
-              <a:latin typeface="Arial" panose="020B0604020202020204" pitchFamily="34" charset="0"/>
-            </a:endParaRPr>
           </a:p>
           <a:p>
             <a:pPr eaLnBrk="0" fontAlgn="base" hangingPunct="0">
@@ -9557,7 +10295,14 @@
                 <a:effectLst/>
                 <a:latin typeface="Arial" panose="020B0604020202020204" pitchFamily="34" charset="0"/>
               </a:rPr>
-              <a:t>XML digunakan untuk membentuk struktur form pada pemrograman </a:t>
+              <a:t>XML digunakan untuk membentuk struktur form pada pemrograman desktop </a:t>
+            </a:r>
+            <a:r>
+              <a:rPr lang="en-US" altLang="id-ID">
+                <a:effectLst/>
+                <a:latin typeface="Arial" panose="020B0604020202020204" pitchFamily="34" charset="0"/>
+              </a:rPr>
+              <a:t> </a:t>
             </a:r>
             <a:r>
               <a:rPr kumimoji="0" lang="id-ID" altLang="id-ID" b="0" i="0" u="none" strike="noStrike" cap="none" normalizeH="0" baseline="0" smtClean="0">
@@ -9570,77 +10315,8 @@
                 <a:effectLst/>
                 <a:latin typeface="Arial" panose="020B0604020202020204" pitchFamily="34" charset="0"/>
               </a:rPr>
-              <a:t>desktop </a:t>
-            </a:r>
-            <a:r>
-              <a:rPr lang="en-US" altLang="id-ID">
-                <a:effectLst/>
-                <a:latin typeface="Arial" panose="020B0604020202020204" pitchFamily="34" charset="0"/>
-              </a:rPr>
-              <a:t> </a:t>
-            </a:r>
-            <a:r>
-              <a:rPr kumimoji="0" lang="id-ID" altLang="id-ID" b="0" i="0" u="none" strike="noStrike" cap="none" normalizeH="0" baseline="0" smtClean="0">
-                <a:ln>
-                  <a:noFill/>
-                </a:ln>
-                <a:solidFill>
-                  <a:schemeClr val="tx1"/>
-                </a:solidFill>
-                <a:effectLst/>
-                <a:latin typeface="Arial" panose="020B0604020202020204" pitchFamily="34" charset="0"/>
-              </a:rPr>
-              <a:t>seperti </a:t>
-            </a:r>
-            <a:r>
-              <a:rPr kumimoji="0" lang="id-ID" altLang="id-ID" b="0" i="0" u="none" strike="noStrike" cap="none" normalizeH="0" baseline="0" smtClean="0">
-                <a:ln>
-                  <a:noFill/>
-                </a:ln>
-                <a:solidFill>
-                  <a:schemeClr val="tx1"/>
-                </a:solidFill>
-                <a:effectLst/>
-                <a:latin typeface="Arial" panose="020B0604020202020204" pitchFamily="34" charset="0"/>
-              </a:rPr>
-              <a:t>delphi, lazarus, vb, gtk</a:t>
-            </a:r>
-            <a:r>
-              <a:rPr kumimoji="0" lang="id-ID" altLang="id-ID" b="0" i="0" u="none" strike="noStrike" cap="none" normalizeH="0" baseline="0" smtClean="0">
-                <a:ln>
-                  <a:noFill/>
-                </a:ln>
-                <a:solidFill>
-                  <a:schemeClr val="tx1"/>
-                </a:solidFill>
-                <a:effectLst/>
-                <a:latin typeface="Arial" panose="020B0604020202020204" pitchFamily="34" charset="0"/>
-              </a:rPr>
-              <a:t>, </a:t>
-            </a:r>
-            <a:r>
-              <a:rPr kumimoji="0" lang="id-ID" altLang="id-ID" b="0" i="0" u="none" strike="noStrike" cap="none" normalizeH="0" baseline="0" smtClean="0">
-                <a:ln>
-                  <a:noFill/>
-                </a:ln>
-                <a:solidFill>
-                  <a:schemeClr val="tx1"/>
-                </a:solidFill>
-                <a:effectLst/>
-                <a:latin typeface="Arial" panose="020B0604020202020204" pitchFamily="34" charset="0"/>
-              </a:rPr>
-              <a:t>dll</a:t>
-            </a:r>
-            <a:endParaRPr kumimoji="0" lang="id-ID" altLang="id-ID" b="0" i="0" u="none" strike="noStrike" cap="none" normalizeH="0" baseline="0" smtClean="0">
-              <a:ln>
-                <a:noFill/>
-              </a:ln>
-              <a:solidFill>
-                <a:schemeClr val="tx1"/>
-              </a:solidFill>
-              <a:effectLst/>
-              <a:latin typeface="Arial" panose="020B0604020202020204" pitchFamily="34" charset="0"/>
-            </a:endParaRPr>
+              <a:t>seperti delphi, lazarus, vb, gtk, dll</a:t>
+            </a:r>
           </a:p>
           <a:p>
             <a:pPr eaLnBrk="0" fontAlgn="base" hangingPunct="0">
@@ -9665,44 +10341,8 @@
                 <a:effectLst/>
                 <a:latin typeface="Arial" panose="020B0604020202020204" pitchFamily="34" charset="0"/>
               </a:rPr>
-              <a:t>XML digunakan untuk membuat layout </a:t>
-            </a:r>
-            <a:r>
-              <a:rPr kumimoji="0" lang="id-ID" altLang="id-ID" b="0" i="0" u="none" strike="noStrike" cap="none" normalizeH="0" baseline="0" smtClean="0">
-                <a:ln>
-                  <a:noFill/>
-                </a:ln>
-                <a:solidFill>
-                  <a:schemeClr val="tx1"/>
-                </a:solidFill>
-                <a:effectLst/>
-                <a:latin typeface="Arial" panose="020B0604020202020204" pitchFamily="34" charset="0"/>
-              </a:rPr>
-              <a:t>aplikasi </a:t>
-            </a:r>
-            <a:r>
-              <a:rPr kumimoji="0" lang="id-ID" altLang="id-ID" b="0" i="0" u="none" strike="noStrike" cap="none" normalizeH="0" baseline="0" smtClean="0">
-                <a:ln>
-                  <a:noFill/>
-                </a:ln>
-                <a:solidFill>
-                  <a:schemeClr val="tx1"/>
-                </a:solidFill>
-                <a:effectLst/>
-                <a:latin typeface="Arial" panose="020B0604020202020204" pitchFamily="34" charset="0"/>
-              </a:rPr>
-              <a:t>android</a:t>
-            </a:r>
-            <a:endParaRPr kumimoji="0" lang="id-ID" altLang="id-ID" b="0" i="0" u="none" strike="noStrike" cap="none" normalizeH="0" baseline="0" smtClean="0">
-              <a:ln>
-                <a:noFill/>
-              </a:ln>
-              <a:solidFill>
-                <a:schemeClr val="tx1"/>
-              </a:solidFill>
-              <a:effectLst/>
-              <a:latin typeface="Arial" panose="020B0604020202020204" pitchFamily="34" charset="0"/>
-            </a:endParaRPr>
+              <a:t>XML digunakan untuk membuat layout aplikasi android</a:t>
+            </a:r>
           </a:p>
           <a:p>
             <a:pPr eaLnBrk="0" fontAlgn="base" hangingPunct="0">
@@ -9727,44 +10367,8 @@
                 <a:effectLst/>
                 <a:latin typeface="Arial" panose="020B0604020202020204" pitchFamily="34" charset="0"/>
               </a:rPr>
-              <a:t>XML bertugas untuk membentuk struktur proyek pada java yang </a:t>
-            </a:r>
-            <a:r>
-              <a:rPr kumimoji="0" lang="id-ID" altLang="id-ID" b="0" i="0" u="none" strike="noStrike" cap="none" normalizeH="0" baseline="0" smtClean="0">
-                <a:ln>
-                  <a:noFill/>
-                </a:ln>
-                <a:solidFill>
-                  <a:schemeClr val="tx1"/>
-                </a:solidFill>
-                <a:effectLst/>
-                <a:latin typeface="Arial" panose="020B0604020202020204" pitchFamily="34" charset="0"/>
-              </a:rPr>
-              <a:t>menggunakan </a:t>
-            </a:r>
-            <a:r>
-              <a:rPr kumimoji="0" lang="id-ID" altLang="id-ID" b="0" i="0" u="none" strike="noStrike" cap="none" normalizeH="0" baseline="0" smtClean="0">
-                <a:ln>
-                  <a:noFill/>
-                </a:ln>
-                <a:solidFill>
-                  <a:schemeClr val="tx1"/>
-                </a:solidFill>
-                <a:effectLst/>
-                <a:latin typeface="Arial" panose="020B0604020202020204" pitchFamily="34" charset="0"/>
-              </a:rPr>
-              <a:t>Maven</a:t>
-            </a:r>
-            <a:endParaRPr kumimoji="0" lang="id-ID" altLang="id-ID" b="0" i="0" u="none" strike="noStrike" cap="none" normalizeH="0" baseline="0" smtClean="0">
-              <a:ln>
-                <a:noFill/>
-              </a:ln>
-              <a:solidFill>
-                <a:schemeClr val="tx1"/>
-              </a:solidFill>
-              <a:effectLst/>
-              <a:latin typeface="Arial" panose="020B0604020202020204" pitchFamily="34" charset="0"/>
-            </a:endParaRPr>
+              <a:t>XML bertugas untuk membentuk struktur proyek pada java yang menggunakan Maven</a:t>
+            </a:r>
           </a:p>
           <a:p>
             <a:pPr eaLnBrk="0" fontAlgn="base" hangingPunct="0">
@@ -9789,44 +10393,8 @@
                 <a:effectLst/>
                 <a:latin typeface="Arial" panose="020B0604020202020204" pitchFamily="34" charset="0"/>
               </a:rPr>
-              <a:t>XML digunakan sebagai format file SVG, DOCX</a:t>
-            </a:r>
-            <a:r>
-              <a:rPr kumimoji="0" lang="id-ID" altLang="id-ID" b="0" i="0" u="none" strike="noStrike" cap="none" normalizeH="0" baseline="0" smtClean="0">
-                <a:ln>
-                  <a:noFill/>
-                </a:ln>
-                <a:solidFill>
-                  <a:schemeClr val="tx1"/>
-                </a:solidFill>
-                <a:effectLst/>
-                <a:latin typeface="Arial" panose="020B0604020202020204" pitchFamily="34" charset="0"/>
-              </a:rPr>
-              <a:t>, </a:t>
-            </a:r>
-            <a:r>
-              <a:rPr kumimoji="0" lang="id-ID" altLang="id-ID" b="0" i="0" u="none" strike="noStrike" cap="none" normalizeH="0" baseline="0" smtClean="0">
-                <a:ln>
-                  <a:noFill/>
-                </a:ln>
-                <a:solidFill>
-                  <a:schemeClr val="tx1"/>
-                </a:solidFill>
-                <a:effectLst/>
-                <a:latin typeface="Arial" panose="020B0604020202020204" pitchFamily="34" charset="0"/>
-              </a:rPr>
-              <a:t>dsb </a:t>
-            </a:r>
-            <a:endParaRPr kumimoji="0" lang="id-ID" altLang="id-ID" b="0" i="0" u="none" strike="noStrike" cap="none" normalizeH="0" baseline="0" smtClean="0">
-              <a:ln>
-                <a:noFill/>
-              </a:ln>
-              <a:solidFill>
-                <a:schemeClr val="tx1"/>
-              </a:solidFill>
-              <a:effectLst/>
-              <a:latin typeface="Arial" panose="020B0604020202020204" pitchFamily="34" charset="0"/>
-            </a:endParaRPr>
+              <a:t>XML digunakan sebagai format file SVG, DOCX, dsb </a:t>
+            </a:r>
           </a:p>
         </p:txBody>
       </p:sp>

--- a/presentasi 3.pptx
+++ b/presentasi 3.pptx
@@ -30,6 +30,14 @@
     <p:sldId id="281" r:id="rId24"/>
     <p:sldId id="282" r:id="rId25"/>
     <p:sldId id="283" r:id="rId26"/>
+    <p:sldId id="285" r:id="rId27"/>
+    <p:sldId id="286" r:id="rId28"/>
+    <p:sldId id="287" r:id="rId29"/>
+    <p:sldId id="288" r:id="rId30"/>
+    <p:sldId id="289" r:id="rId31"/>
+    <p:sldId id="290" r:id="rId32"/>
+    <p:sldId id="291" r:id="rId33"/>
+    <p:sldId id="292" r:id="rId34"/>
   </p:sldIdLst>
   <p:sldSz cx="12192000" cy="6858000"/>
   <p:notesSz cx="6858000" cy="9144000"/>
@@ -129,6 +137,75 @@
     </a:lvl9pPr>
   </p:defaultTextStyle>
   <p:extLst>
+    <p:ext uri="{521415D9-36F7-43E2-AB2F-B90AF26B5E84}">
+      <p14:sectionLst xmlns:p14="http://schemas.microsoft.com/office/powerpoint/2010/main">
+        <p14:section name="Default Section" id="{65E1D176-9462-4760-B1D4-518056AC6383}">
+          <p14:sldIdLst>
+            <p14:sldId id="256"/>
+            <p14:sldId id="257"/>
+            <p14:sldId id="266"/>
+            <p14:sldId id="258"/>
+          </p14:sldIdLst>
+        </p14:section>
+        <p14:section name="XML" id="{81E03AD8-70A9-46F0-802B-445725DA76A0}">
+          <p14:sldIdLst>
+            <p14:sldId id="267"/>
+            <p14:sldId id="262"/>
+            <p14:sldId id="263"/>
+            <p14:sldId id="264"/>
+            <p14:sldId id="265"/>
+            <p14:sldId id="268"/>
+          </p14:sldIdLst>
+        </p14:section>
+        <p14:section name="Latihan tahap 1" id="{F365E817-C92C-4687-9749-8C0DDE0849EA}">
+          <p14:sldIdLst>
+            <p14:sldId id="269"/>
+          </p14:sldIdLst>
+        </p14:section>
+        <p14:section name="Latihan 1" id="{D0412CD7-8173-4E67-B4C6-3020CF9CBD4D}">
+          <p14:sldIdLst>
+            <p14:sldId id="270"/>
+            <p14:sldId id="271"/>
+            <p14:sldId id="272"/>
+            <p14:sldId id="273"/>
+          </p14:sldIdLst>
+        </p14:section>
+        <p14:section name="Latihan 2" id="{7C91BA89-F3D6-4924-B6D8-136994FF1A16}">
+          <p14:sldIdLst>
+            <p14:sldId id="274"/>
+            <p14:sldId id="275"/>
+            <p14:sldId id="276"/>
+            <p14:sldId id="277"/>
+          </p14:sldIdLst>
+        </p14:section>
+        <p14:section name="Latihan 3" id="{0752AE6E-9981-4A90-9841-5169D60D5DC1}">
+          <p14:sldIdLst>
+            <p14:sldId id="278"/>
+            <p14:sldId id="279"/>
+            <p14:sldId id="280"/>
+            <p14:sldId id="281"/>
+            <p14:sldId id="282"/>
+            <p14:sldId id="283"/>
+          </p14:sldIdLst>
+        </p14:section>
+        <p14:section name="Latihan 4" id="{FA5EA69E-7465-4D2D-8E85-3937C44E3A13}">
+          <p14:sldIdLst>
+            <p14:sldId id="285"/>
+            <p14:sldId id="286"/>
+            <p14:sldId id="287"/>
+            <p14:sldId id="288"/>
+            <p14:sldId id="289"/>
+          </p14:sldIdLst>
+        </p14:section>
+        <p14:section name="Latihan 5" id="{4907E1C5-D882-4570-874D-372483038053}">
+          <p14:sldIdLst>
+            <p14:sldId id="290"/>
+            <p14:sldId id="291"/>
+            <p14:sldId id="292"/>
+          </p14:sldIdLst>
+        </p14:section>
+      </p14:sectionLst>
+    </p:ext>
     <p:ext uri="{EFAFB233-063F-42B5-8137-9DF3F51BA10A}">
       <p15:sldGuideLst xmlns:p15="http://schemas.microsoft.com/office/powerpoint/2012/main"/>
     </p:ext>
@@ -410,7 +487,7 @@
           <a:p>
             <a:fld id="{AF239A9A-B4B0-4B32-B8CD-2E25E95134C4}" type="datetimeFigureOut">
               <a:rPr lang="en-US" dirty="0"/>
-              <a:t>10/19/2019</a:t>
+              <a:t>10/30/2019</a:t>
             </a:fld>
             <a:endParaRPr lang="en-US" dirty="0"/>
           </a:p>
@@ -819,7 +896,7 @@
           <a:p>
             <a:fld id="{F25518A9-B687-4302-9395-2322403C6656}" type="datetimeFigureOut">
               <a:rPr lang="en-US" dirty="0"/>
-              <a:t>10/19/2019</a:t>
+              <a:t>10/30/2019</a:t>
             </a:fld>
             <a:endParaRPr lang="en-US" dirty="0"/>
           </a:p>
@@ -1150,7 +1227,7 @@
           <a:p>
             <a:fld id="{1A99A684-0CB7-41E9-A4DF-5D1C2CA5BF6F}" type="datetimeFigureOut">
               <a:rPr lang="en-US" dirty="0"/>
-              <a:t>10/19/2019</a:t>
+              <a:t>10/30/2019</a:t>
             </a:fld>
             <a:endParaRPr lang="en-US" dirty="0"/>
           </a:p>
@@ -1550,7 +1627,7 @@
           <a:p>
             <a:fld id="{FEDD7C35-9E19-4518-A4B2-3B09CD8CC756}" type="datetimeFigureOut">
               <a:rPr lang="en-US" dirty="0"/>
-              <a:t>10/19/2019</a:t>
+              <a:t>10/30/2019</a:t>
             </a:fld>
             <a:endParaRPr lang="en-US" dirty="0"/>
           </a:p>
@@ -2113,7 +2190,7 @@
           <a:p>
             <a:fld id="{26196DA8-8897-4DDF-BFB6-5D83863C837A}" type="datetimeFigureOut">
               <a:rPr lang="en-US" dirty="0"/>
-              <a:t>10/19/2019</a:t>
+              <a:t>10/30/2019</a:t>
             </a:fld>
             <a:endParaRPr lang="en-US" dirty="0"/>
           </a:p>
@@ -2789,7 +2866,7 @@
           <a:p>
             <a:fld id="{DCBBA708-C5F0-412D-90E2-1919F0D196AE}" type="datetimeFigureOut">
               <a:rPr lang="en-US" dirty="0"/>
-              <a:t>10/19/2019</a:t>
+              <a:t>10/30/2019</a:t>
             </a:fld>
             <a:endParaRPr lang="en-US" dirty="0"/>
           </a:p>
@@ -3697,7 +3774,7 @@
           <a:p>
             <a:fld id="{A9C8F8FA-EF43-4642-9368-3F4E33039BD9}" type="datetimeFigureOut">
               <a:rPr lang="en-US" dirty="0"/>
-              <a:t>10/19/2019</a:t>
+              <a:t>10/30/2019</a:t>
             </a:fld>
             <a:endParaRPr lang="en-US" dirty="0"/>
           </a:p>
@@ -4005,7 +4082,7 @@
           <a:p>
             <a:fld id="{6B61E721-B01C-4D5D-A3CA-2E5518383F10}" type="datetimeFigureOut">
               <a:rPr lang="en-US" dirty="0"/>
-              <a:t>10/19/2019</a:t>
+              <a:t>10/30/2019</a:t>
             </a:fld>
             <a:endParaRPr lang="en-US" dirty="0"/>
           </a:p>
@@ -4264,7 +4341,7 @@
           <a:p>
             <a:fld id="{6513FEF9-69D0-4F8C-A336-59491FBEDC47}" type="datetimeFigureOut">
               <a:rPr lang="en-US" dirty="0"/>
-              <a:t>10/19/2019</a:t>
+              <a:t>10/30/2019</a:t>
             </a:fld>
             <a:endParaRPr lang="en-US" dirty="0"/>
           </a:p>
@@ -4601,7 +4678,7 @@
           <a:p>
             <a:fld id="{A91E21DC-8981-44E6-BC8C-2BA8F673FFBB}" type="datetimeFigureOut">
               <a:rPr lang="en-US" dirty="0"/>
-              <a:t>10/19/2019</a:t>
+              <a:t>10/30/2019</a:t>
             </a:fld>
             <a:endParaRPr lang="en-US" dirty="0"/>
           </a:p>
@@ -4985,7 +5062,7 @@
           <a:p>
             <a:fld id="{AEB9C5D3-0140-4E75-8D7F-C0623D06DFD7}" type="datetimeFigureOut">
               <a:rPr lang="en-US" dirty="0"/>
-              <a:t>10/19/2019</a:t>
+              <a:t>10/30/2019</a:t>
             </a:fld>
             <a:endParaRPr lang="en-US" dirty="0"/>
           </a:p>
@@ -5356,7 +5433,7 @@
           <a:p>
             <a:fld id="{3A5666F9-5B40-48E0-8DFD-99EF944CDD22}" type="datetimeFigureOut">
               <a:rPr lang="en-US" dirty="0"/>
-              <a:t>10/19/2019</a:t>
+              <a:t>10/30/2019</a:t>
             </a:fld>
             <a:endParaRPr lang="en-US" dirty="0"/>
           </a:p>
@@ -5857,7 +5934,7 @@
           <a:p>
             <a:fld id="{2A698D6B-2C72-4E21-9893-A649C6E2A47D}" type="datetimeFigureOut">
               <a:rPr lang="en-US" dirty="0"/>
-              <a:t>10/19/2019</a:t>
+              <a:t>10/30/2019</a:t>
             </a:fld>
             <a:endParaRPr lang="en-US" dirty="0"/>
           </a:p>
@@ -6109,7 +6186,7 @@
           <a:p>
             <a:fld id="{C86811C9-A66C-49F0-970E-F7B68D9109A0}" type="datetimeFigureOut">
               <a:rPr lang="en-US" dirty="0"/>
-              <a:t>10/19/2019</a:t>
+              <a:t>10/30/2019</a:t>
             </a:fld>
             <a:endParaRPr lang="en-US" dirty="0"/>
           </a:p>
@@ -6267,7 +6344,7 @@
           <a:p>
             <a:fld id="{6C01AE78-96A2-4A23-B183-3B6DB4374FE7}" type="datetimeFigureOut">
               <a:rPr lang="en-US" dirty="0"/>
-              <a:t>10/19/2019</a:t>
+              <a:t>10/30/2019</a:t>
             </a:fld>
             <a:endParaRPr lang="en-US" dirty="0"/>
           </a:p>
@@ -6652,7 +6729,7 @@
           <a:p>
             <a:fld id="{73AE0757-B101-4811-9189-10EB2F458E2D}" type="datetimeFigureOut">
               <a:rPr lang="en-US" dirty="0"/>
-              <a:t>10/19/2019</a:t>
+              <a:t>10/30/2019</a:t>
             </a:fld>
             <a:endParaRPr lang="en-US" dirty="0"/>
           </a:p>
@@ -7056,7 +7133,7 @@
           <a:p>
             <a:fld id="{7EBDC078-589F-40E3-816C-EE21D62B5BBA}" type="datetimeFigureOut">
               <a:rPr lang="en-US" dirty="0"/>
-              <a:t>10/19/2019</a:t>
+              <a:t>10/30/2019</a:t>
             </a:fld>
             <a:endParaRPr lang="en-US" dirty="0"/>
           </a:p>
@@ -7295,7 +7372,7 @@
           <a:p>
             <a:fld id="{C7004436-CA73-4D53-89B4-2A5C7347BF2F}" type="datetimeFigureOut">
               <a:rPr lang="en-US" dirty="0"/>
-              <a:t>10/19/2019</a:t>
+              <a:t>10/30/2019</a:t>
             </a:fld>
             <a:endParaRPr lang="en-US" dirty="0"/>
           </a:p>
@@ -7917,7 +7994,7 @@
           <a:p>
             <a:r>
               <a:rPr lang="en-US" smtClean="0"/>
-              <a:t>Agenda XML</a:t>
+              <a:t>Latihan Dasar XML</a:t>
             </a:r>
             <a:endParaRPr lang="id-ID"/>
           </a:p>
@@ -7942,23 +8019,64 @@
               <a:rPr lang="en-US" smtClean="0"/>
               <a:t>Latihan 1: XML object </a:t>
             </a:r>
-          </a:p>
-          <a:p>
-            <a:r>
-              <a:rPr lang="en-US" smtClean="0"/>
-              <a:t>Latihan 2: XML </a:t>
-            </a:r>
-            <a:r>
-              <a:rPr lang="en-US" smtClean="0"/>
-              <a:t>simple</a:t>
-            </a:r>
-          </a:p>
-          <a:p>
-            <a:r>
-              <a:rPr lang="en-US" smtClean="0"/>
-              <a:t>Latihan 3: XML untuk SiteMap</a:t>
-            </a:r>
             <a:endParaRPr lang="en-US" smtClean="0"/>
+          </a:p>
+          <a:p>
+            <a:r>
+              <a:rPr lang="en-US" smtClean="0"/>
+              <a:t>Latihan </a:t>
+            </a:r>
+            <a:r>
+              <a:rPr lang="en-US" smtClean="0"/>
+              <a:t>2</a:t>
+            </a:r>
+            <a:r>
+              <a:rPr lang="en-US" smtClean="0"/>
+              <a:t>: </a:t>
+            </a:r>
+            <a:r>
+              <a:rPr lang="en-US" smtClean="0"/>
+              <a:t>XML simple</a:t>
+            </a:r>
+          </a:p>
+          <a:p>
+            <a:r>
+              <a:rPr lang="en-US" smtClean="0"/>
+              <a:t>Latihan </a:t>
+            </a:r>
+            <a:r>
+              <a:rPr lang="en-US" smtClean="0"/>
+              <a:t>3: </a:t>
+            </a:r>
+            <a:r>
+              <a:rPr lang="en-US" smtClean="0"/>
+              <a:t>XML untuk SiteMap</a:t>
+            </a:r>
+          </a:p>
+          <a:p>
+            <a:r>
+              <a:rPr lang="en-US"/>
+              <a:t>Latihan </a:t>
+            </a:r>
+            <a:r>
+              <a:rPr lang="en-US" smtClean="0"/>
+              <a:t>4: </a:t>
+            </a:r>
+            <a:r>
+              <a:rPr lang="en-US"/>
+              <a:t>XML </a:t>
+            </a:r>
+            <a:r>
+              <a:rPr lang="en-US" smtClean="0"/>
+              <a:t>Transform</a:t>
+            </a:r>
+          </a:p>
+          <a:p>
+            <a:r>
+              <a:rPr lang="en-US" smtClean="0"/>
+              <a:t>Latihan 5: Transformasi lanjutan</a:t>
+            </a:r>
+            <a:endParaRPr lang="en-US"/>
           </a:p>
           <a:p>
             <a:endParaRPr lang="en-US" smtClean="0"/>
@@ -8022,7 +8140,11 @@
           <a:p>
             <a:r>
               <a:rPr lang="en-US" smtClean="0"/>
-              <a:t>Latihan 1</a:t>
+              <a:t>Latihan </a:t>
+            </a:r>
+            <a:r>
+              <a:rPr lang="en-US" smtClean="0"/>
+              <a:t>1: XML Object</a:t>
             </a:r>
             <a:endParaRPr lang="id-ID"/>
           </a:p>
@@ -8933,7 +9055,17 @@
           <a:p>
             <a:r>
               <a:rPr lang="en-US" smtClean="0"/>
-              <a:t>XML Data</a:t>
+              <a:t>XML </a:t>
+            </a:r>
+            <a:r>
+              <a:rPr lang="en-US" smtClean="0"/>
+              <a:t>Data</a:t>
+            </a:r>
+          </a:p>
+          <a:p>
+            <a:r>
+              <a:rPr lang="en-US" smtClean="0"/>
+              <a:t>Latihan dasar XML</a:t>
             </a:r>
             <a:endParaRPr lang="id-ID"/>
           </a:p>
@@ -9220,15 +9352,7 @@
                   <a:srgbClr val="FFFF00"/>
                 </a:solidFill>
               </a:rPr>
-              <a:t>  &lt;/</a:t>
-            </a:r>
-            <a:r>
-              <a:rPr lang="id-ID" sz="2900">
-                <a:solidFill>
-                  <a:srgbClr val="FFFF00"/>
-                </a:solidFill>
-              </a:rPr>
-              <a:t>siteMapNode</a:t>
+              <a:t>  &lt;/siteMapNode</a:t>
             </a:r>
             <a:r>
               <a:rPr lang="id-ID" sz="2900" smtClean="0">
@@ -9254,15 +9378,7 @@
                   <a:srgbClr val="FFFF00"/>
                 </a:solidFill>
               </a:rPr>
-              <a:t>&lt;/</a:t>
-            </a:r>
-            <a:r>
-              <a:rPr lang="id-ID" sz="2900">
-                <a:solidFill>
-                  <a:srgbClr val="FFFF00"/>
-                </a:solidFill>
-              </a:rPr>
-              <a:t>siteMap</a:t>
+              <a:t>&lt;/siteMap</a:t>
             </a:r>
             <a:r>
               <a:rPr lang="id-ID" sz="2900" smtClean="0">
@@ -9420,15 +9536,7 @@
                   <a:srgbClr val="FFFF00"/>
                 </a:solidFill>
               </a:rPr>
-              <a:t>asp:SiteMapPath ID</a:t>
-            </a:r>
-            <a:r>
-              <a:rPr lang="id-ID" sz="1900">
-                <a:solidFill>
-                  <a:srgbClr val="FFFF00"/>
-                </a:solidFill>
-              </a:rPr>
-              <a:t>="</a:t>
+              <a:t>asp:SiteMapPath ID="</a:t>
             </a:r>
             <a:r>
               <a:rPr lang="id-ID" sz="1900" smtClean="0">
@@ -9460,15 +9568,7 @@
                   <a:srgbClr val="FFFF00"/>
                 </a:solidFill>
               </a:rPr>
-              <a:t>runat="server"&gt;&lt;/</a:t>
-            </a:r>
-            <a:r>
-              <a:rPr lang="id-ID" sz="1900">
-                <a:solidFill>
-                  <a:srgbClr val="FFFF00"/>
-                </a:solidFill>
-              </a:rPr>
-              <a:t>asp:SiteMapPath</a:t>
+              <a:t>runat="server"&gt;&lt;/asp:SiteMapPath</a:t>
             </a:r>
             <a:r>
               <a:rPr lang="id-ID" sz="1900" smtClean="0">
@@ -9727,6 +9827,396 @@
 </p:sld>
 </file>
 
+<file path=ppt/slides/slide26.xml><?xml version="1.0" encoding="utf-8"?>
+<p:sld xmlns:a="http://schemas.openxmlformats.org/drawingml/2006/main" xmlns:r="http://schemas.openxmlformats.org/officeDocument/2006/relationships" xmlns:p="http://schemas.openxmlformats.org/presentationml/2006/main">
+  <p:cSld>
+    <p:spTree>
+      <p:nvGrpSpPr>
+        <p:cNvPr id="1" name=""/>
+        <p:cNvGrpSpPr/>
+        <p:nvPr/>
+      </p:nvGrpSpPr>
+      <p:grpSpPr>
+        <a:xfrm>
+          <a:off x="0" y="0"/>
+          <a:ext cx="0" cy="0"/>
+          <a:chOff x="0" y="0"/>
+          <a:chExt cx="0" cy="0"/>
+        </a:xfrm>
+      </p:grpSpPr>
+      <p:sp>
+        <p:nvSpPr>
+          <p:cNvPr id="2" name="Title 1"/>
+          <p:cNvSpPr>
+            <a:spLocks noGrp="1"/>
+          </p:cNvSpPr>
+          <p:nvPr>
+            <p:ph type="title"/>
+          </p:nvPr>
+        </p:nvSpPr>
+        <p:spPr/>
+        <p:txBody>
+          <a:bodyPr/>
+          <a:lstStyle/>
+          <a:p>
+            <a:r>
+              <a:rPr lang="en-US" smtClean="0"/>
+              <a:t>Latihan 4: Transform </a:t>
+            </a:r>
+            <a:endParaRPr lang="id-ID"/>
+          </a:p>
+        </p:txBody>
+      </p:sp>
+      <p:sp>
+        <p:nvSpPr>
+          <p:cNvPr id="3" name="Content Placeholder 2"/>
+          <p:cNvSpPr>
+            <a:spLocks noGrp="1"/>
+          </p:cNvSpPr>
+          <p:nvPr>
+            <p:ph idx="1"/>
+          </p:nvPr>
+        </p:nvSpPr>
+        <p:spPr/>
+        <p:txBody>
+          <a:bodyPr/>
+          <a:lstStyle/>
+          <a:p>
+            <a:r>
+              <a:rPr lang="en-US"/>
+              <a:t>Buat file unit2.xml</a:t>
+            </a:r>
+          </a:p>
+          <a:p>
+            <a:r>
+              <a:rPr lang="en-US"/>
+              <a:t>Isikan data seperti gambar </a:t>
+            </a:r>
+            <a:r>
+              <a:rPr lang="en-US">
+                <a:sym typeface="Wingdings" panose="05000000000000000000" pitchFamily="2" charset="2"/>
+              </a:rPr>
+              <a:t></a:t>
+            </a:r>
+          </a:p>
+          <a:p>
+            <a:r>
+              <a:rPr lang="en-US">
+                <a:sym typeface="Wingdings" panose="05000000000000000000" pitchFamily="2" charset="2"/>
+              </a:rPr>
+              <a:t>Buat file web form</a:t>
+            </a:r>
+          </a:p>
+          <a:p>
+            <a:r>
+              <a:rPr lang="en-US" smtClean="0">
+                <a:sym typeface="Wingdings" panose="05000000000000000000" pitchFamily="2" charset="2"/>
+              </a:rPr>
+              <a:t>Tampilkan dalam bentuk table </a:t>
+            </a:r>
+            <a:br>
+              <a:rPr lang="en-US" smtClean="0">
+                <a:sym typeface="Wingdings" panose="05000000000000000000" pitchFamily="2" charset="2"/>
+              </a:rPr>
+            </a:br>
+            <a:r>
+              <a:rPr lang="en-US" smtClean="0">
+                <a:sym typeface="Wingdings" panose="05000000000000000000" pitchFamily="2" charset="2"/>
+              </a:rPr>
+              <a:t>menggunakan xml control</a:t>
+            </a:r>
+            <a:endParaRPr lang="en-US">
+              <a:sym typeface="Wingdings" panose="05000000000000000000" pitchFamily="2" charset="2"/>
+            </a:endParaRPr>
+          </a:p>
+          <a:p>
+            <a:endParaRPr lang="id-ID"/>
+          </a:p>
+        </p:txBody>
+      </p:sp>
+      <p:pic>
+        <p:nvPicPr>
+          <p:cNvPr id="4" name="Picture 3"/>
+          <p:cNvPicPr>
+            <a:picLocks noChangeAspect="1"/>
+          </p:cNvPicPr>
+          <p:nvPr/>
+        </p:nvPicPr>
+        <p:blipFill>
+          <a:blip r:embed="rId2"/>
+          <a:stretch>
+            <a:fillRect/>
+          </a:stretch>
+        </p:blipFill>
+        <p:spPr>
+          <a:xfrm>
+            <a:off x="5761571" y="1834166"/>
+            <a:ext cx="4670925" cy="5005518"/>
+          </a:xfrm>
+          <a:prstGeom prst="rect">
+            <a:avLst/>
+          </a:prstGeom>
+        </p:spPr>
+      </p:pic>
+    </p:spTree>
+    <p:extLst>
+      <p:ext uri="{BB962C8B-B14F-4D97-AF65-F5344CB8AC3E}">
+        <p14:creationId xmlns:p14="http://schemas.microsoft.com/office/powerpoint/2010/main" val="2690203613"/>
+      </p:ext>
+    </p:extLst>
+  </p:cSld>
+  <p:clrMapOvr>
+    <a:masterClrMapping/>
+  </p:clrMapOvr>
+</p:sld>
+</file>
+
+<file path=ppt/slides/slide27.xml><?xml version="1.0" encoding="utf-8"?>
+<p:sld xmlns:a="http://schemas.openxmlformats.org/drawingml/2006/main" xmlns:r="http://schemas.openxmlformats.org/officeDocument/2006/relationships" xmlns:p="http://schemas.openxmlformats.org/presentationml/2006/main">
+  <p:cSld>
+    <p:spTree>
+      <p:nvGrpSpPr>
+        <p:cNvPr id="1" name=""/>
+        <p:cNvGrpSpPr/>
+        <p:nvPr/>
+      </p:nvGrpSpPr>
+      <p:grpSpPr>
+        <a:xfrm>
+          <a:off x="0" y="0"/>
+          <a:ext cx="0" cy="0"/>
+          <a:chOff x="0" y="0"/>
+          <a:chExt cx="0" cy="0"/>
+        </a:xfrm>
+      </p:grpSpPr>
+      <p:sp>
+        <p:nvSpPr>
+          <p:cNvPr id="2" name="Title 1"/>
+          <p:cNvSpPr>
+            <a:spLocks noGrp="1"/>
+          </p:cNvSpPr>
+          <p:nvPr>
+            <p:ph type="title"/>
+          </p:nvPr>
+        </p:nvSpPr>
+        <p:spPr/>
+        <p:txBody>
+          <a:bodyPr/>
+          <a:lstStyle/>
+          <a:p>
+            <a:r>
+              <a:rPr lang="en-US" smtClean="0"/>
+              <a:t>Latihan 4</a:t>
+            </a:r>
+            <a:endParaRPr lang="id-ID"/>
+          </a:p>
+        </p:txBody>
+      </p:sp>
+      <p:sp>
+        <p:nvSpPr>
+          <p:cNvPr id="3" name="Content Placeholder 2"/>
+          <p:cNvSpPr>
+            <a:spLocks noGrp="1"/>
+          </p:cNvSpPr>
+          <p:nvPr>
+            <p:ph idx="1"/>
+          </p:nvPr>
+        </p:nvSpPr>
+        <p:spPr/>
+        <p:txBody>
+          <a:bodyPr/>
+          <a:lstStyle/>
+          <a:p>
+            <a:r>
+              <a:rPr lang="en-US" smtClean="0"/>
+              <a:t>Gunakan referensi di </a:t>
+            </a:r>
+            <a:r>
+              <a:rPr lang="id-ID">
+                <a:hlinkClick r:id="rId2"/>
+              </a:rPr>
+              <a:t>https</a:t>
+            </a:r>
+            <a:r>
+              <a:rPr lang="id-ID">
+                <a:hlinkClick r:id="rId2"/>
+              </a:rPr>
+              <a:t>://</a:t>
+            </a:r>
+            <a:r>
+              <a:rPr lang="id-ID" smtClean="0">
+                <a:hlinkClick r:id="rId2"/>
+              </a:rPr>
+              <a:t>www.w3schools.com/xml/xsl_intro.asp</a:t>
+            </a:r>
+            <a:endParaRPr lang="en-US" smtClean="0"/>
+          </a:p>
+          <a:p>
+            <a:r>
+              <a:rPr lang="en-US" smtClean="0"/>
+              <a:t>Urutkan data berdasar Unit ID</a:t>
+            </a:r>
+          </a:p>
+          <a:p>
+            <a:r>
+              <a:rPr lang="en-US" smtClean="0"/>
+              <a:t>Tambahkan sebuah tombol untuk mengurutkan </a:t>
+            </a:r>
+            <a:br>
+              <a:rPr lang="en-US" smtClean="0"/>
+            </a:br>
+            <a:r>
+              <a:rPr lang="en-US" smtClean="0"/>
+              <a:t>data berdasarkan Unit Name</a:t>
+            </a:r>
+            <a:endParaRPr lang="id-ID"/>
+          </a:p>
+        </p:txBody>
+      </p:sp>
+      <p:pic>
+        <p:nvPicPr>
+          <p:cNvPr id="4" name="Picture 3"/>
+          <p:cNvPicPr>
+            <a:picLocks noChangeAspect="1"/>
+          </p:cNvPicPr>
+          <p:nvPr/>
+        </p:nvPicPr>
+        <p:blipFill>
+          <a:blip r:embed="rId3"/>
+          <a:stretch>
+            <a:fillRect/>
+          </a:stretch>
+        </p:blipFill>
+        <p:spPr>
+          <a:xfrm>
+            <a:off x="8553042" y="2336873"/>
+            <a:ext cx="2714625" cy="2847975"/>
+          </a:xfrm>
+          <a:prstGeom prst="rect">
+            <a:avLst/>
+          </a:prstGeom>
+        </p:spPr>
+      </p:pic>
+    </p:spTree>
+    <p:extLst>
+      <p:ext uri="{BB962C8B-B14F-4D97-AF65-F5344CB8AC3E}">
+        <p14:creationId xmlns:p14="http://schemas.microsoft.com/office/powerpoint/2010/main" val="2963407802"/>
+      </p:ext>
+    </p:extLst>
+  </p:cSld>
+  <p:clrMapOvr>
+    <a:masterClrMapping/>
+  </p:clrMapOvr>
+</p:sld>
+</file>
+
+<file path=ppt/slides/slide28.xml><?xml version="1.0" encoding="utf-8"?>
+<p:sld xmlns:a="http://schemas.openxmlformats.org/drawingml/2006/main" xmlns:r="http://schemas.openxmlformats.org/officeDocument/2006/relationships" xmlns:p="http://schemas.openxmlformats.org/presentationml/2006/main">
+  <p:cSld>
+    <p:spTree>
+      <p:nvGrpSpPr>
+        <p:cNvPr id="1" name=""/>
+        <p:cNvGrpSpPr/>
+        <p:nvPr/>
+      </p:nvGrpSpPr>
+      <p:grpSpPr>
+        <a:xfrm>
+          <a:off x="0" y="0"/>
+          <a:ext cx="0" cy="0"/>
+          <a:chOff x="0" y="0"/>
+          <a:chExt cx="0" cy="0"/>
+        </a:xfrm>
+      </p:grpSpPr>
+      <p:pic>
+        <p:nvPicPr>
+          <p:cNvPr id="4" name="Picture 3"/>
+          <p:cNvPicPr>
+            <a:picLocks noChangeAspect="1"/>
+          </p:cNvPicPr>
+          <p:nvPr/>
+        </p:nvPicPr>
+        <p:blipFill>
+          <a:blip r:embed="rId2"/>
+          <a:stretch>
+            <a:fillRect/>
+          </a:stretch>
+        </p:blipFill>
+        <p:spPr>
+          <a:xfrm>
+            <a:off x="286974" y="318951"/>
+            <a:ext cx="11404786" cy="5794466"/>
+          </a:xfrm>
+          <a:prstGeom prst="rect">
+            <a:avLst/>
+          </a:prstGeom>
+        </p:spPr>
+      </p:pic>
+    </p:spTree>
+    <p:extLst>
+      <p:ext uri="{BB962C8B-B14F-4D97-AF65-F5344CB8AC3E}">
+        <p14:creationId xmlns:p14="http://schemas.microsoft.com/office/powerpoint/2010/main" val="4240743464"/>
+      </p:ext>
+    </p:extLst>
+  </p:cSld>
+  <p:clrMapOvr>
+    <a:masterClrMapping/>
+  </p:clrMapOvr>
+</p:sld>
+</file>
+
+<file path=ppt/slides/slide29.xml><?xml version="1.0" encoding="utf-8"?>
+<p:sld xmlns:a="http://schemas.openxmlformats.org/drawingml/2006/main" xmlns:r="http://schemas.openxmlformats.org/officeDocument/2006/relationships" xmlns:p="http://schemas.openxmlformats.org/presentationml/2006/main">
+  <p:cSld>
+    <p:spTree>
+      <p:nvGrpSpPr>
+        <p:cNvPr id="1" name=""/>
+        <p:cNvGrpSpPr/>
+        <p:nvPr/>
+      </p:nvGrpSpPr>
+      <p:grpSpPr>
+        <a:xfrm>
+          <a:off x="0" y="0"/>
+          <a:ext cx="0" cy="0"/>
+          <a:chOff x="0" y="0"/>
+          <a:chExt cx="0" cy="0"/>
+        </a:xfrm>
+      </p:grpSpPr>
+      <p:pic>
+        <p:nvPicPr>
+          <p:cNvPr id="2" name="Picture 1"/>
+          <p:cNvPicPr>
+            <a:picLocks noChangeAspect="1"/>
+          </p:cNvPicPr>
+          <p:nvPr/>
+        </p:nvPicPr>
+        <p:blipFill>
+          <a:blip r:embed="rId2"/>
+          <a:stretch>
+            <a:fillRect/>
+          </a:stretch>
+        </p:blipFill>
+        <p:spPr>
+          <a:xfrm>
+            <a:off x="434067" y="106951"/>
+            <a:ext cx="10094595" cy="6622569"/>
+          </a:xfrm>
+          <a:prstGeom prst="rect">
+            <a:avLst/>
+          </a:prstGeom>
+        </p:spPr>
+      </p:pic>
+    </p:spTree>
+    <p:extLst>
+      <p:ext uri="{BB962C8B-B14F-4D97-AF65-F5344CB8AC3E}">
+        <p14:creationId xmlns:p14="http://schemas.microsoft.com/office/powerpoint/2010/main" val="1797149925"/>
+      </p:ext>
+    </p:extLst>
+  </p:cSld>
+  <p:clrMapOvr>
+    <a:masterClrMapping/>
+  </p:clrMapOvr>
+</p:sld>
+</file>
+
 <file path=ppt/slides/slide3.xml><?xml version="1.0" encoding="utf-8"?>
 <p:sld xmlns:a="http://schemas.openxmlformats.org/drawingml/2006/main" xmlns:r="http://schemas.openxmlformats.org/officeDocument/2006/relationships" xmlns:p="http://schemas.openxmlformats.org/presentationml/2006/main">
   <p:cSld>
@@ -9811,6 +10301,320 @@
     <p:extLst>
       <p:ext uri="{BB962C8B-B14F-4D97-AF65-F5344CB8AC3E}">
         <p14:creationId xmlns:p14="http://schemas.microsoft.com/office/powerpoint/2010/main" val="1675266769"/>
+      </p:ext>
+    </p:extLst>
+  </p:cSld>
+  <p:clrMapOvr>
+    <a:masterClrMapping/>
+  </p:clrMapOvr>
+</p:sld>
+</file>
+
+<file path=ppt/slides/slide30.xml><?xml version="1.0" encoding="utf-8"?>
+<p:sld xmlns:a="http://schemas.openxmlformats.org/drawingml/2006/main" xmlns:r="http://schemas.openxmlformats.org/officeDocument/2006/relationships" xmlns:p="http://schemas.openxmlformats.org/presentationml/2006/main">
+  <p:cSld>
+    <p:spTree>
+      <p:nvGrpSpPr>
+        <p:cNvPr id="1" name=""/>
+        <p:cNvGrpSpPr/>
+        <p:nvPr/>
+      </p:nvGrpSpPr>
+      <p:grpSpPr>
+        <a:xfrm>
+          <a:off x="0" y="0"/>
+          <a:ext cx="0" cy="0"/>
+          <a:chOff x="0" y="0"/>
+          <a:chExt cx="0" cy="0"/>
+        </a:xfrm>
+      </p:grpSpPr>
+      <p:pic>
+        <p:nvPicPr>
+          <p:cNvPr id="2" name="Picture 1"/>
+          <p:cNvPicPr>
+            <a:picLocks noChangeAspect="1"/>
+          </p:cNvPicPr>
+          <p:nvPr/>
+        </p:nvPicPr>
+        <p:blipFill>
+          <a:blip r:embed="rId2"/>
+          <a:stretch>
+            <a:fillRect/>
+          </a:stretch>
+        </p:blipFill>
+        <p:spPr>
+          <a:xfrm>
+            <a:off x="504553" y="403995"/>
+            <a:ext cx="9691644" cy="6075181"/>
+          </a:xfrm>
+          <a:prstGeom prst="rect">
+            <a:avLst/>
+          </a:prstGeom>
+        </p:spPr>
+      </p:pic>
+    </p:spTree>
+    <p:extLst>
+      <p:ext uri="{BB962C8B-B14F-4D97-AF65-F5344CB8AC3E}">
+        <p14:creationId xmlns:p14="http://schemas.microsoft.com/office/powerpoint/2010/main" val="3660232089"/>
+      </p:ext>
+    </p:extLst>
+  </p:cSld>
+  <p:clrMapOvr>
+    <a:masterClrMapping/>
+  </p:clrMapOvr>
+  <p:timing>
+    <p:tnLst>
+      <p:par>
+        <p:cTn id="1" dur="indefinite" restart="never" nodeType="tmRoot"/>
+      </p:par>
+    </p:tnLst>
+  </p:timing>
+</p:sld>
+</file>
+
+<file path=ppt/slides/slide31.xml><?xml version="1.0" encoding="utf-8"?>
+<p:sld xmlns:a="http://schemas.openxmlformats.org/drawingml/2006/main" xmlns:r="http://schemas.openxmlformats.org/officeDocument/2006/relationships" xmlns:p="http://schemas.openxmlformats.org/presentationml/2006/main">
+  <p:cSld>
+    <p:spTree>
+      <p:nvGrpSpPr>
+        <p:cNvPr id="1" name=""/>
+        <p:cNvGrpSpPr/>
+        <p:nvPr/>
+      </p:nvGrpSpPr>
+      <p:grpSpPr>
+        <a:xfrm>
+          <a:off x="0" y="0"/>
+          <a:ext cx="0" cy="0"/>
+          <a:chOff x="0" y="0"/>
+          <a:chExt cx="0" cy="0"/>
+        </a:xfrm>
+      </p:grpSpPr>
+      <p:sp>
+        <p:nvSpPr>
+          <p:cNvPr id="2" name="Title 1"/>
+          <p:cNvSpPr>
+            <a:spLocks noGrp="1"/>
+          </p:cNvSpPr>
+          <p:nvPr>
+            <p:ph type="title"/>
+          </p:nvPr>
+        </p:nvSpPr>
+        <p:spPr/>
+        <p:txBody>
+          <a:bodyPr/>
+          <a:lstStyle/>
+          <a:p>
+            <a:r>
+              <a:rPr lang="en-US" smtClean="0"/>
+              <a:t>Latihan 5: Transformasi Lanjutan</a:t>
+            </a:r>
+            <a:endParaRPr lang="id-ID"/>
+          </a:p>
+        </p:txBody>
+      </p:sp>
+      <p:sp>
+        <p:nvSpPr>
+          <p:cNvPr id="3" name="Content Placeholder 2"/>
+          <p:cNvSpPr>
+            <a:spLocks noGrp="1"/>
+          </p:cNvSpPr>
+          <p:nvPr>
+            <p:ph idx="1"/>
+          </p:nvPr>
+        </p:nvSpPr>
+        <p:spPr/>
+        <p:txBody>
+          <a:bodyPr/>
+          <a:lstStyle/>
+          <a:p>
+            <a:endParaRPr lang="id-ID"/>
+          </a:p>
+        </p:txBody>
+      </p:sp>
+      <p:pic>
+        <p:nvPicPr>
+          <p:cNvPr id="4" name="Picture 3"/>
+          <p:cNvPicPr>
+            <a:picLocks noChangeAspect="1"/>
+          </p:cNvPicPr>
+          <p:nvPr/>
+        </p:nvPicPr>
+        <p:blipFill>
+          <a:blip r:embed="rId2"/>
+          <a:stretch>
+            <a:fillRect/>
+          </a:stretch>
+        </p:blipFill>
+        <p:spPr>
+          <a:xfrm>
+            <a:off x="1" y="1737360"/>
+            <a:ext cx="10437222" cy="4984148"/>
+          </a:xfrm>
+          <a:prstGeom prst="rect">
+            <a:avLst/>
+          </a:prstGeom>
+        </p:spPr>
+      </p:pic>
+    </p:spTree>
+    <p:extLst>
+      <p:ext uri="{BB962C8B-B14F-4D97-AF65-F5344CB8AC3E}">
+        <p14:creationId xmlns:p14="http://schemas.microsoft.com/office/powerpoint/2010/main" val="3133558012"/>
+      </p:ext>
+    </p:extLst>
+  </p:cSld>
+  <p:clrMapOvr>
+    <a:masterClrMapping/>
+  </p:clrMapOvr>
+  <p:timing>
+    <p:tnLst>
+      <p:par>
+        <p:cTn id="1" dur="indefinite" restart="never" nodeType="tmRoot"/>
+      </p:par>
+    </p:tnLst>
+  </p:timing>
+</p:sld>
+</file>
+
+<file path=ppt/slides/slide32.xml><?xml version="1.0" encoding="utf-8"?>
+<p:sld xmlns:a="http://schemas.openxmlformats.org/drawingml/2006/main" xmlns:r="http://schemas.openxmlformats.org/officeDocument/2006/relationships" xmlns:p="http://schemas.openxmlformats.org/presentationml/2006/main">
+  <p:cSld>
+    <p:spTree>
+      <p:nvGrpSpPr>
+        <p:cNvPr id="1" name=""/>
+        <p:cNvGrpSpPr/>
+        <p:nvPr/>
+      </p:nvGrpSpPr>
+      <p:grpSpPr>
+        <a:xfrm>
+          <a:off x="0" y="0"/>
+          <a:ext cx="0" cy="0"/>
+          <a:chOff x="0" y="0"/>
+          <a:chExt cx="0" cy="0"/>
+        </a:xfrm>
+      </p:grpSpPr>
+      <p:sp>
+        <p:nvSpPr>
+          <p:cNvPr id="2" name="Title 1"/>
+          <p:cNvSpPr>
+            <a:spLocks noGrp="1"/>
+          </p:cNvSpPr>
+          <p:nvPr>
+            <p:ph type="title"/>
+          </p:nvPr>
+        </p:nvSpPr>
+        <p:spPr/>
+        <p:txBody>
+          <a:bodyPr/>
+          <a:lstStyle/>
+          <a:p>
+            <a:r>
+              <a:rPr lang="en-US" smtClean="0"/>
+              <a:t>Hasil</a:t>
+            </a:r>
+            <a:endParaRPr lang="id-ID"/>
+          </a:p>
+        </p:txBody>
+      </p:sp>
+      <p:sp>
+        <p:nvSpPr>
+          <p:cNvPr id="3" name="Content Placeholder 2"/>
+          <p:cNvSpPr>
+            <a:spLocks noGrp="1"/>
+          </p:cNvSpPr>
+          <p:nvPr>
+            <p:ph idx="1"/>
+          </p:nvPr>
+        </p:nvSpPr>
+        <p:spPr/>
+        <p:txBody>
+          <a:bodyPr/>
+          <a:lstStyle/>
+          <a:p>
+            <a:endParaRPr lang="id-ID"/>
+          </a:p>
+        </p:txBody>
+      </p:sp>
+      <p:pic>
+        <p:nvPicPr>
+          <p:cNvPr id="4" name="Picture 3"/>
+          <p:cNvPicPr>
+            <a:picLocks noChangeAspect="1"/>
+          </p:cNvPicPr>
+          <p:nvPr/>
+        </p:nvPicPr>
+        <p:blipFill>
+          <a:blip r:embed="rId2"/>
+          <a:stretch>
+            <a:fillRect/>
+          </a:stretch>
+        </p:blipFill>
+        <p:spPr>
+          <a:xfrm>
+            <a:off x="779009" y="2240960"/>
+            <a:ext cx="9658345" cy="3695229"/>
+          </a:xfrm>
+          <a:prstGeom prst="rect">
+            <a:avLst/>
+          </a:prstGeom>
+        </p:spPr>
+      </p:pic>
+    </p:spTree>
+    <p:extLst>
+      <p:ext uri="{BB962C8B-B14F-4D97-AF65-F5344CB8AC3E}">
+        <p14:creationId xmlns:p14="http://schemas.microsoft.com/office/powerpoint/2010/main" val="1850221064"/>
+      </p:ext>
+    </p:extLst>
+  </p:cSld>
+  <p:clrMapOvr>
+    <a:masterClrMapping/>
+  </p:clrMapOvr>
+</p:sld>
+</file>
+
+<file path=ppt/slides/slide33.xml><?xml version="1.0" encoding="utf-8"?>
+<p:sld xmlns:a="http://schemas.openxmlformats.org/drawingml/2006/main" xmlns:r="http://schemas.openxmlformats.org/officeDocument/2006/relationships" xmlns:p="http://schemas.openxmlformats.org/presentationml/2006/main">
+  <p:cSld>
+    <p:spTree>
+      <p:nvGrpSpPr>
+        <p:cNvPr id="1" name=""/>
+        <p:cNvGrpSpPr/>
+        <p:nvPr/>
+      </p:nvGrpSpPr>
+      <p:grpSpPr>
+        <a:xfrm>
+          <a:off x="0" y="0"/>
+          <a:ext cx="0" cy="0"/>
+          <a:chOff x="0" y="0"/>
+          <a:chExt cx="0" cy="0"/>
+        </a:xfrm>
+      </p:grpSpPr>
+      <p:pic>
+        <p:nvPicPr>
+          <p:cNvPr id="4" name="Picture 3"/>
+          <p:cNvPicPr>
+            <a:picLocks noChangeAspect="1"/>
+          </p:cNvPicPr>
+          <p:nvPr/>
+        </p:nvPicPr>
+        <p:blipFill>
+          <a:blip r:embed="rId2"/>
+          <a:stretch>
+            <a:fillRect/>
+          </a:stretch>
+        </p:blipFill>
+        <p:spPr>
+          <a:xfrm>
+            <a:off x="430392" y="263026"/>
+            <a:ext cx="10281151" cy="6285924"/>
+          </a:xfrm>
+          <a:prstGeom prst="rect">
+            <a:avLst/>
+          </a:prstGeom>
+        </p:spPr>
+      </p:pic>
+    </p:spTree>
+    <p:extLst>
+      <p:ext uri="{BB962C8B-B14F-4D97-AF65-F5344CB8AC3E}">
+        <p14:creationId xmlns:p14="http://schemas.microsoft.com/office/powerpoint/2010/main" val="2580625009"/>
       </p:ext>
     </p:extLst>
   </p:cSld>

--- a/presentasi 3.pptx
+++ b/presentasi 3.pptx
@@ -38,6 +38,31 @@
     <p:sldId id="290" r:id="rId32"/>
     <p:sldId id="291" r:id="rId33"/>
     <p:sldId id="292" r:id="rId34"/>
+    <p:sldId id="293" r:id="rId35"/>
+    <p:sldId id="294" r:id="rId36"/>
+    <p:sldId id="295" r:id="rId37"/>
+    <p:sldId id="298" r:id="rId38"/>
+    <p:sldId id="299" r:id="rId39"/>
+    <p:sldId id="300" r:id="rId40"/>
+    <p:sldId id="304" r:id="rId41"/>
+    <p:sldId id="301" r:id="rId42"/>
+    <p:sldId id="302" r:id="rId43"/>
+    <p:sldId id="303" r:id="rId44"/>
+    <p:sldId id="305" r:id="rId45"/>
+    <p:sldId id="296" r:id="rId46"/>
+    <p:sldId id="306" r:id="rId47"/>
+    <p:sldId id="307" r:id="rId48"/>
+    <p:sldId id="308" r:id="rId49"/>
+    <p:sldId id="309" r:id="rId50"/>
+    <p:sldId id="310" r:id="rId51"/>
+    <p:sldId id="311" r:id="rId52"/>
+    <p:sldId id="312" r:id="rId53"/>
+    <p:sldId id="313" r:id="rId54"/>
+    <p:sldId id="314" r:id="rId55"/>
+    <p:sldId id="315" r:id="rId56"/>
+    <p:sldId id="297" r:id="rId57"/>
+    <p:sldId id="316" r:id="rId58"/>
+    <p:sldId id="317" r:id="rId59"/>
   </p:sldIdLst>
   <p:sldSz cx="12192000" cy="6858000"/>
   <p:notesSz cx="6858000" cy="9144000"/>
@@ -204,6 +229,47 @@
             <p14:sldId id="292"/>
           </p14:sldIdLst>
         </p14:section>
+        <p14:section name="Database &amp; XML" id="{9F930037-3C87-4EC1-9501-744D4889099F}">
+          <p14:sldIdLst>
+            <p14:sldId id="293"/>
+            <p14:sldId id="294"/>
+          </p14:sldIdLst>
+        </p14:section>
+        <p14:section name="Latihan 1-2" id="{FC0B8276-DE91-4966-A8BD-4222E10FCDA9}">
+          <p14:sldIdLst>
+            <p14:sldId id="295"/>
+            <p14:sldId id="298"/>
+            <p14:sldId id="299"/>
+            <p14:sldId id="300"/>
+            <p14:sldId id="304"/>
+            <p14:sldId id="301"/>
+            <p14:sldId id="302"/>
+            <p14:sldId id="303"/>
+            <p14:sldId id="305"/>
+          </p14:sldIdLst>
+        </p14:section>
+        <p14:section name="Latihan 3-4" id="{07D051B0-1E4A-43F3-A7A2-307BEACBC16D}">
+          <p14:sldIdLst>
+            <p14:sldId id="296"/>
+            <p14:sldId id="306"/>
+            <p14:sldId id="307"/>
+            <p14:sldId id="308"/>
+            <p14:sldId id="309"/>
+            <p14:sldId id="310"/>
+            <p14:sldId id="311"/>
+            <p14:sldId id="312"/>
+            <p14:sldId id="313"/>
+            <p14:sldId id="314"/>
+            <p14:sldId id="315"/>
+          </p14:sldIdLst>
+        </p14:section>
+        <p14:section name="Latihan 5-6" id="{7B42771C-7DED-4FDE-A12C-AB062471D618}">
+          <p14:sldIdLst>
+            <p14:sldId id="297"/>
+            <p14:sldId id="316"/>
+            <p14:sldId id="317"/>
+          </p14:sldIdLst>
+        </p14:section>
       </p14:sectionLst>
     </p:ext>
     <p:ext uri="{EFAFB233-063F-42B5-8137-9DF3F51BA10A}">
@@ -487,7 +553,7 @@
           <a:p>
             <a:fld id="{AF239A9A-B4B0-4B32-B8CD-2E25E95134C4}" type="datetimeFigureOut">
               <a:rPr lang="en-US" dirty="0"/>
-              <a:t>10/30/2019</a:t>
+              <a:t>11/3/2019</a:t>
             </a:fld>
             <a:endParaRPr lang="en-US" dirty="0"/>
           </a:p>
@@ -896,7 +962,7 @@
           <a:p>
             <a:fld id="{F25518A9-B687-4302-9395-2322403C6656}" type="datetimeFigureOut">
               <a:rPr lang="en-US" dirty="0"/>
-              <a:t>10/30/2019</a:t>
+              <a:t>11/3/2019</a:t>
             </a:fld>
             <a:endParaRPr lang="en-US" dirty="0"/>
           </a:p>
@@ -1227,7 +1293,7 @@
           <a:p>
             <a:fld id="{1A99A684-0CB7-41E9-A4DF-5D1C2CA5BF6F}" type="datetimeFigureOut">
               <a:rPr lang="en-US" dirty="0"/>
-              <a:t>10/30/2019</a:t>
+              <a:t>11/3/2019</a:t>
             </a:fld>
             <a:endParaRPr lang="en-US" dirty="0"/>
           </a:p>
@@ -1627,7 +1693,7 @@
           <a:p>
             <a:fld id="{FEDD7C35-9E19-4518-A4B2-3B09CD8CC756}" type="datetimeFigureOut">
               <a:rPr lang="en-US" dirty="0"/>
-              <a:t>10/30/2019</a:t>
+              <a:t>11/3/2019</a:t>
             </a:fld>
             <a:endParaRPr lang="en-US" dirty="0"/>
           </a:p>
@@ -2190,7 +2256,7 @@
           <a:p>
             <a:fld id="{26196DA8-8897-4DDF-BFB6-5D83863C837A}" type="datetimeFigureOut">
               <a:rPr lang="en-US" dirty="0"/>
-              <a:t>10/30/2019</a:t>
+              <a:t>11/3/2019</a:t>
             </a:fld>
             <a:endParaRPr lang="en-US" dirty="0"/>
           </a:p>
@@ -2866,7 +2932,7 @@
           <a:p>
             <a:fld id="{DCBBA708-C5F0-412D-90E2-1919F0D196AE}" type="datetimeFigureOut">
               <a:rPr lang="en-US" dirty="0"/>
-              <a:t>10/30/2019</a:t>
+              <a:t>11/3/2019</a:t>
             </a:fld>
             <a:endParaRPr lang="en-US" dirty="0"/>
           </a:p>
@@ -3774,7 +3840,7 @@
           <a:p>
             <a:fld id="{A9C8F8FA-EF43-4642-9368-3F4E33039BD9}" type="datetimeFigureOut">
               <a:rPr lang="en-US" dirty="0"/>
-              <a:t>10/30/2019</a:t>
+              <a:t>11/3/2019</a:t>
             </a:fld>
             <a:endParaRPr lang="en-US" dirty="0"/>
           </a:p>
@@ -4082,7 +4148,7 @@
           <a:p>
             <a:fld id="{6B61E721-B01C-4D5D-A3CA-2E5518383F10}" type="datetimeFigureOut">
               <a:rPr lang="en-US" dirty="0"/>
-              <a:t>10/30/2019</a:t>
+              <a:t>11/3/2019</a:t>
             </a:fld>
             <a:endParaRPr lang="en-US" dirty="0"/>
           </a:p>
@@ -4341,7 +4407,7 @@
           <a:p>
             <a:fld id="{6513FEF9-69D0-4F8C-A336-59491FBEDC47}" type="datetimeFigureOut">
               <a:rPr lang="en-US" dirty="0"/>
-              <a:t>10/30/2019</a:t>
+              <a:t>11/3/2019</a:t>
             </a:fld>
             <a:endParaRPr lang="en-US" dirty="0"/>
           </a:p>
@@ -4678,7 +4744,7 @@
           <a:p>
             <a:fld id="{A91E21DC-8981-44E6-BC8C-2BA8F673FFBB}" type="datetimeFigureOut">
               <a:rPr lang="en-US" dirty="0"/>
-              <a:t>10/30/2019</a:t>
+              <a:t>11/3/2019</a:t>
             </a:fld>
             <a:endParaRPr lang="en-US" dirty="0"/>
           </a:p>
@@ -5062,7 +5128,7 @@
           <a:p>
             <a:fld id="{AEB9C5D3-0140-4E75-8D7F-C0623D06DFD7}" type="datetimeFigureOut">
               <a:rPr lang="en-US" dirty="0"/>
-              <a:t>10/30/2019</a:t>
+              <a:t>11/3/2019</a:t>
             </a:fld>
             <a:endParaRPr lang="en-US" dirty="0"/>
           </a:p>
@@ -5433,7 +5499,7 @@
           <a:p>
             <a:fld id="{3A5666F9-5B40-48E0-8DFD-99EF944CDD22}" type="datetimeFigureOut">
               <a:rPr lang="en-US" dirty="0"/>
-              <a:t>10/30/2019</a:t>
+              <a:t>11/3/2019</a:t>
             </a:fld>
             <a:endParaRPr lang="en-US" dirty="0"/>
           </a:p>
@@ -5934,7 +6000,7 @@
           <a:p>
             <a:fld id="{2A698D6B-2C72-4E21-9893-A649C6E2A47D}" type="datetimeFigureOut">
               <a:rPr lang="en-US" dirty="0"/>
-              <a:t>10/30/2019</a:t>
+              <a:t>11/3/2019</a:t>
             </a:fld>
             <a:endParaRPr lang="en-US" dirty="0"/>
           </a:p>
@@ -6186,7 +6252,7 @@
           <a:p>
             <a:fld id="{C86811C9-A66C-49F0-970E-F7B68D9109A0}" type="datetimeFigureOut">
               <a:rPr lang="en-US" dirty="0"/>
-              <a:t>10/30/2019</a:t>
+              <a:t>11/3/2019</a:t>
             </a:fld>
             <a:endParaRPr lang="en-US" dirty="0"/>
           </a:p>
@@ -6344,7 +6410,7 @@
           <a:p>
             <a:fld id="{6C01AE78-96A2-4A23-B183-3B6DB4374FE7}" type="datetimeFigureOut">
               <a:rPr lang="en-US" dirty="0"/>
-              <a:t>10/30/2019</a:t>
+              <a:t>11/3/2019</a:t>
             </a:fld>
             <a:endParaRPr lang="en-US" dirty="0"/>
           </a:p>
@@ -6729,7 +6795,7 @@
           <a:p>
             <a:fld id="{73AE0757-B101-4811-9189-10EB2F458E2D}" type="datetimeFigureOut">
               <a:rPr lang="en-US" dirty="0"/>
-              <a:t>10/30/2019</a:t>
+              <a:t>11/3/2019</a:t>
             </a:fld>
             <a:endParaRPr lang="en-US" dirty="0"/>
           </a:p>
@@ -7133,7 +7199,7 @@
           <a:p>
             <a:fld id="{7EBDC078-589F-40E3-816C-EE21D62B5BBA}" type="datetimeFigureOut">
               <a:rPr lang="en-US" dirty="0"/>
-              <a:t>10/30/2019</a:t>
+              <a:t>11/3/2019</a:t>
             </a:fld>
             <a:endParaRPr lang="en-US" dirty="0"/>
           </a:p>
@@ -7372,7 +7438,7 @@
           <a:p>
             <a:fld id="{C7004436-CA73-4D53-89B4-2A5C7347BF2F}" type="datetimeFigureOut">
               <a:rPr lang="en-US" dirty="0"/>
-              <a:t>10/30/2019</a:t>
+              <a:t>11/3/2019</a:t>
             </a:fld>
             <a:endParaRPr lang="en-US" dirty="0"/>
           </a:p>
@@ -8019,38 +8085,17 @@
               <a:rPr lang="en-US" smtClean="0"/>
               <a:t>Latihan 1: XML object </a:t>
             </a:r>
-            <a:endParaRPr lang="en-US" smtClean="0"/>
-          </a:p>
-          <a:p>
-            <a:r>
-              <a:rPr lang="en-US" smtClean="0"/>
-              <a:t>Latihan </a:t>
-            </a:r>
-            <a:r>
-              <a:rPr lang="en-US" smtClean="0"/>
-              <a:t>2</a:t>
-            </a:r>
-            <a:r>
-              <a:rPr lang="en-US" smtClean="0"/>
-              <a:t>: </a:t>
-            </a:r>
-            <a:r>
-              <a:rPr lang="en-US" smtClean="0"/>
-              <a:t>XML simple</a:t>
-            </a:r>
-          </a:p>
-          <a:p>
-            <a:r>
-              <a:rPr lang="en-US" smtClean="0"/>
-              <a:t>Latihan </a:t>
-            </a:r>
-            <a:r>
-              <a:rPr lang="en-US" smtClean="0"/>
-              <a:t>3: </a:t>
-            </a:r>
-            <a:r>
-              <a:rPr lang="en-US" smtClean="0"/>
-              <a:t>XML untuk SiteMap</a:t>
+          </a:p>
+          <a:p>
+            <a:r>
+              <a:rPr lang="en-US" smtClean="0"/>
+              <a:t>Latihan 2: XML simple</a:t>
+            </a:r>
+          </a:p>
+          <a:p>
+            <a:r>
+              <a:rPr lang="en-US" smtClean="0"/>
+              <a:t>Latihan 3: XML untuk SiteMap</a:t>
             </a:r>
           </a:p>
           <a:p>
@@ -8140,11 +8185,7 @@
           <a:p>
             <a:r>
               <a:rPr lang="en-US" smtClean="0"/>
-              <a:t>Latihan </a:t>
-            </a:r>
-            <a:r>
-              <a:rPr lang="en-US" smtClean="0"/>
-              <a:t>1: XML Object</a:t>
+              <a:t>Latihan 1: XML Object</a:t>
             </a:r>
             <a:endParaRPr lang="id-ID"/>
           </a:p>
@@ -9055,17 +9096,19 @@
           <a:p>
             <a:r>
               <a:rPr lang="en-US" smtClean="0"/>
-              <a:t>XML </a:t>
-            </a:r>
-            <a:r>
-              <a:rPr lang="en-US" smtClean="0"/>
-              <a:t>Data</a:t>
+              <a:t>XML Data</a:t>
             </a:r>
           </a:p>
           <a:p>
             <a:r>
               <a:rPr lang="en-US" smtClean="0"/>
               <a:t>Latihan dasar XML</a:t>
+            </a:r>
+          </a:p>
+          <a:p>
+            <a:r>
+              <a:rPr lang="en-US" smtClean="0"/>
+              <a:t>Database dan XML</a:t>
             </a:r>
             <a:endParaRPr lang="id-ID"/>
           </a:p>
@@ -10034,13 +10077,7 @@
               <a:rPr lang="id-ID">
                 <a:hlinkClick r:id="rId2"/>
               </a:rPr>
-              <a:t>https</a:t>
-            </a:r>
-            <a:r>
-              <a:rPr lang="id-ID">
-                <a:hlinkClick r:id="rId2"/>
-              </a:rPr>
-              <a:t>://</a:t>
+              <a:t>https://</a:t>
             </a:r>
             <a:r>
               <a:rPr lang="id-ID" smtClean="0">
@@ -10624,6 +10661,558 @@
 </p:sld>
 </file>
 
+<file path=ppt/slides/slide34.xml><?xml version="1.0" encoding="utf-8"?>
+<p:sld xmlns:a="http://schemas.openxmlformats.org/drawingml/2006/main" xmlns:r="http://schemas.openxmlformats.org/officeDocument/2006/relationships" xmlns:p="http://schemas.openxmlformats.org/presentationml/2006/main">
+  <p:cSld>
+    <p:spTree>
+      <p:nvGrpSpPr>
+        <p:cNvPr id="1" name=""/>
+        <p:cNvGrpSpPr/>
+        <p:nvPr/>
+      </p:nvGrpSpPr>
+      <p:grpSpPr>
+        <a:xfrm>
+          <a:off x="0" y="0"/>
+          <a:ext cx="0" cy="0"/>
+          <a:chOff x="0" y="0"/>
+          <a:chExt cx="0" cy="0"/>
+        </a:xfrm>
+      </p:grpSpPr>
+      <p:sp>
+        <p:nvSpPr>
+          <p:cNvPr id="2" name="Title 1"/>
+          <p:cNvSpPr>
+            <a:spLocks noGrp="1"/>
+          </p:cNvSpPr>
+          <p:nvPr>
+            <p:ph type="title"/>
+          </p:nvPr>
+        </p:nvSpPr>
+        <p:spPr/>
+        <p:txBody>
+          <a:bodyPr/>
+          <a:lstStyle/>
+          <a:p>
+            <a:r>
+              <a:rPr lang="en-US" smtClean="0"/>
+              <a:t>Database &amp; XML</a:t>
+            </a:r>
+            <a:endParaRPr lang="id-ID"/>
+          </a:p>
+        </p:txBody>
+      </p:sp>
+      <p:sp>
+        <p:nvSpPr>
+          <p:cNvPr id="3" name="Text Placeholder 2"/>
+          <p:cNvSpPr>
+            <a:spLocks noGrp="1"/>
+          </p:cNvSpPr>
+          <p:nvPr>
+            <p:ph type="body" idx="1"/>
+          </p:nvPr>
+        </p:nvSpPr>
+        <p:spPr/>
+        <p:txBody>
+          <a:bodyPr/>
+          <a:lstStyle/>
+          <a:p>
+            <a:endParaRPr lang="id-ID"/>
+          </a:p>
+        </p:txBody>
+      </p:sp>
+    </p:spTree>
+    <p:extLst>
+      <p:ext uri="{BB962C8B-B14F-4D97-AF65-F5344CB8AC3E}">
+        <p14:creationId xmlns:p14="http://schemas.microsoft.com/office/powerpoint/2010/main" val="4044089798"/>
+      </p:ext>
+    </p:extLst>
+  </p:cSld>
+  <p:clrMapOvr>
+    <a:masterClrMapping/>
+  </p:clrMapOvr>
+</p:sld>
+</file>
+
+<file path=ppt/slides/slide35.xml><?xml version="1.0" encoding="utf-8"?>
+<p:sld xmlns:a="http://schemas.openxmlformats.org/drawingml/2006/main" xmlns:r="http://schemas.openxmlformats.org/officeDocument/2006/relationships" xmlns:p="http://schemas.openxmlformats.org/presentationml/2006/main">
+  <p:cSld>
+    <p:spTree>
+      <p:nvGrpSpPr>
+        <p:cNvPr id="1" name=""/>
+        <p:cNvGrpSpPr/>
+        <p:nvPr/>
+      </p:nvGrpSpPr>
+      <p:grpSpPr>
+        <a:xfrm>
+          <a:off x="0" y="0"/>
+          <a:ext cx="0" cy="0"/>
+          <a:chOff x="0" y="0"/>
+          <a:chExt cx="0" cy="0"/>
+        </a:xfrm>
+      </p:grpSpPr>
+      <p:sp>
+        <p:nvSpPr>
+          <p:cNvPr id="4" name="Title 3"/>
+          <p:cNvSpPr>
+            <a:spLocks noGrp="1"/>
+          </p:cNvSpPr>
+          <p:nvPr>
+            <p:ph type="title"/>
+          </p:nvPr>
+        </p:nvSpPr>
+        <p:spPr/>
+        <p:txBody>
+          <a:bodyPr/>
+          <a:lstStyle/>
+          <a:p>
+            <a:r>
+              <a:rPr lang="en-US" smtClean="0"/>
+              <a:t>Agenda</a:t>
+            </a:r>
+            <a:endParaRPr lang="id-ID"/>
+          </a:p>
+        </p:txBody>
+      </p:sp>
+      <p:sp>
+        <p:nvSpPr>
+          <p:cNvPr id="5" name="Content Placeholder 4"/>
+          <p:cNvSpPr>
+            <a:spLocks noGrp="1"/>
+          </p:cNvSpPr>
+          <p:nvPr>
+            <p:ph idx="1"/>
+          </p:nvPr>
+        </p:nvSpPr>
+        <p:spPr/>
+        <p:txBody>
+          <a:bodyPr/>
+          <a:lstStyle/>
+          <a:p>
+            <a:r>
+              <a:rPr lang="en-US" smtClean="0"/>
+              <a:t>Membuat XML</a:t>
+            </a:r>
+          </a:p>
+          <a:p>
+            <a:r>
+              <a:rPr lang="en-US" smtClean="0"/>
+              <a:t>Membaca XML</a:t>
+            </a:r>
+          </a:p>
+          <a:p>
+            <a:r>
+              <a:rPr lang="en-US" smtClean="0"/>
+              <a:t>Mengirim </a:t>
+            </a:r>
+            <a:r>
+              <a:rPr lang="en-US" smtClean="0"/>
+              <a:t>Data</a:t>
+            </a:r>
+            <a:endParaRPr lang="id-ID"/>
+          </a:p>
+        </p:txBody>
+      </p:sp>
+    </p:spTree>
+    <p:extLst>
+      <p:ext uri="{BB962C8B-B14F-4D97-AF65-F5344CB8AC3E}">
+        <p14:creationId xmlns:p14="http://schemas.microsoft.com/office/powerpoint/2010/main" val="2989369104"/>
+      </p:ext>
+    </p:extLst>
+  </p:cSld>
+  <p:clrMapOvr>
+    <a:masterClrMapping/>
+  </p:clrMapOvr>
+</p:sld>
+</file>
+
+<file path=ppt/slides/slide36.xml><?xml version="1.0" encoding="utf-8"?>
+<p:sld xmlns:a="http://schemas.openxmlformats.org/drawingml/2006/main" xmlns:r="http://schemas.openxmlformats.org/officeDocument/2006/relationships" xmlns:p="http://schemas.openxmlformats.org/presentationml/2006/main">
+  <p:cSld>
+    <p:spTree>
+      <p:nvGrpSpPr>
+        <p:cNvPr id="1" name=""/>
+        <p:cNvGrpSpPr/>
+        <p:nvPr/>
+      </p:nvGrpSpPr>
+      <p:grpSpPr>
+        <a:xfrm>
+          <a:off x="0" y="0"/>
+          <a:ext cx="0" cy="0"/>
+          <a:chOff x="0" y="0"/>
+          <a:chExt cx="0" cy="0"/>
+        </a:xfrm>
+      </p:grpSpPr>
+      <p:sp>
+        <p:nvSpPr>
+          <p:cNvPr id="2" name="Title 1"/>
+          <p:cNvSpPr>
+            <a:spLocks noGrp="1"/>
+          </p:cNvSpPr>
+          <p:nvPr>
+            <p:ph type="title"/>
+          </p:nvPr>
+        </p:nvSpPr>
+        <p:spPr/>
+        <p:txBody>
+          <a:bodyPr/>
+          <a:lstStyle/>
+          <a:p>
+            <a:r>
+              <a:rPr lang="en-US" smtClean="0"/>
+              <a:t>Membuat XML</a:t>
+            </a:r>
+            <a:endParaRPr lang="id-ID"/>
+          </a:p>
+        </p:txBody>
+      </p:sp>
+      <p:sp>
+        <p:nvSpPr>
+          <p:cNvPr id="3" name="Content Placeholder 2"/>
+          <p:cNvSpPr>
+            <a:spLocks noGrp="1"/>
+          </p:cNvSpPr>
+          <p:nvPr>
+            <p:ph idx="1"/>
+          </p:nvPr>
+        </p:nvSpPr>
+        <p:spPr/>
+        <p:txBody>
+          <a:bodyPr/>
+          <a:lstStyle/>
+          <a:p>
+            <a:r>
+              <a:rPr lang="en-US" smtClean="0"/>
+              <a:t>Latihan 1: membuat XML secara manual</a:t>
+            </a:r>
+          </a:p>
+          <a:p>
+            <a:r>
+              <a:rPr lang="en-US" smtClean="0"/>
+              <a:t>Latihan 2: membuat XML dari database</a:t>
+            </a:r>
+          </a:p>
+          <a:p>
+            <a:r>
+              <a:rPr lang="en-US" smtClean="0"/>
+              <a:t>Tahapan:</a:t>
+            </a:r>
+          </a:p>
+          <a:p>
+            <a:pPr lvl="1"/>
+            <a:r>
+              <a:rPr lang="en-US" smtClean="0"/>
+              <a:t>Membaca data dari database</a:t>
+            </a:r>
+          </a:p>
+          <a:p>
+            <a:pPr lvl="1"/>
+            <a:r>
+              <a:rPr lang="en-US" smtClean="0"/>
+              <a:t>Simpan sebagai file XML</a:t>
+            </a:r>
+          </a:p>
+          <a:p>
+            <a:pPr lvl="1"/>
+            <a:r>
+              <a:rPr lang="en-US" smtClean="0"/>
+              <a:t>Validasi hasil</a:t>
+            </a:r>
+            <a:endParaRPr lang="id-ID"/>
+          </a:p>
+        </p:txBody>
+      </p:sp>
+    </p:spTree>
+    <p:extLst>
+      <p:ext uri="{BB962C8B-B14F-4D97-AF65-F5344CB8AC3E}">
+        <p14:creationId xmlns:p14="http://schemas.microsoft.com/office/powerpoint/2010/main" val="2192663014"/>
+      </p:ext>
+    </p:extLst>
+  </p:cSld>
+  <p:clrMapOvr>
+    <a:masterClrMapping/>
+  </p:clrMapOvr>
+</p:sld>
+</file>
+
+<file path=ppt/slides/slide37.xml><?xml version="1.0" encoding="utf-8"?>
+<p:sld xmlns:a="http://schemas.openxmlformats.org/drawingml/2006/main" xmlns:r="http://schemas.openxmlformats.org/officeDocument/2006/relationships" xmlns:p="http://schemas.openxmlformats.org/presentationml/2006/main">
+  <p:cSld>
+    <p:spTree>
+      <p:nvGrpSpPr>
+        <p:cNvPr id="1" name=""/>
+        <p:cNvGrpSpPr/>
+        <p:nvPr/>
+      </p:nvGrpSpPr>
+      <p:grpSpPr>
+        <a:xfrm>
+          <a:off x="0" y="0"/>
+          <a:ext cx="0" cy="0"/>
+          <a:chOff x="0" y="0"/>
+          <a:chExt cx="0" cy="0"/>
+        </a:xfrm>
+      </p:grpSpPr>
+      <p:sp>
+        <p:nvSpPr>
+          <p:cNvPr id="2" name="Title 1"/>
+          <p:cNvSpPr>
+            <a:spLocks noGrp="1"/>
+          </p:cNvSpPr>
+          <p:nvPr>
+            <p:ph type="title"/>
+          </p:nvPr>
+        </p:nvSpPr>
+        <p:spPr/>
+        <p:txBody>
+          <a:bodyPr/>
+          <a:lstStyle/>
+          <a:p>
+            <a:r>
+              <a:rPr lang="en-US" smtClean="0"/>
+              <a:t>Latihan 1: Membuat XML secara manual</a:t>
+            </a:r>
+            <a:endParaRPr lang="id-ID"/>
+          </a:p>
+        </p:txBody>
+      </p:sp>
+      <p:sp>
+        <p:nvSpPr>
+          <p:cNvPr id="3" name="Content Placeholder 2"/>
+          <p:cNvSpPr>
+            <a:spLocks noGrp="1"/>
+          </p:cNvSpPr>
+          <p:nvPr>
+            <p:ph idx="1"/>
+          </p:nvPr>
+        </p:nvSpPr>
+        <p:spPr/>
+        <p:txBody>
+          <a:bodyPr/>
+          <a:lstStyle/>
+          <a:p>
+            <a:r>
+              <a:rPr lang="en-US" smtClean="0"/>
+              <a:t>Tampilkan data unit dalam grid view</a:t>
+            </a:r>
+          </a:p>
+          <a:p>
+            <a:r>
+              <a:rPr lang="en-US" smtClean="0"/>
+              <a:t>Baca data gridview satu persatu</a:t>
+            </a:r>
+          </a:p>
+          <a:p>
+            <a:r>
+              <a:rPr lang="en-US" smtClean="0"/>
+              <a:t>Simpan dalam file unit.xml</a:t>
+            </a:r>
+          </a:p>
+          <a:p>
+            <a:r>
+              <a:rPr lang="en-US"/>
+              <a:t>Cek validitas hasil di </a:t>
+            </a:r>
+            <a:r>
+              <a:rPr lang="en-US" smtClean="0">
+                <a:hlinkClick r:id="rId2"/>
+              </a:rPr>
+              <a:t>www.xmlvalidation.com</a:t>
+            </a:r>
+            <a:endParaRPr lang="en-US" smtClean="0"/>
+          </a:p>
+          <a:p>
+            <a:pPr marL="0" indent="0">
+              <a:buNone/>
+            </a:pPr>
+            <a:endParaRPr lang="en-US" smtClean="0"/>
+          </a:p>
+          <a:p>
+            <a:endParaRPr lang="id-ID"/>
+          </a:p>
+        </p:txBody>
+      </p:sp>
+    </p:spTree>
+    <p:extLst>
+      <p:ext uri="{BB962C8B-B14F-4D97-AF65-F5344CB8AC3E}">
+        <p14:creationId xmlns:p14="http://schemas.microsoft.com/office/powerpoint/2010/main" val="1660737043"/>
+      </p:ext>
+    </p:extLst>
+  </p:cSld>
+  <p:clrMapOvr>
+    <a:masterClrMapping/>
+  </p:clrMapOvr>
+  <p:timing>
+    <p:tnLst>
+      <p:par>
+        <p:cTn id="1" dur="indefinite" restart="never" nodeType="tmRoot"/>
+      </p:par>
+    </p:tnLst>
+  </p:timing>
+</p:sld>
+</file>
+
+<file path=ppt/slides/slide38.xml><?xml version="1.0" encoding="utf-8"?>
+<p:sld xmlns:a="http://schemas.openxmlformats.org/drawingml/2006/main" xmlns:r="http://schemas.openxmlformats.org/officeDocument/2006/relationships" xmlns:p="http://schemas.openxmlformats.org/presentationml/2006/main">
+  <p:cSld>
+    <p:spTree>
+      <p:nvGrpSpPr>
+        <p:cNvPr id="1" name=""/>
+        <p:cNvGrpSpPr/>
+        <p:nvPr/>
+      </p:nvGrpSpPr>
+      <p:grpSpPr>
+        <a:xfrm>
+          <a:off x="0" y="0"/>
+          <a:ext cx="0" cy="0"/>
+          <a:chOff x="0" y="0"/>
+          <a:chExt cx="0" cy="0"/>
+        </a:xfrm>
+      </p:grpSpPr>
+      <p:pic>
+        <p:nvPicPr>
+          <p:cNvPr id="5" name="Picture 4"/>
+          <p:cNvPicPr>
+            <a:picLocks noChangeAspect="1"/>
+          </p:cNvPicPr>
+          <p:nvPr/>
+        </p:nvPicPr>
+        <p:blipFill>
+          <a:blip r:embed="rId2"/>
+          <a:stretch>
+            <a:fillRect/>
+          </a:stretch>
+        </p:blipFill>
+        <p:spPr>
+          <a:xfrm>
+            <a:off x="582249" y="341267"/>
+            <a:ext cx="9671724" cy="6007282"/>
+          </a:xfrm>
+          <a:prstGeom prst="rect">
+            <a:avLst/>
+          </a:prstGeom>
+        </p:spPr>
+      </p:pic>
+    </p:spTree>
+    <p:extLst>
+      <p:ext uri="{BB962C8B-B14F-4D97-AF65-F5344CB8AC3E}">
+        <p14:creationId xmlns:p14="http://schemas.microsoft.com/office/powerpoint/2010/main" val="1605051047"/>
+      </p:ext>
+    </p:extLst>
+  </p:cSld>
+  <p:clrMapOvr>
+    <a:masterClrMapping/>
+  </p:clrMapOvr>
+  <p:timing>
+    <p:tnLst>
+      <p:par>
+        <p:cTn id="1" dur="indefinite" restart="never" nodeType="tmRoot"/>
+      </p:par>
+    </p:tnLst>
+  </p:timing>
+</p:sld>
+</file>
+
+<file path=ppt/slides/slide39.xml><?xml version="1.0" encoding="utf-8"?>
+<p:sld xmlns:a="http://schemas.openxmlformats.org/drawingml/2006/main" xmlns:r="http://schemas.openxmlformats.org/officeDocument/2006/relationships" xmlns:p="http://schemas.openxmlformats.org/presentationml/2006/main">
+  <p:cSld>
+    <p:spTree>
+      <p:nvGrpSpPr>
+        <p:cNvPr id="1" name=""/>
+        <p:cNvGrpSpPr/>
+        <p:nvPr/>
+      </p:nvGrpSpPr>
+      <p:grpSpPr>
+        <a:xfrm>
+          <a:off x="0" y="0"/>
+          <a:ext cx="0" cy="0"/>
+          <a:chOff x="0" y="0"/>
+          <a:chExt cx="0" cy="0"/>
+        </a:xfrm>
+      </p:grpSpPr>
+      <p:sp>
+        <p:nvSpPr>
+          <p:cNvPr id="2" name="Title 1"/>
+          <p:cNvSpPr>
+            <a:spLocks noGrp="1"/>
+          </p:cNvSpPr>
+          <p:nvPr>
+            <p:ph type="title"/>
+          </p:nvPr>
+        </p:nvSpPr>
+        <p:spPr/>
+        <p:txBody>
+          <a:bodyPr/>
+          <a:lstStyle/>
+          <a:p>
+            <a:r>
+              <a:rPr lang="en-US" smtClean="0"/>
+              <a:t>Latihan 1: Studi kasus</a:t>
+            </a:r>
+            <a:endParaRPr lang="id-ID"/>
+          </a:p>
+        </p:txBody>
+      </p:sp>
+      <p:sp>
+        <p:nvSpPr>
+          <p:cNvPr id="3" name="Content Placeholder 2"/>
+          <p:cNvSpPr>
+            <a:spLocks noGrp="1"/>
+          </p:cNvSpPr>
+          <p:nvPr>
+            <p:ph idx="1"/>
+          </p:nvPr>
+        </p:nvSpPr>
+        <p:spPr/>
+        <p:txBody>
+          <a:bodyPr>
+            <a:normAutofit/>
+          </a:bodyPr>
+          <a:lstStyle/>
+          <a:p>
+            <a:r>
+              <a:rPr lang="en-US" sz="2800" smtClean="0"/>
+              <a:t>Kemungkinan nama unit</a:t>
+            </a:r>
+          </a:p>
+          <a:p>
+            <a:pPr lvl="1"/>
+            <a:r>
+              <a:rPr lang="en-US" sz="2400" smtClean="0"/>
+              <a:t>Ada huruf &amp;</a:t>
+            </a:r>
+          </a:p>
+          <a:p>
+            <a:pPr lvl="1"/>
+            <a:r>
+              <a:rPr lang="en-US" sz="2400" smtClean="0"/>
+              <a:t>Ada huruf lebih besar (&gt;) atau lebih kecil (&lt;)</a:t>
+            </a:r>
+          </a:p>
+          <a:p>
+            <a:pPr lvl="1"/>
+            <a:endParaRPr lang="id-ID" sz="2400"/>
+          </a:p>
+        </p:txBody>
+      </p:sp>
+    </p:spTree>
+    <p:extLst>
+      <p:ext uri="{BB962C8B-B14F-4D97-AF65-F5344CB8AC3E}">
+        <p14:creationId xmlns:p14="http://schemas.microsoft.com/office/powerpoint/2010/main" val="3888261675"/>
+      </p:ext>
+    </p:extLst>
+  </p:cSld>
+  <p:clrMapOvr>
+    <a:masterClrMapping/>
+  </p:clrMapOvr>
+  <p:timing>
+    <p:tnLst>
+      <p:par>
+        <p:cTn id="1" dur="indefinite" restart="never" nodeType="tmRoot"/>
+      </p:par>
+    </p:tnLst>
+  </p:timing>
+</p:sld>
+</file>
+
 <file path=ppt/slides/slide4.xml><?xml version="1.0" encoding="utf-8"?>
 <p:sld xmlns:a="http://schemas.openxmlformats.org/drawingml/2006/main" xmlns:r="http://schemas.openxmlformats.org/officeDocument/2006/relationships" xmlns:p="http://schemas.openxmlformats.org/presentationml/2006/main">
   <p:cSld>
@@ -10780,6 +11369,1007 @@
 </p:sld>
 </file>
 
+<file path=ppt/slides/slide40.xml><?xml version="1.0" encoding="utf-8"?>
+<p:sld xmlns:a="http://schemas.openxmlformats.org/drawingml/2006/main" xmlns:r="http://schemas.openxmlformats.org/officeDocument/2006/relationships" xmlns:p="http://schemas.openxmlformats.org/presentationml/2006/main">
+  <p:cSld>
+    <p:spTree>
+      <p:nvGrpSpPr>
+        <p:cNvPr id="1" name=""/>
+        <p:cNvGrpSpPr/>
+        <p:nvPr/>
+      </p:nvGrpSpPr>
+      <p:grpSpPr>
+        <a:xfrm>
+          <a:off x="0" y="0"/>
+          <a:ext cx="0" cy="0"/>
+          <a:chOff x="0" y="0"/>
+          <a:chExt cx="0" cy="0"/>
+        </a:xfrm>
+      </p:grpSpPr>
+      <p:sp>
+        <p:nvSpPr>
+          <p:cNvPr id="2" name="Title 1"/>
+          <p:cNvSpPr>
+            <a:spLocks noGrp="1"/>
+          </p:cNvSpPr>
+          <p:nvPr>
+            <p:ph type="title"/>
+          </p:nvPr>
+        </p:nvSpPr>
+        <p:spPr/>
+        <p:txBody>
+          <a:bodyPr/>
+          <a:lstStyle/>
+          <a:p>
+            <a:r>
+              <a:rPr lang="en-US"/>
+              <a:t>Latihan 1: Studi kasus</a:t>
+            </a:r>
+            <a:endParaRPr lang="id-ID"/>
+          </a:p>
+        </p:txBody>
+      </p:sp>
+      <p:sp>
+        <p:nvSpPr>
+          <p:cNvPr id="3" name="Content Placeholder 2"/>
+          <p:cNvSpPr>
+            <a:spLocks noGrp="1"/>
+          </p:cNvSpPr>
+          <p:nvPr>
+            <p:ph idx="1"/>
+          </p:nvPr>
+        </p:nvSpPr>
+        <p:spPr/>
+        <p:txBody>
+          <a:bodyPr/>
+          <a:lstStyle/>
+          <a:p>
+            <a:r>
+              <a:rPr lang="en-US" smtClean="0"/>
+              <a:t>&amp; </a:t>
+            </a:r>
+            <a:r>
+              <a:rPr lang="en-US" smtClean="0">
+                <a:sym typeface="Wingdings" panose="05000000000000000000" pitchFamily="2" charset="2"/>
+              </a:rPr>
+              <a:t></a:t>
+            </a:r>
+            <a:r>
+              <a:rPr lang="en-US" smtClean="0"/>
+              <a:t> &amp;amp;</a:t>
+            </a:r>
+          </a:p>
+          <a:p>
+            <a:r>
+              <a:rPr lang="en-US" smtClean="0"/>
+              <a:t>&lt; </a:t>
+            </a:r>
+            <a:r>
+              <a:rPr lang="en-US" smtClean="0">
+                <a:sym typeface="Wingdings" panose="05000000000000000000" pitchFamily="2" charset="2"/>
+              </a:rPr>
+              <a:t> &amp;lt;</a:t>
+            </a:r>
+          </a:p>
+          <a:p>
+            <a:r>
+              <a:rPr lang="en-US" smtClean="0">
+                <a:sym typeface="Wingdings" panose="05000000000000000000" pitchFamily="2" charset="2"/>
+              </a:rPr>
+              <a:t>&gt;  &amp;gt;</a:t>
+            </a:r>
+            <a:endParaRPr lang="id-ID"/>
+          </a:p>
+        </p:txBody>
+      </p:sp>
+      <p:pic>
+        <p:nvPicPr>
+          <p:cNvPr id="6" name="Picture 5"/>
+          <p:cNvPicPr>
+            <a:picLocks noChangeAspect="1"/>
+          </p:cNvPicPr>
+          <p:nvPr/>
+        </p:nvPicPr>
+        <p:blipFill>
+          <a:blip r:embed="rId2"/>
+          <a:stretch>
+            <a:fillRect/>
+          </a:stretch>
+        </p:blipFill>
+        <p:spPr>
+          <a:xfrm>
+            <a:off x="4175352" y="1834166"/>
+            <a:ext cx="6261872" cy="4797107"/>
+          </a:xfrm>
+          <a:prstGeom prst="rect">
+            <a:avLst/>
+          </a:prstGeom>
+        </p:spPr>
+      </p:pic>
+    </p:spTree>
+    <p:extLst>
+      <p:ext uri="{BB962C8B-B14F-4D97-AF65-F5344CB8AC3E}">
+        <p14:creationId xmlns:p14="http://schemas.microsoft.com/office/powerpoint/2010/main" val="3705741436"/>
+      </p:ext>
+    </p:extLst>
+  </p:cSld>
+  <p:clrMapOvr>
+    <a:masterClrMapping/>
+  </p:clrMapOvr>
+  <p:timing>
+    <p:tnLst>
+      <p:par>
+        <p:cTn id="1" dur="indefinite" restart="never" nodeType="tmRoot"/>
+      </p:par>
+    </p:tnLst>
+  </p:timing>
+</p:sld>
+</file>
+
+<file path=ppt/slides/slide41.xml><?xml version="1.0" encoding="utf-8"?>
+<p:sld xmlns:a="http://schemas.openxmlformats.org/drawingml/2006/main" xmlns:r="http://schemas.openxmlformats.org/officeDocument/2006/relationships" xmlns:p="http://schemas.openxmlformats.org/presentationml/2006/main">
+  <p:cSld>
+    <p:spTree>
+      <p:nvGrpSpPr>
+        <p:cNvPr id="1" name=""/>
+        <p:cNvGrpSpPr/>
+        <p:nvPr/>
+      </p:nvGrpSpPr>
+      <p:grpSpPr>
+        <a:xfrm>
+          <a:off x="0" y="0"/>
+          <a:ext cx="0" cy="0"/>
+          <a:chOff x="0" y="0"/>
+          <a:chExt cx="0" cy="0"/>
+        </a:xfrm>
+      </p:grpSpPr>
+      <p:sp>
+        <p:nvSpPr>
+          <p:cNvPr id="2" name="Title 1"/>
+          <p:cNvSpPr>
+            <a:spLocks noGrp="1"/>
+          </p:cNvSpPr>
+          <p:nvPr>
+            <p:ph type="title"/>
+          </p:nvPr>
+        </p:nvSpPr>
+        <p:spPr/>
+        <p:txBody>
+          <a:bodyPr/>
+          <a:lstStyle/>
+          <a:p>
+            <a:r>
+              <a:rPr lang="en-US" smtClean="0"/>
+              <a:t>Latihan 2: Membuat XML dari database</a:t>
+            </a:r>
+            <a:endParaRPr lang="id-ID"/>
+          </a:p>
+        </p:txBody>
+      </p:sp>
+      <p:sp>
+        <p:nvSpPr>
+          <p:cNvPr id="3" name="Content Placeholder 2"/>
+          <p:cNvSpPr>
+            <a:spLocks noGrp="1"/>
+          </p:cNvSpPr>
+          <p:nvPr>
+            <p:ph idx="1"/>
+          </p:nvPr>
+        </p:nvSpPr>
+        <p:spPr/>
+        <p:txBody>
+          <a:bodyPr/>
+          <a:lstStyle/>
+          <a:p>
+            <a:r>
+              <a:rPr lang="en-US" smtClean="0"/>
+              <a:t>Baca database unit kerja</a:t>
+            </a:r>
+          </a:p>
+          <a:p>
+            <a:r>
+              <a:rPr lang="en-US" smtClean="0"/>
+              <a:t>Simpan sebagai file unit2.xml</a:t>
+            </a:r>
+          </a:p>
+          <a:p>
+            <a:r>
+              <a:rPr lang="en-US" smtClean="0"/>
+              <a:t>Ujicoba data unitkerja dengan huruf &amp; , &gt; dan &lt;</a:t>
+            </a:r>
+          </a:p>
+          <a:p>
+            <a:endParaRPr lang="en-US" smtClean="0"/>
+          </a:p>
+          <a:p>
+            <a:endParaRPr lang="id-ID"/>
+          </a:p>
+        </p:txBody>
+      </p:sp>
+    </p:spTree>
+    <p:extLst>
+      <p:ext uri="{BB962C8B-B14F-4D97-AF65-F5344CB8AC3E}">
+        <p14:creationId xmlns:p14="http://schemas.microsoft.com/office/powerpoint/2010/main" val="3638030563"/>
+      </p:ext>
+    </p:extLst>
+  </p:cSld>
+  <p:clrMapOvr>
+    <a:masterClrMapping/>
+  </p:clrMapOvr>
+  <p:timing>
+    <p:tnLst>
+      <p:par>
+        <p:cTn id="1" dur="indefinite" restart="never" nodeType="tmRoot"/>
+      </p:par>
+    </p:tnLst>
+  </p:timing>
+</p:sld>
+</file>
+
+<file path=ppt/slides/slide42.xml><?xml version="1.0" encoding="utf-8"?>
+<p:sld xmlns:a="http://schemas.openxmlformats.org/drawingml/2006/main" xmlns:r="http://schemas.openxmlformats.org/officeDocument/2006/relationships" xmlns:p="http://schemas.openxmlformats.org/presentationml/2006/main">
+  <p:cSld>
+    <p:spTree>
+      <p:nvGrpSpPr>
+        <p:cNvPr id="1" name=""/>
+        <p:cNvGrpSpPr/>
+        <p:nvPr/>
+      </p:nvGrpSpPr>
+      <p:grpSpPr>
+        <a:xfrm>
+          <a:off x="0" y="0"/>
+          <a:ext cx="0" cy="0"/>
+          <a:chOff x="0" y="0"/>
+          <a:chExt cx="0" cy="0"/>
+        </a:xfrm>
+      </p:grpSpPr>
+      <p:pic>
+        <p:nvPicPr>
+          <p:cNvPr id="5" name="Picture 4"/>
+          <p:cNvPicPr>
+            <a:picLocks noChangeAspect="1"/>
+          </p:cNvPicPr>
+          <p:nvPr/>
+        </p:nvPicPr>
+        <p:blipFill>
+          <a:blip r:embed="rId2"/>
+          <a:stretch>
+            <a:fillRect/>
+          </a:stretch>
+        </p:blipFill>
+        <p:spPr>
+          <a:xfrm>
+            <a:off x="543060" y="535440"/>
+            <a:ext cx="10545605" cy="5421222"/>
+          </a:xfrm>
+          <a:prstGeom prst="rect">
+            <a:avLst/>
+          </a:prstGeom>
+        </p:spPr>
+      </p:pic>
+    </p:spTree>
+    <p:extLst>
+      <p:ext uri="{BB962C8B-B14F-4D97-AF65-F5344CB8AC3E}">
+        <p14:creationId xmlns:p14="http://schemas.microsoft.com/office/powerpoint/2010/main" val="1456671248"/>
+      </p:ext>
+    </p:extLst>
+  </p:cSld>
+  <p:clrMapOvr>
+    <a:masterClrMapping/>
+  </p:clrMapOvr>
+</p:sld>
+</file>
+
+<file path=ppt/slides/slide43.xml><?xml version="1.0" encoding="utf-8"?>
+<p:sld xmlns:a="http://schemas.openxmlformats.org/drawingml/2006/main" xmlns:r="http://schemas.openxmlformats.org/officeDocument/2006/relationships" xmlns:p="http://schemas.openxmlformats.org/presentationml/2006/main">
+  <p:cSld>
+    <p:spTree>
+      <p:nvGrpSpPr>
+        <p:cNvPr id="1" name=""/>
+        <p:cNvGrpSpPr/>
+        <p:nvPr/>
+      </p:nvGrpSpPr>
+      <p:grpSpPr>
+        <a:xfrm>
+          <a:off x="0" y="0"/>
+          <a:ext cx="0" cy="0"/>
+          <a:chOff x="0" y="0"/>
+          <a:chExt cx="0" cy="0"/>
+        </a:xfrm>
+      </p:grpSpPr>
+      <p:sp>
+        <p:nvSpPr>
+          <p:cNvPr id="2" name="Title 1"/>
+          <p:cNvSpPr>
+            <a:spLocks noGrp="1"/>
+          </p:cNvSpPr>
+          <p:nvPr>
+            <p:ph type="title"/>
+          </p:nvPr>
+        </p:nvSpPr>
+        <p:spPr/>
+        <p:txBody>
+          <a:bodyPr/>
+          <a:lstStyle/>
+          <a:p>
+            <a:r>
+              <a:rPr lang="en-US" smtClean="0"/>
+              <a:t>Latihan 2: studi kasus</a:t>
+            </a:r>
+            <a:endParaRPr lang="id-ID"/>
+          </a:p>
+        </p:txBody>
+      </p:sp>
+      <p:sp>
+        <p:nvSpPr>
+          <p:cNvPr id="3" name="Content Placeholder 2"/>
+          <p:cNvSpPr>
+            <a:spLocks noGrp="1"/>
+          </p:cNvSpPr>
+          <p:nvPr>
+            <p:ph idx="1"/>
+          </p:nvPr>
+        </p:nvSpPr>
+        <p:spPr/>
+        <p:txBody>
+          <a:bodyPr/>
+          <a:lstStyle/>
+          <a:p>
+            <a:r>
+              <a:rPr lang="en-US" smtClean="0"/>
+              <a:t>Tampilkan file xml di web form</a:t>
+            </a:r>
+          </a:p>
+          <a:p>
+            <a:r>
+              <a:rPr lang="en-US" smtClean="0"/>
+              <a:t>Gunakan XML control</a:t>
+            </a:r>
+          </a:p>
+          <a:p>
+            <a:r>
+              <a:rPr lang="en-US" smtClean="0"/>
+              <a:t>Gunakan transform xslt</a:t>
+            </a:r>
+            <a:endParaRPr lang="id-ID"/>
+          </a:p>
+        </p:txBody>
+      </p:sp>
+    </p:spTree>
+    <p:extLst>
+      <p:ext uri="{BB962C8B-B14F-4D97-AF65-F5344CB8AC3E}">
+        <p14:creationId xmlns:p14="http://schemas.microsoft.com/office/powerpoint/2010/main" val="3545491684"/>
+      </p:ext>
+    </p:extLst>
+  </p:cSld>
+  <p:clrMapOvr>
+    <a:masterClrMapping/>
+  </p:clrMapOvr>
+  <p:timing>
+    <p:tnLst>
+      <p:par>
+        <p:cTn id="1" dur="indefinite" restart="never" nodeType="tmRoot"/>
+      </p:par>
+    </p:tnLst>
+  </p:timing>
+</p:sld>
+</file>
+
+<file path=ppt/slides/slide44.xml><?xml version="1.0" encoding="utf-8"?>
+<p:sld xmlns:a="http://schemas.openxmlformats.org/drawingml/2006/main" xmlns:r="http://schemas.openxmlformats.org/officeDocument/2006/relationships" xmlns:p="http://schemas.openxmlformats.org/presentationml/2006/main">
+  <p:cSld>
+    <p:spTree>
+      <p:nvGrpSpPr>
+        <p:cNvPr id="1" name=""/>
+        <p:cNvGrpSpPr/>
+        <p:nvPr/>
+      </p:nvGrpSpPr>
+      <p:grpSpPr>
+        <a:xfrm>
+          <a:off x="0" y="0"/>
+          <a:ext cx="0" cy="0"/>
+          <a:chOff x="0" y="0"/>
+          <a:chExt cx="0" cy="0"/>
+        </a:xfrm>
+      </p:grpSpPr>
+      <p:sp>
+        <p:nvSpPr>
+          <p:cNvPr id="2" name="Title 1"/>
+          <p:cNvSpPr>
+            <a:spLocks noGrp="1"/>
+          </p:cNvSpPr>
+          <p:nvPr>
+            <p:ph type="title"/>
+          </p:nvPr>
+        </p:nvSpPr>
+        <p:spPr/>
+        <p:txBody>
+          <a:bodyPr/>
+          <a:lstStyle/>
+          <a:p>
+            <a:r>
+              <a:rPr lang="en-US"/>
+              <a:t>Latihan 2: studi kasus</a:t>
+            </a:r>
+            <a:endParaRPr lang="id-ID"/>
+          </a:p>
+        </p:txBody>
+      </p:sp>
+      <p:sp>
+        <p:nvSpPr>
+          <p:cNvPr id="3" name="Content Placeholder 2"/>
+          <p:cNvSpPr>
+            <a:spLocks noGrp="1"/>
+          </p:cNvSpPr>
+          <p:nvPr>
+            <p:ph idx="1"/>
+          </p:nvPr>
+        </p:nvSpPr>
+        <p:spPr/>
+        <p:txBody>
+          <a:bodyPr/>
+          <a:lstStyle/>
+          <a:p>
+            <a:endParaRPr lang="id-ID"/>
+          </a:p>
+        </p:txBody>
+      </p:sp>
+      <p:pic>
+        <p:nvPicPr>
+          <p:cNvPr id="4" name="Picture 3"/>
+          <p:cNvPicPr>
+            <a:picLocks noChangeAspect="1"/>
+          </p:cNvPicPr>
+          <p:nvPr/>
+        </p:nvPicPr>
+        <p:blipFill>
+          <a:blip r:embed="rId2"/>
+          <a:stretch>
+            <a:fillRect/>
+          </a:stretch>
+        </p:blipFill>
+        <p:spPr>
+          <a:xfrm>
+            <a:off x="1476374" y="2336873"/>
+            <a:ext cx="7547398" cy="3103245"/>
+          </a:xfrm>
+          <a:prstGeom prst="rect">
+            <a:avLst/>
+          </a:prstGeom>
+        </p:spPr>
+      </p:pic>
+    </p:spTree>
+    <p:extLst>
+      <p:ext uri="{BB962C8B-B14F-4D97-AF65-F5344CB8AC3E}">
+        <p14:creationId xmlns:p14="http://schemas.microsoft.com/office/powerpoint/2010/main" val="2307495886"/>
+      </p:ext>
+    </p:extLst>
+  </p:cSld>
+  <p:clrMapOvr>
+    <a:masterClrMapping/>
+  </p:clrMapOvr>
+  <p:timing>
+    <p:tnLst>
+      <p:par>
+        <p:cTn id="1" dur="indefinite" restart="never" nodeType="tmRoot"/>
+      </p:par>
+    </p:tnLst>
+  </p:timing>
+</p:sld>
+</file>
+
+<file path=ppt/slides/slide45.xml><?xml version="1.0" encoding="utf-8"?>
+<p:sld xmlns:a="http://schemas.openxmlformats.org/drawingml/2006/main" xmlns:r="http://schemas.openxmlformats.org/officeDocument/2006/relationships" xmlns:p="http://schemas.openxmlformats.org/presentationml/2006/main">
+  <p:cSld>
+    <p:spTree>
+      <p:nvGrpSpPr>
+        <p:cNvPr id="1" name=""/>
+        <p:cNvGrpSpPr/>
+        <p:nvPr/>
+      </p:nvGrpSpPr>
+      <p:grpSpPr>
+        <a:xfrm>
+          <a:off x="0" y="0"/>
+          <a:ext cx="0" cy="0"/>
+          <a:chOff x="0" y="0"/>
+          <a:chExt cx="0" cy="0"/>
+        </a:xfrm>
+      </p:grpSpPr>
+      <p:sp>
+        <p:nvSpPr>
+          <p:cNvPr id="2" name="Title 1"/>
+          <p:cNvSpPr>
+            <a:spLocks noGrp="1"/>
+          </p:cNvSpPr>
+          <p:nvPr>
+            <p:ph type="title"/>
+          </p:nvPr>
+        </p:nvSpPr>
+        <p:spPr/>
+        <p:txBody>
+          <a:bodyPr/>
+          <a:lstStyle/>
+          <a:p>
+            <a:r>
+              <a:rPr lang="en-US" smtClean="0"/>
+              <a:t>Membaca XML</a:t>
+            </a:r>
+            <a:endParaRPr lang="id-ID"/>
+          </a:p>
+        </p:txBody>
+      </p:sp>
+      <p:sp>
+        <p:nvSpPr>
+          <p:cNvPr id="3" name="Content Placeholder 2"/>
+          <p:cNvSpPr>
+            <a:spLocks noGrp="1"/>
+          </p:cNvSpPr>
+          <p:nvPr>
+            <p:ph idx="1"/>
+          </p:nvPr>
+        </p:nvSpPr>
+        <p:spPr/>
+        <p:txBody>
+          <a:bodyPr/>
+          <a:lstStyle/>
+          <a:p>
+            <a:r>
+              <a:rPr lang="en-US" smtClean="0"/>
+              <a:t>Latihan 3: membaca XML dari server, </a:t>
+            </a:r>
+            <a:r>
+              <a:rPr lang="id-ID"/>
+              <a:t>XmlTextReader</a:t>
+            </a:r>
+            <a:endParaRPr lang="en-US" smtClean="0"/>
+          </a:p>
+          <a:p>
+            <a:r>
+              <a:rPr lang="en-US" smtClean="0"/>
+              <a:t>Latihan 4: membaca XML dari server, XmlDocument</a:t>
+            </a:r>
+          </a:p>
+          <a:p>
+            <a:r>
+              <a:rPr lang="en-US" smtClean="0"/>
+              <a:t>Tahapan:</a:t>
+            </a:r>
+          </a:p>
+          <a:p>
+            <a:pPr lvl="1"/>
+            <a:r>
+              <a:rPr lang="en-US" smtClean="0"/>
+              <a:t>Install IIS localhost</a:t>
+            </a:r>
+          </a:p>
+          <a:p>
+            <a:pPr lvl="1"/>
+            <a:r>
+              <a:rPr lang="en-US" smtClean="0"/>
+              <a:t>Data diakses dengan url </a:t>
+            </a:r>
+            <a:r>
+              <a:rPr lang="en-US" smtClean="0">
+                <a:hlinkClick r:id="rId2"/>
+              </a:rPr>
+              <a:t>http://localhost/stock.xml</a:t>
+            </a:r>
+            <a:endParaRPr lang="en-US" smtClean="0"/>
+          </a:p>
+          <a:p>
+            <a:pPr lvl="1"/>
+            <a:r>
+              <a:rPr lang="en-US" smtClean="0"/>
+              <a:t>Baca data xml satu persatu</a:t>
+            </a:r>
+            <a:endParaRPr lang="id-ID"/>
+          </a:p>
+        </p:txBody>
+      </p:sp>
+      <p:pic>
+        <p:nvPicPr>
+          <p:cNvPr id="4" name="Picture 3"/>
+          <p:cNvPicPr>
+            <a:picLocks noChangeAspect="1"/>
+          </p:cNvPicPr>
+          <p:nvPr/>
+        </p:nvPicPr>
+        <p:blipFill>
+          <a:blip r:embed="rId3"/>
+          <a:stretch>
+            <a:fillRect/>
+          </a:stretch>
+        </p:blipFill>
+        <p:spPr>
+          <a:xfrm>
+            <a:off x="8257086" y="2143261"/>
+            <a:ext cx="3829050" cy="4295775"/>
+          </a:xfrm>
+          <a:prstGeom prst="rect">
+            <a:avLst/>
+          </a:prstGeom>
+        </p:spPr>
+      </p:pic>
+    </p:spTree>
+    <p:extLst>
+      <p:ext uri="{BB962C8B-B14F-4D97-AF65-F5344CB8AC3E}">
+        <p14:creationId xmlns:p14="http://schemas.microsoft.com/office/powerpoint/2010/main" val="3627794655"/>
+      </p:ext>
+    </p:extLst>
+  </p:cSld>
+  <p:clrMapOvr>
+    <a:masterClrMapping/>
+  </p:clrMapOvr>
+  <p:timing>
+    <p:tnLst>
+      <p:par>
+        <p:cTn id="1" dur="indefinite" restart="never" nodeType="tmRoot"/>
+      </p:par>
+    </p:tnLst>
+  </p:timing>
+</p:sld>
+</file>
+
+<file path=ppt/slides/slide46.xml><?xml version="1.0" encoding="utf-8"?>
+<p:sld xmlns:a="http://schemas.openxmlformats.org/drawingml/2006/main" xmlns:r="http://schemas.openxmlformats.org/officeDocument/2006/relationships" xmlns:p="http://schemas.openxmlformats.org/presentationml/2006/main">
+  <p:cSld>
+    <p:spTree>
+      <p:nvGrpSpPr>
+        <p:cNvPr id="1" name=""/>
+        <p:cNvGrpSpPr/>
+        <p:nvPr/>
+      </p:nvGrpSpPr>
+      <p:grpSpPr>
+        <a:xfrm>
+          <a:off x="0" y="0"/>
+          <a:ext cx="0" cy="0"/>
+          <a:chOff x="0" y="0"/>
+          <a:chExt cx="0" cy="0"/>
+        </a:xfrm>
+      </p:grpSpPr>
+      <p:sp>
+        <p:nvSpPr>
+          <p:cNvPr id="2" name="Title 1"/>
+          <p:cNvSpPr>
+            <a:spLocks noGrp="1"/>
+          </p:cNvSpPr>
+          <p:nvPr>
+            <p:ph type="title"/>
+          </p:nvPr>
+        </p:nvSpPr>
+        <p:spPr/>
+        <p:txBody>
+          <a:bodyPr/>
+          <a:lstStyle/>
+          <a:p>
+            <a:r>
+              <a:rPr lang="en-US" smtClean="0"/>
+              <a:t>Latihan 3: XmlTextReader</a:t>
+            </a:r>
+            <a:endParaRPr lang="id-ID"/>
+          </a:p>
+        </p:txBody>
+      </p:sp>
+      <p:sp>
+        <p:nvSpPr>
+          <p:cNvPr id="3" name="Content Placeholder 2"/>
+          <p:cNvSpPr>
+            <a:spLocks noGrp="1"/>
+          </p:cNvSpPr>
+          <p:nvPr>
+            <p:ph idx="1"/>
+          </p:nvPr>
+        </p:nvSpPr>
+        <p:spPr/>
+        <p:txBody>
+          <a:bodyPr/>
+          <a:lstStyle/>
+          <a:p>
+            <a:r>
+              <a:rPr lang="en-US" smtClean="0"/>
+              <a:t>Baca data </a:t>
+            </a:r>
+            <a:r>
+              <a:rPr lang="en-US" smtClean="0">
+                <a:hlinkClick r:id="rId2"/>
+              </a:rPr>
+              <a:t>http://localhost/stock.xml</a:t>
+            </a:r>
+            <a:endParaRPr lang="en-US" smtClean="0"/>
+          </a:p>
+          <a:p>
+            <a:r>
+              <a:rPr lang="en-US" smtClean="0"/>
+              <a:t>Gunakan </a:t>
+            </a:r>
+            <a:r>
+              <a:rPr lang="id-ID" smtClean="0"/>
+              <a:t>NodeType</a:t>
+            </a:r>
+            <a:r>
+              <a:rPr lang="en-US" smtClean="0"/>
+              <a:t> untuk menentukan jenis datanya</a:t>
+            </a:r>
+          </a:p>
+          <a:p>
+            <a:pPr lvl="1"/>
+            <a:r>
+              <a:rPr lang="id-ID" smtClean="0"/>
+              <a:t>XmlNodeType.Element</a:t>
+            </a:r>
+            <a:endParaRPr lang="en-US" smtClean="0"/>
+          </a:p>
+          <a:p>
+            <a:pPr lvl="1"/>
+            <a:r>
+              <a:rPr lang="id-ID" smtClean="0"/>
+              <a:t>XmlNodeType.Text</a:t>
+            </a:r>
+            <a:endParaRPr lang="en-US" smtClean="0"/>
+          </a:p>
+          <a:p>
+            <a:pPr lvl="1"/>
+            <a:r>
+              <a:rPr lang="id-ID" smtClean="0"/>
+              <a:t>XmlNodeType.EndElement</a:t>
+            </a:r>
+            <a:endParaRPr lang="en-US" smtClean="0"/>
+          </a:p>
+          <a:p>
+            <a:r>
+              <a:rPr lang="en-US" smtClean="0"/>
+              <a:t>Tampilkan hasil di webform dalam bentuk text</a:t>
+            </a:r>
+          </a:p>
+        </p:txBody>
+      </p:sp>
+    </p:spTree>
+    <p:extLst>
+      <p:ext uri="{BB962C8B-B14F-4D97-AF65-F5344CB8AC3E}">
+        <p14:creationId xmlns:p14="http://schemas.microsoft.com/office/powerpoint/2010/main" val="991314399"/>
+      </p:ext>
+    </p:extLst>
+  </p:cSld>
+  <p:clrMapOvr>
+    <a:masterClrMapping/>
+  </p:clrMapOvr>
+  <p:timing>
+    <p:tnLst>
+      <p:par>
+        <p:cTn id="1" dur="indefinite" restart="never" nodeType="tmRoot"/>
+      </p:par>
+    </p:tnLst>
+  </p:timing>
+</p:sld>
+</file>
+
+<file path=ppt/slides/slide47.xml><?xml version="1.0" encoding="utf-8"?>
+<p:sld xmlns:a="http://schemas.openxmlformats.org/drawingml/2006/main" xmlns:r="http://schemas.openxmlformats.org/officeDocument/2006/relationships" xmlns:p="http://schemas.openxmlformats.org/presentationml/2006/main">
+  <p:cSld>
+    <p:spTree>
+      <p:nvGrpSpPr>
+        <p:cNvPr id="1" name=""/>
+        <p:cNvGrpSpPr/>
+        <p:nvPr/>
+      </p:nvGrpSpPr>
+      <p:grpSpPr>
+        <a:xfrm>
+          <a:off x="0" y="0"/>
+          <a:ext cx="0" cy="0"/>
+          <a:chOff x="0" y="0"/>
+          <a:chExt cx="0" cy="0"/>
+        </a:xfrm>
+      </p:grpSpPr>
+      <p:pic>
+        <p:nvPicPr>
+          <p:cNvPr id="5" name="Picture 4"/>
+          <p:cNvPicPr>
+            <a:picLocks noChangeAspect="1"/>
+          </p:cNvPicPr>
+          <p:nvPr/>
+        </p:nvPicPr>
+        <p:blipFill>
+          <a:blip r:embed="rId2"/>
+          <a:stretch>
+            <a:fillRect/>
+          </a:stretch>
+        </p:blipFill>
+        <p:spPr>
+          <a:xfrm>
+            <a:off x="581297" y="390660"/>
+            <a:ext cx="8092440" cy="5912365"/>
+          </a:xfrm>
+          <a:prstGeom prst="rect">
+            <a:avLst/>
+          </a:prstGeom>
+        </p:spPr>
+      </p:pic>
+    </p:spTree>
+    <p:extLst>
+      <p:ext uri="{BB962C8B-B14F-4D97-AF65-F5344CB8AC3E}">
+        <p14:creationId xmlns:p14="http://schemas.microsoft.com/office/powerpoint/2010/main" val="508922118"/>
+      </p:ext>
+    </p:extLst>
+  </p:cSld>
+  <p:clrMapOvr>
+    <a:masterClrMapping/>
+  </p:clrMapOvr>
+</p:sld>
+</file>
+
+<file path=ppt/slides/slide48.xml><?xml version="1.0" encoding="utf-8"?>
+<p:sld xmlns:a="http://schemas.openxmlformats.org/drawingml/2006/main" xmlns:r="http://schemas.openxmlformats.org/officeDocument/2006/relationships" xmlns:p="http://schemas.openxmlformats.org/presentationml/2006/main">
+  <p:cSld>
+    <p:spTree>
+      <p:nvGrpSpPr>
+        <p:cNvPr id="1" name=""/>
+        <p:cNvGrpSpPr/>
+        <p:nvPr/>
+      </p:nvGrpSpPr>
+      <p:grpSpPr>
+        <a:xfrm>
+          <a:off x="0" y="0"/>
+          <a:ext cx="0" cy="0"/>
+          <a:chOff x="0" y="0"/>
+          <a:chExt cx="0" cy="0"/>
+        </a:xfrm>
+      </p:grpSpPr>
+      <p:sp>
+        <p:nvSpPr>
+          <p:cNvPr id="2" name="Title 1"/>
+          <p:cNvSpPr>
+            <a:spLocks noGrp="1"/>
+          </p:cNvSpPr>
+          <p:nvPr>
+            <p:ph type="title"/>
+          </p:nvPr>
+        </p:nvSpPr>
+        <p:spPr/>
+        <p:txBody>
+          <a:bodyPr/>
+          <a:lstStyle/>
+          <a:p>
+            <a:r>
+              <a:rPr lang="en-US" smtClean="0"/>
+              <a:t>Latihan 3: Studi Kasus</a:t>
+            </a:r>
+            <a:endParaRPr lang="id-ID"/>
+          </a:p>
+        </p:txBody>
+      </p:sp>
+      <p:sp>
+        <p:nvSpPr>
+          <p:cNvPr id="3" name="Content Placeholder 2"/>
+          <p:cNvSpPr>
+            <a:spLocks noGrp="1"/>
+          </p:cNvSpPr>
+          <p:nvPr>
+            <p:ph idx="1"/>
+          </p:nvPr>
+        </p:nvSpPr>
+        <p:spPr/>
+        <p:txBody>
+          <a:bodyPr/>
+          <a:lstStyle/>
+          <a:p>
+            <a:r>
+              <a:rPr lang="en-US" smtClean="0"/>
+              <a:t>Tampilkan seluruh text lengkap data XML</a:t>
+            </a:r>
+          </a:p>
+          <a:p>
+            <a:r>
+              <a:rPr lang="en-US" smtClean="0"/>
+              <a:t>Tampilkan atribut jika ada</a:t>
+            </a:r>
+          </a:p>
+          <a:p>
+            <a:pPr lvl="1"/>
+            <a:r>
+              <a:rPr lang="en-US" smtClean="0">
+                <a:hlinkClick r:id="rId2"/>
+              </a:rPr>
+              <a:t>http://localhost/books.xml</a:t>
+            </a:r>
+            <a:endParaRPr lang="en-US" smtClean="0"/>
+          </a:p>
+          <a:p>
+            <a:pPr lvl="1"/>
+            <a:endParaRPr lang="id-ID"/>
+          </a:p>
+        </p:txBody>
+      </p:sp>
+      <p:pic>
+        <p:nvPicPr>
+          <p:cNvPr id="4" name="Picture 3"/>
+          <p:cNvPicPr>
+            <a:picLocks noChangeAspect="1"/>
+          </p:cNvPicPr>
+          <p:nvPr/>
+        </p:nvPicPr>
+        <p:blipFill>
+          <a:blip r:embed="rId3"/>
+          <a:stretch>
+            <a:fillRect/>
+          </a:stretch>
+        </p:blipFill>
+        <p:spPr>
+          <a:xfrm>
+            <a:off x="6866981" y="2242665"/>
+            <a:ext cx="5033282" cy="4351921"/>
+          </a:xfrm>
+          <a:prstGeom prst="rect">
+            <a:avLst/>
+          </a:prstGeom>
+        </p:spPr>
+      </p:pic>
+    </p:spTree>
+    <p:extLst>
+      <p:ext uri="{BB962C8B-B14F-4D97-AF65-F5344CB8AC3E}">
+        <p14:creationId xmlns:p14="http://schemas.microsoft.com/office/powerpoint/2010/main" val="2323945253"/>
+      </p:ext>
+    </p:extLst>
+  </p:cSld>
+  <p:clrMapOvr>
+    <a:masterClrMapping/>
+  </p:clrMapOvr>
+</p:sld>
+</file>
+
+<file path=ppt/slides/slide49.xml><?xml version="1.0" encoding="utf-8"?>
+<p:sld xmlns:a="http://schemas.openxmlformats.org/drawingml/2006/main" xmlns:r="http://schemas.openxmlformats.org/officeDocument/2006/relationships" xmlns:p="http://schemas.openxmlformats.org/presentationml/2006/main">
+  <p:cSld>
+    <p:spTree>
+      <p:nvGrpSpPr>
+        <p:cNvPr id="1" name=""/>
+        <p:cNvGrpSpPr/>
+        <p:nvPr/>
+      </p:nvGrpSpPr>
+      <p:grpSpPr>
+        <a:xfrm>
+          <a:off x="0" y="0"/>
+          <a:ext cx="0" cy="0"/>
+          <a:chOff x="0" y="0"/>
+          <a:chExt cx="0" cy="0"/>
+        </a:xfrm>
+      </p:grpSpPr>
+      <p:pic>
+        <p:nvPicPr>
+          <p:cNvPr id="6" name="Picture 5"/>
+          <p:cNvPicPr>
+            <a:picLocks noChangeAspect="1"/>
+          </p:cNvPicPr>
+          <p:nvPr/>
+        </p:nvPicPr>
+        <p:blipFill>
+          <a:blip r:embed="rId2"/>
+          <a:stretch>
+            <a:fillRect/>
+          </a:stretch>
+        </p:blipFill>
+        <p:spPr>
+          <a:xfrm>
+            <a:off x="536393" y="533128"/>
+            <a:ext cx="8986429" cy="5670404"/>
+          </a:xfrm>
+          <a:prstGeom prst="rect">
+            <a:avLst/>
+          </a:prstGeom>
+        </p:spPr>
+      </p:pic>
+    </p:spTree>
+    <p:extLst>
+      <p:ext uri="{BB962C8B-B14F-4D97-AF65-F5344CB8AC3E}">
+        <p14:creationId xmlns:p14="http://schemas.microsoft.com/office/powerpoint/2010/main" val="1474447659"/>
+      </p:ext>
+    </p:extLst>
+  </p:cSld>
+  <p:clrMapOvr>
+    <a:masterClrMapping/>
+  </p:clrMapOvr>
+</p:sld>
+</file>
+
 <file path=ppt/slides/slide5.xml><?xml version="1.0" encoding="utf-8"?>
 <p:sld xmlns:a="http://schemas.openxmlformats.org/drawingml/2006/main" xmlns:r="http://schemas.openxmlformats.org/officeDocument/2006/relationships" xmlns:p="http://schemas.openxmlformats.org/presentationml/2006/main">
   <p:cSld>
@@ -10921,6 +12511,944 @@
       </p:par>
     </p:tnLst>
   </p:timing>
+</p:sld>
+</file>
+
+<file path=ppt/slides/slide50.xml><?xml version="1.0" encoding="utf-8"?>
+<p:sld xmlns:a="http://schemas.openxmlformats.org/drawingml/2006/main" xmlns:r="http://schemas.openxmlformats.org/officeDocument/2006/relationships" xmlns:p="http://schemas.openxmlformats.org/presentationml/2006/main">
+  <p:cSld>
+    <p:spTree>
+      <p:nvGrpSpPr>
+        <p:cNvPr id="1" name=""/>
+        <p:cNvGrpSpPr/>
+        <p:nvPr/>
+      </p:nvGrpSpPr>
+      <p:grpSpPr>
+        <a:xfrm>
+          <a:off x="0" y="0"/>
+          <a:ext cx="0" cy="0"/>
+          <a:chOff x="0" y="0"/>
+          <a:chExt cx="0" cy="0"/>
+        </a:xfrm>
+      </p:grpSpPr>
+      <p:pic>
+        <p:nvPicPr>
+          <p:cNvPr id="2" name="Picture 1"/>
+          <p:cNvPicPr>
+            <a:picLocks noChangeAspect="1"/>
+          </p:cNvPicPr>
+          <p:nvPr/>
+        </p:nvPicPr>
+        <p:blipFill>
+          <a:blip r:embed="rId2"/>
+          <a:stretch>
+            <a:fillRect/>
+          </a:stretch>
+        </p:blipFill>
+        <p:spPr>
+          <a:xfrm>
+            <a:off x="554083" y="401682"/>
+            <a:ext cx="9674134" cy="6091121"/>
+          </a:xfrm>
+          <a:prstGeom prst="rect">
+            <a:avLst/>
+          </a:prstGeom>
+        </p:spPr>
+      </p:pic>
+    </p:spTree>
+    <p:extLst>
+      <p:ext uri="{BB962C8B-B14F-4D97-AF65-F5344CB8AC3E}">
+        <p14:creationId xmlns:p14="http://schemas.microsoft.com/office/powerpoint/2010/main" val="59077703"/>
+      </p:ext>
+    </p:extLst>
+  </p:cSld>
+  <p:clrMapOvr>
+    <a:masterClrMapping/>
+  </p:clrMapOvr>
+</p:sld>
+</file>
+
+<file path=ppt/slides/slide51.xml><?xml version="1.0" encoding="utf-8"?>
+<p:sld xmlns:a="http://schemas.openxmlformats.org/drawingml/2006/main" xmlns:r="http://schemas.openxmlformats.org/officeDocument/2006/relationships" xmlns:p="http://schemas.openxmlformats.org/presentationml/2006/main">
+  <p:cSld>
+    <p:spTree>
+      <p:nvGrpSpPr>
+        <p:cNvPr id="1" name=""/>
+        <p:cNvGrpSpPr/>
+        <p:nvPr/>
+      </p:nvGrpSpPr>
+      <p:grpSpPr>
+        <a:xfrm>
+          <a:off x="0" y="0"/>
+          <a:ext cx="0" cy="0"/>
+          <a:chOff x="0" y="0"/>
+          <a:chExt cx="0" cy="0"/>
+        </a:xfrm>
+      </p:grpSpPr>
+      <p:sp>
+        <p:nvSpPr>
+          <p:cNvPr id="2" name="Title 1"/>
+          <p:cNvSpPr>
+            <a:spLocks noGrp="1"/>
+          </p:cNvSpPr>
+          <p:nvPr>
+            <p:ph type="title"/>
+          </p:nvPr>
+        </p:nvSpPr>
+        <p:spPr/>
+        <p:txBody>
+          <a:bodyPr/>
+          <a:lstStyle/>
+          <a:p>
+            <a:r>
+              <a:rPr lang="en-US" smtClean="0"/>
+              <a:t>Latihan 4: XmlDocument</a:t>
+            </a:r>
+            <a:endParaRPr lang="id-ID"/>
+          </a:p>
+        </p:txBody>
+      </p:sp>
+      <p:sp>
+        <p:nvSpPr>
+          <p:cNvPr id="3" name="Content Placeholder 2"/>
+          <p:cNvSpPr>
+            <a:spLocks noGrp="1"/>
+          </p:cNvSpPr>
+          <p:nvPr>
+            <p:ph idx="1"/>
+          </p:nvPr>
+        </p:nvSpPr>
+        <p:spPr/>
+        <p:txBody>
+          <a:bodyPr/>
+          <a:lstStyle/>
+          <a:p>
+            <a:r>
+              <a:rPr lang="en-US" smtClean="0"/>
+              <a:t>Baca </a:t>
+            </a:r>
+            <a:r>
+              <a:rPr lang="en-US"/>
+              <a:t>data </a:t>
+            </a:r>
+            <a:r>
+              <a:rPr lang="en-US">
+                <a:hlinkClick r:id="rId2"/>
+              </a:rPr>
+              <a:t>http://</a:t>
+            </a:r>
+            <a:r>
+              <a:rPr lang="en-US" smtClean="0">
+                <a:hlinkClick r:id="rId2"/>
+              </a:rPr>
+              <a:t>localhost/unit.xml</a:t>
+            </a:r>
+            <a:r>
+              <a:rPr lang="en-US" smtClean="0"/>
+              <a:t> (format obyek)</a:t>
+            </a:r>
+            <a:endParaRPr lang="en-US"/>
+          </a:p>
+          <a:p>
+            <a:r>
+              <a:rPr lang="en-US" smtClean="0"/>
+              <a:t>Baca data </a:t>
+            </a:r>
+            <a:r>
+              <a:rPr lang="en-US" smtClean="0">
+                <a:hlinkClick r:id="rId3"/>
+              </a:rPr>
+              <a:t>http://localhost/unit2.xml</a:t>
+            </a:r>
+            <a:r>
+              <a:rPr lang="en-US" smtClean="0"/>
+              <a:t> (format simple)</a:t>
+            </a:r>
+          </a:p>
+          <a:p>
+            <a:r>
+              <a:rPr lang="en-US" smtClean="0"/>
+              <a:t>Tampilkan data unit_id dan nama unit dalam list</a:t>
+            </a:r>
+            <a:endParaRPr lang="id-ID"/>
+          </a:p>
+        </p:txBody>
+      </p:sp>
+    </p:spTree>
+    <p:extLst>
+      <p:ext uri="{BB962C8B-B14F-4D97-AF65-F5344CB8AC3E}">
+        <p14:creationId xmlns:p14="http://schemas.microsoft.com/office/powerpoint/2010/main" val="3349748974"/>
+      </p:ext>
+    </p:extLst>
+  </p:cSld>
+  <p:clrMapOvr>
+    <a:masterClrMapping/>
+  </p:clrMapOvr>
+</p:sld>
+</file>
+
+<file path=ppt/slides/slide52.xml><?xml version="1.0" encoding="utf-8"?>
+<p:sld xmlns:a="http://schemas.openxmlformats.org/drawingml/2006/main" xmlns:r="http://schemas.openxmlformats.org/officeDocument/2006/relationships" xmlns:p="http://schemas.openxmlformats.org/presentationml/2006/main">
+  <p:cSld>
+    <p:spTree>
+      <p:nvGrpSpPr>
+        <p:cNvPr id="1" name=""/>
+        <p:cNvGrpSpPr/>
+        <p:nvPr/>
+      </p:nvGrpSpPr>
+      <p:grpSpPr>
+        <a:xfrm>
+          <a:off x="0" y="0"/>
+          <a:ext cx="0" cy="0"/>
+          <a:chOff x="0" y="0"/>
+          <a:chExt cx="0" cy="0"/>
+        </a:xfrm>
+      </p:grpSpPr>
+      <p:sp>
+        <p:nvSpPr>
+          <p:cNvPr id="2" name="Title 1"/>
+          <p:cNvSpPr>
+            <a:spLocks noGrp="1"/>
+          </p:cNvSpPr>
+          <p:nvPr>
+            <p:ph type="title"/>
+          </p:nvPr>
+        </p:nvSpPr>
+        <p:spPr/>
+        <p:txBody>
+          <a:bodyPr/>
+          <a:lstStyle/>
+          <a:p>
+            <a:r>
+              <a:rPr lang="en-US"/>
+              <a:t>Latihan 4</a:t>
+            </a:r>
+            <a:r>
+              <a:rPr lang="en-US" smtClean="0"/>
+              <a:t>: unit.xml</a:t>
+            </a:r>
+            <a:endParaRPr lang="id-ID"/>
+          </a:p>
+        </p:txBody>
+      </p:sp>
+      <p:sp>
+        <p:nvSpPr>
+          <p:cNvPr id="3" name="Content Placeholder 2"/>
+          <p:cNvSpPr>
+            <a:spLocks noGrp="1"/>
+          </p:cNvSpPr>
+          <p:nvPr>
+            <p:ph idx="1"/>
+          </p:nvPr>
+        </p:nvSpPr>
+        <p:spPr/>
+        <p:txBody>
+          <a:bodyPr/>
+          <a:lstStyle/>
+          <a:p>
+            <a:endParaRPr lang="id-ID"/>
+          </a:p>
+        </p:txBody>
+      </p:sp>
+      <p:pic>
+        <p:nvPicPr>
+          <p:cNvPr id="4" name="Picture 3"/>
+          <p:cNvPicPr>
+            <a:picLocks noChangeAspect="1"/>
+          </p:cNvPicPr>
+          <p:nvPr/>
+        </p:nvPicPr>
+        <p:blipFill>
+          <a:blip r:embed="rId2"/>
+          <a:stretch>
+            <a:fillRect/>
+          </a:stretch>
+        </p:blipFill>
+        <p:spPr>
+          <a:xfrm>
+            <a:off x="1411841" y="2156394"/>
+            <a:ext cx="9038445" cy="4547765"/>
+          </a:xfrm>
+          <a:prstGeom prst="rect">
+            <a:avLst/>
+          </a:prstGeom>
+        </p:spPr>
+      </p:pic>
+    </p:spTree>
+    <p:extLst>
+      <p:ext uri="{BB962C8B-B14F-4D97-AF65-F5344CB8AC3E}">
+        <p14:creationId xmlns:p14="http://schemas.microsoft.com/office/powerpoint/2010/main" val="1180114515"/>
+      </p:ext>
+    </p:extLst>
+  </p:cSld>
+  <p:clrMapOvr>
+    <a:masterClrMapping/>
+  </p:clrMapOvr>
+</p:sld>
+</file>
+
+<file path=ppt/slides/slide53.xml><?xml version="1.0" encoding="utf-8"?>
+<p:sld xmlns:a="http://schemas.openxmlformats.org/drawingml/2006/main" xmlns:r="http://schemas.openxmlformats.org/officeDocument/2006/relationships" xmlns:p="http://schemas.openxmlformats.org/presentationml/2006/main">
+  <p:cSld>
+    <p:spTree>
+      <p:nvGrpSpPr>
+        <p:cNvPr id="1" name=""/>
+        <p:cNvGrpSpPr/>
+        <p:nvPr/>
+      </p:nvGrpSpPr>
+      <p:grpSpPr>
+        <a:xfrm>
+          <a:off x="0" y="0"/>
+          <a:ext cx="0" cy="0"/>
+          <a:chOff x="0" y="0"/>
+          <a:chExt cx="0" cy="0"/>
+        </a:xfrm>
+      </p:grpSpPr>
+      <p:sp>
+        <p:nvSpPr>
+          <p:cNvPr id="2" name="Title 1"/>
+          <p:cNvSpPr>
+            <a:spLocks noGrp="1"/>
+          </p:cNvSpPr>
+          <p:nvPr>
+            <p:ph type="title"/>
+          </p:nvPr>
+        </p:nvSpPr>
+        <p:spPr/>
+        <p:txBody>
+          <a:bodyPr/>
+          <a:lstStyle/>
+          <a:p>
+            <a:r>
+              <a:rPr lang="en-US" smtClean="0"/>
+              <a:t>Latihan 4: unit2.xml</a:t>
+            </a:r>
+            <a:endParaRPr lang="id-ID"/>
+          </a:p>
+        </p:txBody>
+      </p:sp>
+      <p:sp>
+        <p:nvSpPr>
+          <p:cNvPr id="3" name="Content Placeholder 2"/>
+          <p:cNvSpPr>
+            <a:spLocks noGrp="1"/>
+          </p:cNvSpPr>
+          <p:nvPr>
+            <p:ph idx="1"/>
+          </p:nvPr>
+        </p:nvSpPr>
+        <p:spPr/>
+        <p:txBody>
+          <a:bodyPr/>
+          <a:lstStyle/>
+          <a:p>
+            <a:endParaRPr lang="id-ID"/>
+          </a:p>
+        </p:txBody>
+      </p:sp>
+      <p:pic>
+        <p:nvPicPr>
+          <p:cNvPr id="4" name="Picture 3"/>
+          <p:cNvPicPr>
+            <a:picLocks noChangeAspect="1"/>
+          </p:cNvPicPr>
+          <p:nvPr/>
+        </p:nvPicPr>
+        <p:blipFill>
+          <a:blip r:embed="rId2"/>
+          <a:stretch>
+            <a:fillRect/>
+          </a:stretch>
+        </p:blipFill>
+        <p:spPr>
+          <a:xfrm>
+            <a:off x="911545" y="2336873"/>
+            <a:ext cx="9512179" cy="3985550"/>
+          </a:xfrm>
+          <a:prstGeom prst="rect">
+            <a:avLst/>
+          </a:prstGeom>
+        </p:spPr>
+      </p:pic>
+    </p:spTree>
+    <p:extLst>
+      <p:ext uri="{BB962C8B-B14F-4D97-AF65-F5344CB8AC3E}">
+        <p14:creationId xmlns:p14="http://schemas.microsoft.com/office/powerpoint/2010/main" val="1059211631"/>
+      </p:ext>
+    </p:extLst>
+  </p:cSld>
+  <p:clrMapOvr>
+    <a:masterClrMapping/>
+  </p:clrMapOvr>
+</p:sld>
+</file>
+
+<file path=ppt/slides/slide54.xml><?xml version="1.0" encoding="utf-8"?>
+<p:sld xmlns:a="http://schemas.openxmlformats.org/drawingml/2006/main" xmlns:r="http://schemas.openxmlformats.org/officeDocument/2006/relationships" xmlns:p="http://schemas.openxmlformats.org/presentationml/2006/main">
+  <p:cSld>
+    <p:spTree>
+      <p:nvGrpSpPr>
+        <p:cNvPr id="1" name=""/>
+        <p:cNvGrpSpPr/>
+        <p:nvPr/>
+      </p:nvGrpSpPr>
+      <p:grpSpPr>
+        <a:xfrm>
+          <a:off x="0" y="0"/>
+          <a:ext cx="0" cy="0"/>
+          <a:chOff x="0" y="0"/>
+          <a:chExt cx="0" cy="0"/>
+        </a:xfrm>
+      </p:grpSpPr>
+      <p:sp>
+        <p:nvSpPr>
+          <p:cNvPr id="2" name="Title 1"/>
+          <p:cNvSpPr>
+            <a:spLocks noGrp="1"/>
+          </p:cNvSpPr>
+          <p:nvPr>
+            <p:ph type="title"/>
+          </p:nvPr>
+        </p:nvSpPr>
+        <p:spPr/>
+        <p:txBody>
+          <a:bodyPr/>
+          <a:lstStyle/>
+          <a:p>
+            <a:r>
+              <a:rPr lang="en-US" smtClean="0"/>
+              <a:t>Latihan 4: Studi kasus</a:t>
+            </a:r>
+            <a:endParaRPr lang="id-ID"/>
+          </a:p>
+        </p:txBody>
+      </p:sp>
+      <p:sp>
+        <p:nvSpPr>
+          <p:cNvPr id="3" name="Content Placeholder 2"/>
+          <p:cNvSpPr>
+            <a:spLocks noGrp="1"/>
+          </p:cNvSpPr>
+          <p:nvPr>
+            <p:ph idx="1"/>
+          </p:nvPr>
+        </p:nvSpPr>
+        <p:spPr/>
+        <p:txBody>
+          <a:bodyPr/>
+          <a:lstStyle/>
+          <a:p>
+            <a:r>
+              <a:rPr lang="en-US" smtClean="0"/>
+              <a:t>Tampilkan list currency dan ratenya</a:t>
+            </a:r>
+            <a:endParaRPr lang="id-ID"/>
+          </a:p>
+        </p:txBody>
+      </p:sp>
+      <p:pic>
+        <p:nvPicPr>
+          <p:cNvPr id="4" name="Picture 3"/>
+          <p:cNvPicPr>
+            <a:picLocks noChangeAspect="1"/>
+          </p:cNvPicPr>
+          <p:nvPr/>
+        </p:nvPicPr>
+        <p:blipFill>
+          <a:blip r:embed="rId2"/>
+          <a:stretch>
+            <a:fillRect/>
+          </a:stretch>
+        </p:blipFill>
+        <p:spPr>
+          <a:xfrm>
+            <a:off x="6977606" y="2008351"/>
+            <a:ext cx="4987878" cy="4627580"/>
+          </a:xfrm>
+          <a:prstGeom prst="rect">
+            <a:avLst/>
+          </a:prstGeom>
+        </p:spPr>
+      </p:pic>
+    </p:spTree>
+    <p:extLst>
+      <p:ext uri="{BB962C8B-B14F-4D97-AF65-F5344CB8AC3E}">
+        <p14:creationId xmlns:p14="http://schemas.microsoft.com/office/powerpoint/2010/main" val="3507267751"/>
+      </p:ext>
+    </p:extLst>
+  </p:cSld>
+  <p:clrMapOvr>
+    <a:masterClrMapping/>
+  </p:clrMapOvr>
+  <p:timing>
+    <p:tnLst>
+      <p:par>
+        <p:cTn id="1" dur="indefinite" restart="never" nodeType="tmRoot"/>
+      </p:par>
+    </p:tnLst>
+  </p:timing>
+</p:sld>
+</file>
+
+<file path=ppt/slides/slide55.xml><?xml version="1.0" encoding="utf-8"?>
+<p:sld xmlns:a="http://schemas.openxmlformats.org/drawingml/2006/main" xmlns:r="http://schemas.openxmlformats.org/officeDocument/2006/relationships" xmlns:p="http://schemas.openxmlformats.org/presentationml/2006/main">
+  <p:cSld>
+    <p:spTree>
+      <p:nvGrpSpPr>
+        <p:cNvPr id="1" name=""/>
+        <p:cNvGrpSpPr/>
+        <p:nvPr/>
+      </p:nvGrpSpPr>
+      <p:grpSpPr>
+        <a:xfrm>
+          <a:off x="0" y="0"/>
+          <a:ext cx="0" cy="0"/>
+          <a:chOff x="0" y="0"/>
+          <a:chExt cx="0" cy="0"/>
+        </a:xfrm>
+      </p:grpSpPr>
+      <p:sp>
+        <p:nvSpPr>
+          <p:cNvPr id="2" name="Title 1"/>
+          <p:cNvSpPr>
+            <a:spLocks noGrp="1"/>
+          </p:cNvSpPr>
+          <p:nvPr>
+            <p:ph type="title"/>
+          </p:nvPr>
+        </p:nvSpPr>
+        <p:spPr/>
+        <p:txBody>
+          <a:bodyPr/>
+          <a:lstStyle/>
+          <a:p>
+            <a:r>
+              <a:rPr lang="en-US"/>
+              <a:t>Latihan 4: Studi kasus</a:t>
+            </a:r>
+            <a:endParaRPr lang="id-ID"/>
+          </a:p>
+        </p:txBody>
+      </p:sp>
+      <p:sp>
+        <p:nvSpPr>
+          <p:cNvPr id="3" name="Content Placeholder 2"/>
+          <p:cNvSpPr>
+            <a:spLocks noGrp="1"/>
+          </p:cNvSpPr>
+          <p:nvPr>
+            <p:ph idx="1"/>
+          </p:nvPr>
+        </p:nvSpPr>
+        <p:spPr/>
+        <p:txBody>
+          <a:bodyPr/>
+          <a:lstStyle/>
+          <a:p>
+            <a:endParaRPr lang="id-ID"/>
+          </a:p>
+        </p:txBody>
+      </p:sp>
+      <p:pic>
+        <p:nvPicPr>
+          <p:cNvPr id="4" name="Picture 3"/>
+          <p:cNvPicPr>
+            <a:picLocks noChangeAspect="1"/>
+          </p:cNvPicPr>
+          <p:nvPr/>
+        </p:nvPicPr>
+        <p:blipFill>
+          <a:blip r:embed="rId2"/>
+          <a:stretch>
+            <a:fillRect/>
+          </a:stretch>
+        </p:blipFill>
+        <p:spPr>
+          <a:xfrm>
+            <a:off x="378824" y="2336873"/>
+            <a:ext cx="11232218" cy="3711230"/>
+          </a:xfrm>
+          <a:prstGeom prst="rect">
+            <a:avLst/>
+          </a:prstGeom>
+        </p:spPr>
+      </p:pic>
+    </p:spTree>
+    <p:extLst>
+      <p:ext uri="{BB962C8B-B14F-4D97-AF65-F5344CB8AC3E}">
+        <p14:creationId xmlns:p14="http://schemas.microsoft.com/office/powerpoint/2010/main" val="3059933675"/>
+      </p:ext>
+    </p:extLst>
+  </p:cSld>
+  <p:clrMapOvr>
+    <a:masterClrMapping/>
+  </p:clrMapOvr>
+  <p:timing>
+    <p:tnLst>
+      <p:par>
+        <p:cTn id="1" dur="indefinite" restart="never" nodeType="tmRoot"/>
+      </p:par>
+    </p:tnLst>
+  </p:timing>
+</p:sld>
+</file>
+
+<file path=ppt/slides/slide56.xml><?xml version="1.0" encoding="utf-8"?>
+<p:sld xmlns:a="http://schemas.openxmlformats.org/drawingml/2006/main" xmlns:r="http://schemas.openxmlformats.org/officeDocument/2006/relationships" xmlns:p="http://schemas.openxmlformats.org/presentationml/2006/main">
+  <p:cSld>
+    <p:spTree>
+      <p:nvGrpSpPr>
+        <p:cNvPr id="1" name=""/>
+        <p:cNvGrpSpPr/>
+        <p:nvPr/>
+      </p:nvGrpSpPr>
+      <p:grpSpPr>
+        <a:xfrm>
+          <a:off x="0" y="0"/>
+          <a:ext cx="0" cy="0"/>
+          <a:chOff x="0" y="0"/>
+          <a:chExt cx="0" cy="0"/>
+        </a:xfrm>
+      </p:grpSpPr>
+      <p:sp>
+        <p:nvSpPr>
+          <p:cNvPr id="2" name="Title 1"/>
+          <p:cNvSpPr>
+            <a:spLocks noGrp="1"/>
+          </p:cNvSpPr>
+          <p:nvPr>
+            <p:ph type="title"/>
+          </p:nvPr>
+        </p:nvSpPr>
+        <p:spPr/>
+        <p:txBody>
+          <a:bodyPr/>
+          <a:lstStyle/>
+          <a:p>
+            <a:r>
+              <a:rPr lang="en-US" smtClean="0"/>
+              <a:t>Mengirim </a:t>
+            </a:r>
+            <a:r>
+              <a:rPr lang="en-US" smtClean="0"/>
+              <a:t>Data</a:t>
+            </a:r>
+            <a:endParaRPr lang="id-ID"/>
+          </a:p>
+        </p:txBody>
+      </p:sp>
+      <p:sp>
+        <p:nvSpPr>
+          <p:cNvPr id="3" name="Content Placeholder 2"/>
+          <p:cNvSpPr>
+            <a:spLocks noGrp="1"/>
+          </p:cNvSpPr>
+          <p:nvPr>
+            <p:ph idx="1"/>
+          </p:nvPr>
+        </p:nvSpPr>
+        <p:spPr/>
+        <p:txBody>
+          <a:bodyPr>
+            <a:normAutofit lnSpcReduction="10000"/>
+          </a:bodyPr>
+          <a:lstStyle/>
+          <a:p>
+            <a:r>
+              <a:rPr lang="en-US" smtClean="0"/>
+              <a:t>Latihan 5: post data </a:t>
+            </a:r>
+            <a:r>
+              <a:rPr lang="en-US" smtClean="0"/>
+              <a:t>hasil XML</a:t>
+            </a:r>
+          </a:p>
+          <a:p>
+            <a:r>
+              <a:rPr lang="en-US" smtClean="0"/>
+              <a:t>Tahapan:</a:t>
+            </a:r>
+          </a:p>
+          <a:p>
+            <a:pPr lvl="1"/>
+            <a:r>
+              <a:rPr lang="en-US" smtClean="0"/>
+              <a:t>Install postman untuk ujicoba akses webservice</a:t>
+            </a:r>
+          </a:p>
+          <a:p>
+            <a:pPr lvl="1"/>
+            <a:r>
+              <a:rPr lang="en-US" smtClean="0"/>
+              <a:t>Akses halaman login di UII </a:t>
+            </a:r>
+            <a:r>
+              <a:rPr lang="en-US" smtClean="0">
+                <a:hlinkClick r:id="rId2"/>
+              </a:rPr>
+              <a:t>https://api.uii.ac.id/login.php</a:t>
+            </a:r>
+            <a:endParaRPr lang="en-US" smtClean="0"/>
+          </a:p>
+          <a:p>
+            <a:pPr lvl="1"/>
+            <a:r>
+              <a:rPr lang="en-US" smtClean="0"/>
+              <a:t>Parameter</a:t>
+            </a:r>
+          </a:p>
+          <a:p>
+            <a:pPr lvl="2"/>
+            <a:r>
+              <a:rPr lang="en-US" smtClean="0"/>
+              <a:t>Method : post</a:t>
+            </a:r>
+          </a:p>
+          <a:p>
+            <a:pPr lvl="2"/>
+            <a:r>
+              <a:rPr lang="en-US" smtClean="0"/>
+              <a:t>Form-data</a:t>
+            </a:r>
+          </a:p>
+          <a:p>
+            <a:pPr lvl="3"/>
+            <a:r>
+              <a:rPr lang="en-US"/>
+              <a:t>u</a:t>
+            </a:r>
+            <a:r>
+              <a:rPr lang="en-US" smtClean="0"/>
+              <a:t>ser</a:t>
+            </a:r>
+          </a:p>
+          <a:p>
+            <a:pPr lvl="3"/>
+            <a:r>
+              <a:rPr lang="en-US"/>
+              <a:t>p</a:t>
+            </a:r>
+            <a:r>
+              <a:rPr lang="en-US" smtClean="0"/>
+              <a:t>assword</a:t>
+            </a:r>
+          </a:p>
+          <a:p>
+            <a:pPr lvl="3"/>
+            <a:r>
+              <a:rPr lang="en-US" smtClean="0"/>
+              <a:t>Ip</a:t>
+            </a:r>
+          </a:p>
+          <a:p>
+            <a:pPr lvl="3"/>
+            <a:r>
+              <a:rPr lang="en-US"/>
+              <a:t>h</a:t>
+            </a:r>
+            <a:r>
+              <a:rPr lang="en-US" smtClean="0"/>
+              <a:t>ost</a:t>
+            </a:r>
+          </a:p>
+          <a:p>
+            <a:pPr lvl="3"/>
+            <a:r>
+              <a:rPr lang="en-US" smtClean="0"/>
+              <a:t>app</a:t>
+            </a:r>
+            <a:endParaRPr lang="id-ID"/>
+          </a:p>
+        </p:txBody>
+      </p:sp>
+    </p:spTree>
+    <p:extLst>
+      <p:ext uri="{BB962C8B-B14F-4D97-AF65-F5344CB8AC3E}">
+        <p14:creationId xmlns:p14="http://schemas.microsoft.com/office/powerpoint/2010/main" val="615503858"/>
+      </p:ext>
+    </p:extLst>
+  </p:cSld>
+  <p:clrMapOvr>
+    <a:masterClrMapping/>
+  </p:clrMapOvr>
+  <p:timing>
+    <p:tnLst>
+      <p:par>
+        <p:cTn id="1" dur="indefinite" restart="never" nodeType="tmRoot"/>
+      </p:par>
+    </p:tnLst>
+  </p:timing>
+</p:sld>
+</file>
+
+<file path=ppt/slides/slide57.xml><?xml version="1.0" encoding="utf-8"?>
+<p:sld xmlns:a="http://schemas.openxmlformats.org/drawingml/2006/main" xmlns:r="http://schemas.openxmlformats.org/officeDocument/2006/relationships" xmlns:p="http://schemas.openxmlformats.org/presentationml/2006/main">
+  <p:cSld>
+    <p:spTree>
+      <p:nvGrpSpPr>
+        <p:cNvPr id="1" name=""/>
+        <p:cNvGrpSpPr/>
+        <p:nvPr/>
+      </p:nvGrpSpPr>
+      <p:grpSpPr>
+        <a:xfrm>
+          <a:off x="0" y="0"/>
+          <a:ext cx="0" cy="0"/>
+          <a:chOff x="0" y="0"/>
+          <a:chExt cx="0" cy="0"/>
+        </a:xfrm>
+      </p:grpSpPr>
+      <p:sp>
+        <p:nvSpPr>
+          <p:cNvPr id="2" name="Title 1"/>
+          <p:cNvSpPr>
+            <a:spLocks noGrp="1"/>
+          </p:cNvSpPr>
+          <p:nvPr>
+            <p:ph type="title"/>
+          </p:nvPr>
+        </p:nvSpPr>
+        <p:spPr/>
+        <p:txBody>
+          <a:bodyPr/>
+          <a:lstStyle/>
+          <a:p>
+            <a:r>
+              <a:rPr lang="en-US" smtClean="0"/>
+              <a:t>Latihan 5: Post data hasil XML</a:t>
+            </a:r>
+            <a:endParaRPr lang="id-ID"/>
+          </a:p>
+        </p:txBody>
+      </p:sp>
+      <p:sp>
+        <p:nvSpPr>
+          <p:cNvPr id="3" name="Content Placeholder 2"/>
+          <p:cNvSpPr>
+            <a:spLocks noGrp="1"/>
+          </p:cNvSpPr>
+          <p:nvPr>
+            <p:ph idx="1"/>
+          </p:nvPr>
+        </p:nvSpPr>
+        <p:spPr/>
+        <p:txBody>
+          <a:bodyPr/>
+          <a:lstStyle/>
+          <a:p>
+            <a:r>
+              <a:rPr lang="en-US" smtClean="0"/>
+              <a:t>Buat halaman latihan5.asp</a:t>
+            </a:r>
+          </a:p>
+          <a:p>
+            <a:pPr lvl="1"/>
+            <a:r>
+              <a:rPr lang="en-US" smtClean="0"/>
+              <a:t>Berisikan data user dan password</a:t>
+            </a:r>
+          </a:p>
+          <a:p>
+            <a:pPr lvl="1"/>
+            <a:r>
+              <a:rPr lang="en-US" smtClean="0"/>
+              <a:t>Saat ditekan tombol login, arahkan respon ke latihan5-hasil.aspx</a:t>
+            </a:r>
+          </a:p>
+          <a:p>
+            <a:r>
+              <a:rPr lang="en-US" smtClean="0"/>
+              <a:t>Buat halaman latihan5-hasil.aspx</a:t>
+            </a:r>
+          </a:p>
+          <a:p>
+            <a:pPr lvl="1"/>
+            <a:r>
+              <a:rPr lang="en-US" smtClean="0"/>
+              <a:t>Tujuan menampilkan data yang dikirim</a:t>
+            </a:r>
+            <a:endParaRPr lang="id-ID"/>
+          </a:p>
+        </p:txBody>
+      </p:sp>
+    </p:spTree>
+    <p:extLst>
+      <p:ext uri="{BB962C8B-B14F-4D97-AF65-F5344CB8AC3E}">
+        <p14:creationId xmlns:p14="http://schemas.microsoft.com/office/powerpoint/2010/main" val="2388292106"/>
+      </p:ext>
+    </p:extLst>
+  </p:cSld>
+  <p:clrMapOvr>
+    <a:masterClrMapping/>
+  </p:clrMapOvr>
+</p:sld>
+</file>
+
+<file path=ppt/slides/slide58.xml><?xml version="1.0" encoding="utf-8"?>
+<p:sld xmlns:a="http://schemas.openxmlformats.org/drawingml/2006/main" xmlns:r="http://schemas.openxmlformats.org/officeDocument/2006/relationships" xmlns:p="http://schemas.openxmlformats.org/presentationml/2006/main">
+  <p:cSld>
+    <p:spTree>
+      <p:nvGrpSpPr>
+        <p:cNvPr id="1" name=""/>
+        <p:cNvGrpSpPr/>
+        <p:nvPr/>
+      </p:nvGrpSpPr>
+      <p:grpSpPr>
+        <a:xfrm>
+          <a:off x="0" y="0"/>
+          <a:ext cx="0" cy="0"/>
+          <a:chOff x="0" y="0"/>
+          <a:chExt cx="0" cy="0"/>
+        </a:xfrm>
+      </p:grpSpPr>
+      <p:sp>
+        <p:nvSpPr>
+          <p:cNvPr id="2" name="Title 1"/>
+          <p:cNvSpPr>
+            <a:spLocks noGrp="1"/>
+          </p:cNvSpPr>
+          <p:nvPr>
+            <p:ph type="title"/>
+          </p:nvPr>
+        </p:nvSpPr>
+        <p:spPr/>
+        <p:txBody>
+          <a:bodyPr/>
+          <a:lstStyle/>
+          <a:p>
+            <a:endParaRPr lang="id-ID"/>
+          </a:p>
+        </p:txBody>
+      </p:sp>
+      <p:sp>
+        <p:nvSpPr>
+          <p:cNvPr id="3" name="Content Placeholder 2"/>
+          <p:cNvSpPr>
+            <a:spLocks noGrp="1"/>
+          </p:cNvSpPr>
+          <p:nvPr>
+            <p:ph idx="1"/>
+          </p:nvPr>
+        </p:nvSpPr>
+        <p:spPr/>
+        <p:txBody>
+          <a:bodyPr/>
+          <a:lstStyle/>
+          <a:p>
+            <a:endParaRPr lang="id-ID"/>
+          </a:p>
+        </p:txBody>
+      </p:sp>
+    </p:spTree>
+    <p:extLst>
+      <p:ext uri="{BB962C8B-B14F-4D97-AF65-F5344CB8AC3E}">
+        <p14:creationId xmlns:p14="http://schemas.microsoft.com/office/powerpoint/2010/main" val="1637743921"/>
+      </p:ext>
+    </p:extLst>
+  </p:cSld>
+  <p:clrMapOvr>
+    <a:masterClrMapping/>
+  </p:clrMapOvr>
 </p:sld>
 </file>
 

--- a/presentasi 3.pptx
+++ b/presentasi 3.pptx
@@ -63,6 +63,16 @@
     <p:sldId id="297" r:id="rId57"/>
     <p:sldId id="316" r:id="rId58"/>
     <p:sldId id="317" r:id="rId59"/>
+    <p:sldId id="318" r:id="rId60"/>
+    <p:sldId id="319" r:id="rId61"/>
+    <p:sldId id="320" r:id="rId62"/>
+    <p:sldId id="321" r:id="rId63"/>
+    <p:sldId id="323" r:id="rId64"/>
+    <p:sldId id="322" r:id="rId65"/>
+    <p:sldId id="324" r:id="rId66"/>
+    <p:sldId id="325" r:id="rId67"/>
+    <p:sldId id="326" r:id="rId68"/>
+    <p:sldId id="327" r:id="rId69"/>
   </p:sldIdLst>
   <p:sldSz cx="12192000" cy="6858000"/>
   <p:notesSz cx="6858000" cy="9144000"/>
@@ -268,6 +278,20 @@
             <p14:sldId id="297"/>
             <p14:sldId id="316"/>
             <p14:sldId id="317"/>
+            <p14:sldId id="318"/>
+            <p14:sldId id="319"/>
+          </p14:sldIdLst>
+        </p14:section>
+        <p14:section name="Deploy" id="{F576C587-5C5F-48E8-8664-05EF8E0D52F6}">
+          <p14:sldIdLst>
+            <p14:sldId id="320"/>
+            <p14:sldId id="321"/>
+            <p14:sldId id="323"/>
+            <p14:sldId id="322"/>
+            <p14:sldId id="324"/>
+            <p14:sldId id="325"/>
+            <p14:sldId id="326"/>
+            <p14:sldId id="327"/>
           </p14:sldIdLst>
         </p14:section>
       </p14:sectionLst>
@@ -9108,7 +9132,17 @@
           <a:p>
             <a:r>
               <a:rPr lang="en-US" smtClean="0"/>
-              <a:t>Database dan XML</a:t>
+              <a:t>Database dan </a:t>
+            </a:r>
+            <a:r>
+              <a:rPr lang="en-US" smtClean="0"/>
+              <a:t>XML</a:t>
+            </a:r>
+          </a:p>
+          <a:p>
+            <a:r>
+              <a:rPr lang="en-US" smtClean="0"/>
+              <a:t>Deploy Aplikasi</a:t>
             </a:r>
             <a:endParaRPr lang="id-ID"/>
           </a:p>
@@ -13367,6 +13401,13 @@
               <a:rPr lang="en-US" smtClean="0"/>
               <a:t>Tujuan menampilkan data yang dikirim</a:t>
             </a:r>
+          </a:p>
+          <a:p>
+            <a:pPr lvl="1"/>
+            <a:r>
+              <a:rPr lang="en-US" smtClean="0"/>
+              <a:t>Format data XML</a:t>
+            </a:r>
             <a:endParaRPr lang="id-ID"/>
           </a:p>
         </p:txBody>
@@ -13416,33 +13457,123 @@
           <a:bodyPr/>
           <a:lstStyle/>
           <a:p>
+            <a:r>
+              <a:rPr lang="en-US" smtClean="0"/>
+              <a:t>Latihan5-hasil.aspx</a:t>
+            </a:r>
             <a:endParaRPr lang="id-ID"/>
           </a:p>
         </p:txBody>
       </p:sp>
-      <p:sp>
-        <p:nvSpPr>
-          <p:cNvPr id="3" name="Content Placeholder 2"/>
-          <p:cNvSpPr>
-            <a:spLocks noGrp="1"/>
-          </p:cNvSpPr>
+      <p:pic>
+        <p:nvPicPr>
+          <p:cNvPr id="4" name="Content Placeholder 3"/>
+          <p:cNvPicPr>
+            <a:picLocks noGrp="1" noChangeAspect="1"/>
+          </p:cNvPicPr>
           <p:nvPr>
             <p:ph idx="1"/>
           </p:nvPr>
-        </p:nvSpPr>
-        <p:spPr/>
-        <p:txBody>
-          <a:bodyPr/>
-          <a:lstStyle/>
-          <a:p>
-            <a:endParaRPr lang="id-ID"/>
-          </a:p>
-        </p:txBody>
-      </p:sp>
+        </p:nvPicPr>
+        <p:blipFill>
+          <a:blip r:embed="rId2"/>
+          <a:stretch>
+            <a:fillRect/>
+          </a:stretch>
+        </p:blipFill>
+        <p:spPr>
+          <a:xfrm>
+            <a:off x="448037" y="2159385"/>
+            <a:ext cx="9989186" cy="4548763"/>
+          </a:xfrm>
+          <a:prstGeom prst="rect">
+            <a:avLst/>
+          </a:prstGeom>
+        </p:spPr>
+      </p:pic>
     </p:spTree>
     <p:extLst>
       <p:ext uri="{BB962C8B-B14F-4D97-AF65-F5344CB8AC3E}">
         <p14:creationId xmlns:p14="http://schemas.microsoft.com/office/powerpoint/2010/main" val="1637743921"/>
+      </p:ext>
+    </p:extLst>
+  </p:cSld>
+  <p:clrMapOvr>
+    <a:masterClrMapping/>
+  </p:clrMapOvr>
+</p:sld>
+</file>
+
+<file path=ppt/slides/slide59.xml><?xml version="1.0" encoding="utf-8"?>
+<p:sld xmlns:a="http://schemas.openxmlformats.org/drawingml/2006/main" xmlns:r="http://schemas.openxmlformats.org/officeDocument/2006/relationships" xmlns:p="http://schemas.openxmlformats.org/presentationml/2006/main">
+  <p:cSld>
+    <p:spTree>
+      <p:nvGrpSpPr>
+        <p:cNvPr id="1" name=""/>
+        <p:cNvGrpSpPr/>
+        <p:nvPr/>
+      </p:nvGrpSpPr>
+      <p:grpSpPr>
+        <a:xfrm>
+          <a:off x="0" y="0"/>
+          <a:ext cx="0" cy="0"/>
+          <a:chOff x="0" y="0"/>
+          <a:chExt cx="0" cy="0"/>
+        </a:xfrm>
+      </p:grpSpPr>
+      <p:sp>
+        <p:nvSpPr>
+          <p:cNvPr id="2" name="Title 1"/>
+          <p:cNvSpPr>
+            <a:spLocks noGrp="1"/>
+          </p:cNvSpPr>
+          <p:nvPr>
+            <p:ph type="title"/>
+          </p:nvPr>
+        </p:nvSpPr>
+        <p:spPr/>
+        <p:txBody>
+          <a:bodyPr/>
+          <a:lstStyle/>
+          <a:p>
+            <a:r>
+              <a:rPr lang="en-US" smtClean="0"/>
+              <a:t>Latihan5.aspx</a:t>
+            </a:r>
+            <a:endParaRPr lang="id-ID"/>
+          </a:p>
+        </p:txBody>
+      </p:sp>
+      <p:pic>
+        <p:nvPicPr>
+          <p:cNvPr id="4" name="Content Placeholder 3"/>
+          <p:cNvPicPr>
+            <a:picLocks noGrp="1" noChangeAspect="1"/>
+          </p:cNvPicPr>
+          <p:nvPr>
+            <p:ph idx="1"/>
+          </p:nvPr>
+        </p:nvPicPr>
+        <p:blipFill>
+          <a:blip r:embed="rId2"/>
+          <a:stretch>
+            <a:fillRect/>
+          </a:stretch>
+        </p:blipFill>
+        <p:spPr>
+          <a:xfrm>
+            <a:off x="305707" y="2103051"/>
+            <a:ext cx="10113960" cy="4545943"/>
+          </a:xfrm>
+          <a:prstGeom prst="rect">
+            <a:avLst/>
+          </a:prstGeom>
+        </p:spPr>
+      </p:pic>
+    </p:spTree>
+    <p:extLst>
+      <p:ext uri="{BB962C8B-B14F-4D97-AF65-F5344CB8AC3E}">
+        <p14:creationId xmlns:p14="http://schemas.microsoft.com/office/powerpoint/2010/main" val="3684070471"/>
       </p:ext>
     </p:extLst>
   </p:cSld>
@@ -13734,6 +13865,915 @@
     <p:extLst>
       <p:ext uri="{BB962C8B-B14F-4D97-AF65-F5344CB8AC3E}">
         <p14:creationId xmlns:p14="http://schemas.microsoft.com/office/powerpoint/2010/main" val="2685689777"/>
+      </p:ext>
+    </p:extLst>
+  </p:cSld>
+  <p:clrMapOvr>
+    <a:masterClrMapping/>
+  </p:clrMapOvr>
+  <p:timing>
+    <p:tnLst>
+      <p:par>
+        <p:cTn id="1" dur="indefinite" restart="never" nodeType="tmRoot"/>
+      </p:par>
+    </p:tnLst>
+  </p:timing>
+</p:sld>
+</file>
+
+<file path=ppt/slides/slide60.xml><?xml version="1.0" encoding="utf-8"?>
+<p:sld xmlns:a="http://schemas.openxmlformats.org/drawingml/2006/main" xmlns:r="http://schemas.openxmlformats.org/officeDocument/2006/relationships" xmlns:p="http://schemas.openxmlformats.org/presentationml/2006/main">
+  <p:cSld>
+    <p:spTree>
+      <p:nvGrpSpPr>
+        <p:cNvPr id="1" name=""/>
+        <p:cNvGrpSpPr/>
+        <p:nvPr/>
+      </p:nvGrpSpPr>
+      <p:grpSpPr>
+        <a:xfrm>
+          <a:off x="0" y="0"/>
+          <a:ext cx="0" cy="0"/>
+          <a:chOff x="0" y="0"/>
+          <a:chExt cx="0" cy="0"/>
+        </a:xfrm>
+      </p:grpSpPr>
+      <p:sp>
+        <p:nvSpPr>
+          <p:cNvPr id="2" name="Title 1"/>
+          <p:cNvSpPr>
+            <a:spLocks noGrp="1"/>
+          </p:cNvSpPr>
+          <p:nvPr>
+            <p:ph type="title"/>
+          </p:nvPr>
+        </p:nvSpPr>
+        <p:spPr/>
+        <p:txBody>
+          <a:bodyPr/>
+          <a:lstStyle/>
+          <a:p>
+            <a:r>
+              <a:rPr lang="en-US" smtClean="0"/>
+              <a:t>Latihan 5: Studi Kasus</a:t>
+            </a:r>
+            <a:endParaRPr lang="id-ID"/>
+          </a:p>
+        </p:txBody>
+      </p:sp>
+      <p:sp>
+        <p:nvSpPr>
+          <p:cNvPr id="3" name="Content Placeholder 2"/>
+          <p:cNvSpPr>
+            <a:spLocks noGrp="1"/>
+          </p:cNvSpPr>
+          <p:nvPr>
+            <p:ph idx="1"/>
+          </p:nvPr>
+        </p:nvSpPr>
+        <p:spPr/>
+        <p:txBody>
+          <a:bodyPr/>
+          <a:lstStyle/>
+          <a:p>
+            <a:r>
+              <a:rPr lang="en-US" smtClean="0"/>
+              <a:t>Modifikasi latihan5.aspx dan latihan5-hasil.aspx menjadi</a:t>
+            </a:r>
+          </a:p>
+          <a:p>
+            <a:pPr lvl="1"/>
+            <a:r>
+              <a:rPr lang="en-US" smtClean="0"/>
+              <a:t>Jika sudah result=True, maka login diproses</a:t>
+            </a:r>
+          </a:p>
+          <a:p>
+            <a:pPr lvl="1"/>
+            <a:r>
+              <a:rPr lang="en-US" smtClean="0"/>
+              <a:t>Jika dibuka halaman latihan5-hasil.aspx, maka muncul ID yang login</a:t>
+            </a:r>
+          </a:p>
+          <a:p>
+            <a:pPr lvl="1"/>
+            <a:endParaRPr lang="en-US" smtClean="0"/>
+          </a:p>
+          <a:p>
+            <a:pPr lvl="1"/>
+            <a:endParaRPr lang="en-US"/>
+          </a:p>
+          <a:p>
+            <a:pPr lvl="1"/>
+            <a:endParaRPr lang="en-US"/>
+          </a:p>
+          <a:p>
+            <a:r>
+              <a:rPr lang="en-US" smtClean="0"/>
+              <a:t>Tips</a:t>
+            </a:r>
+          </a:p>
+          <a:p>
+            <a:pPr lvl="1"/>
+            <a:r>
+              <a:rPr lang="en-US" smtClean="0"/>
+              <a:t>Gunakan variable yang dikenal di banyak halaman</a:t>
+            </a:r>
+            <a:endParaRPr lang="id-ID"/>
+          </a:p>
+        </p:txBody>
+      </p:sp>
+    </p:spTree>
+    <p:extLst>
+      <p:ext uri="{BB962C8B-B14F-4D97-AF65-F5344CB8AC3E}">
+        <p14:creationId xmlns:p14="http://schemas.microsoft.com/office/powerpoint/2010/main" val="2592675282"/>
+      </p:ext>
+    </p:extLst>
+  </p:cSld>
+  <p:clrMapOvr>
+    <a:masterClrMapping/>
+  </p:clrMapOvr>
+</p:sld>
+</file>
+
+<file path=ppt/slides/slide61.xml><?xml version="1.0" encoding="utf-8"?>
+<p:sld xmlns:a="http://schemas.openxmlformats.org/drawingml/2006/main" xmlns:r="http://schemas.openxmlformats.org/officeDocument/2006/relationships" xmlns:p="http://schemas.openxmlformats.org/presentationml/2006/main">
+  <p:cSld>
+    <p:spTree>
+      <p:nvGrpSpPr>
+        <p:cNvPr id="1" name=""/>
+        <p:cNvGrpSpPr/>
+        <p:nvPr/>
+      </p:nvGrpSpPr>
+      <p:grpSpPr>
+        <a:xfrm>
+          <a:off x="0" y="0"/>
+          <a:ext cx="0" cy="0"/>
+          <a:chOff x="0" y="0"/>
+          <a:chExt cx="0" cy="0"/>
+        </a:xfrm>
+      </p:grpSpPr>
+      <p:sp>
+        <p:nvSpPr>
+          <p:cNvPr id="2" name="Title 1"/>
+          <p:cNvSpPr>
+            <a:spLocks noGrp="1"/>
+          </p:cNvSpPr>
+          <p:nvPr>
+            <p:ph type="title"/>
+          </p:nvPr>
+        </p:nvSpPr>
+        <p:spPr/>
+        <p:txBody>
+          <a:bodyPr/>
+          <a:lstStyle/>
+          <a:p>
+            <a:r>
+              <a:rPr lang="en-US" smtClean="0"/>
+              <a:t>Deployment</a:t>
+            </a:r>
+            <a:endParaRPr lang="id-ID"/>
+          </a:p>
+        </p:txBody>
+      </p:sp>
+      <p:sp>
+        <p:nvSpPr>
+          <p:cNvPr id="3" name="Content Placeholder 2"/>
+          <p:cNvSpPr>
+            <a:spLocks noGrp="1"/>
+          </p:cNvSpPr>
+          <p:nvPr>
+            <p:ph idx="1"/>
+          </p:nvPr>
+        </p:nvSpPr>
+        <p:spPr/>
+        <p:txBody>
+          <a:bodyPr/>
+          <a:lstStyle/>
+          <a:p>
+            <a:r>
+              <a:rPr lang="en-US" smtClean="0"/>
+              <a:t>Server</a:t>
+            </a:r>
+          </a:p>
+          <a:p>
+            <a:pPr lvl="1"/>
+            <a:r>
+              <a:rPr lang="en-US" smtClean="0"/>
+              <a:t>Azure</a:t>
+            </a:r>
+          </a:p>
+          <a:p>
+            <a:pPr lvl="1"/>
+            <a:r>
+              <a:rPr lang="en-US" smtClean="0"/>
+              <a:t>IIS</a:t>
+            </a:r>
+          </a:p>
+          <a:p>
+            <a:r>
+              <a:rPr lang="en-US" smtClean="0"/>
+              <a:t>Komponen</a:t>
+            </a:r>
+          </a:p>
+          <a:p>
+            <a:pPr lvl="1"/>
+            <a:r>
+              <a:rPr lang="en-US" smtClean="0"/>
+              <a:t>Aplikasi </a:t>
+            </a:r>
+          </a:p>
+          <a:p>
+            <a:pPr lvl="1"/>
+            <a:r>
+              <a:rPr lang="en-US" smtClean="0"/>
+              <a:t>Database</a:t>
+            </a:r>
+          </a:p>
+          <a:p>
+            <a:pPr lvl="1"/>
+            <a:endParaRPr lang="en-US"/>
+          </a:p>
+          <a:p>
+            <a:r>
+              <a:rPr lang="en-US" smtClean="0"/>
+              <a:t>Tips </a:t>
+            </a:r>
+          </a:p>
+          <a:p>
+            <a:pPr lvl="1"/>
+            <a:r>
+              <a:rPr lang="en-US" smtClean="0"/>
+              <a:t>Pastikan memiliki hak akses full terhadap server</a:t>
+            </a:r>
+          </a:p>
+          <a:p>
+            <a:pPr lvl="1"/>
+            <a:endParaRPr lang="id-ID"/>
+          </a:p>
+        </p:txBody>
+      </p:sp>
+    </p:spTree>
+    <p:extLst>
+      <p:ext uri="{BB962C8B-B14F-4D97-AF65-F5344CB8AC3E}">
+        <p14:creationId xmlns:p14="http://schemas.microsoft.com/office/powerpoint/2010/main" val="3766244097"/>
+      </p:ext>
+    </p:extLst>
+  </p:cSld>
+  <p:clrMapOvr>
+    <a:masterClrMapping/>
+  </p:clrMapOvr>
+  <p:timing>
+    <p:tnLst>
+      <p:par>
+        <p:cTn id="1" dur="indefinite" restart="never" nodeType="tmRoot"/>
+      </p:par>
+    </p:tnLst>
+  </p:timing>
+</p:sld>
+</file>
+
+<file path=ppt/slides/slide62.xml><?xml version="1.0" encoding="utf-8"?>
+<p:sld xmlns:a="http://schemas.openxmlformats.org/drawingml/2006/main" xmlns:r="http://schemas.openxmlformats.org/officeDocument/2006/relationships" xmlns:p="http://schemas.openxmlformats.org/presentationml/2006/main">
+  <p:cSld>
+    <p:spTree>
+      <p:nvGrpSpPr>
+        <p:cNvPr id="1" name=""/>
+        <p:cNvGrpSpPr/>
+        <p:nvPr/>
+      </p:nvGrpSpPr>
+      <p:grpSpPr>
+        <a:xfrm>
+          <a:off x="0" y="0"/>
+          <a:ext cx="0" cy="0"/>
+          <a:chOff x="0" y="0"/>
+          <a:chExt cx="0" cy="0"/>
+        </a:xfrm>
+      </p:grpSpPr>
+      <p:sp>
+        <p:nvSpPr>
+          <p:cNvPr id="2" name="Title 1"/>
+          <p:cNvSpPr>
+            <a:spLocks noGrp="1"/>
+          </p:cNvSpPr>
+          <p:nvPr>
+            <p:ph type="title"/>
+          </p:nvPr>
+        </p:nvSpPr>
+        <p:spPr/>
+        <p:txBody>
+          <a:bodyPr/>
+          <a:lstStyle/>
+          <a:p>
+            <a:endParaRPr lang="id-ID"/>
+          </a:p>
+        </p:txBody>
+      </p:sp>
+      <p:sp>
+        <p:nvSpPr>
+          <p:cNvPr id="6" name="Content Placeholder 5"/>
+          <p:cNvSpPr>
+            <a:spLocks noGrp="1"/>
+          </p:cNvSpPr>
+          <p:nvPr>
+            <p:ph idx="1"/>
+          </p:nvPr>
+        </p:nvSpPr>
+        <p:spPr/>
+        <p:txBody>
+          <a:bodyPr/>
+          <a:lstStyle/>
+          <a:p>
+            <a:endParaRPr lang="id-ID"/>
+          </a:p>
+        </p:txBody>
+      </p:sp>
+      <p:pic>
+        <p:nvPicPr>
+          <p:cNvPr id="8" name="Picture 7"/>
+          <p:cNvPicPr>
+            <a:picLocks noChangeAspect="1"/>
+          </p:cNvPicPr>
+          <p:nvPr/>
+        </p:nvPicPr>
+        <p:blipFill>
+          <a:blip r:embed="rId2"/>
+          <a:stretch>
+            <a:fillRect/>
+          </a:stretch>
+        </p:blipFill>
+        <p:spPr>
+          <a:xfrm>
+            <a:off x="330108" y="196758"/>
+            <a:ext cx="8108497" cy="6408699"/>
+          </a:xfrm>
+          <a:prstGeom prst="rect">
+            <a:avLst/>
+          </a:prstGeom>
+        </p:spPr>
+      </p:pic>
+    </p:spTree>
+    <p:extLst>
+      <p:ext uri="{BB962C8B-B14F-4D97-AF65-F5344CB8AC3E}">
+        <p14:creationId xmlns:p14="http://schemas.microsoft.com/office/powerpoint/2010/main" val="2310878655"/>
+      </p:ext>
+    </p:extLst>
+  </p:cSld>
+  <p:clrMapOvr>
+    <a:masterClrMapping/>
+  </p:clrMapOvr>
+  <p:timing>
+    <p:tnLst>
+      <p:par>
+        <p:cTn id="1" dur="indefinite" restart="never" nodeType="tmRoot"/>
+      </p:par>
+    </p:tnLst>
+  </p:timing>
+</p:sld>
+</file>
+
+<file path=ppt/slides/slide63.xml><?xml version="1.0" encoding="utf-8"?>
+<p:sld xmlns:a="http://schemas.openxmlformats.org/drawingml/2006/main" xmlns:r="http://schemas.openxmlformats.org/officeDocument/2006/relationships" xmlns:p="http://schemas.openxmlformats.org/presentationml/2006/main">
+  <p:cSld>
+    <p:spTree>
+      <p:nvGrpSpPr>
+        <p:cNvPr id="1" name=""/>
+        <p:cNvGrpSpPr/>
+        <p:nvPr/>
+      </p:nvGrpSpPr>
+      <p:grpSpPr>
+        <a:xfrm>
+          <a:off x="0" y="0"/>
+          <a:ext cx="0" cy="0"/>
+          <a:chOff x="0" y="0"/>
+          <a:chExt cx="0" cy="0"/>
+        </a:xfrm>
+      </p:grpSpPr>
+      <p:sp>
+        <p:nvSpPr>
+          <p:cNvPr id="2" name="Title 1"/>
+          <p:cNvSpPr>
+            <a:spLocks noGrp="1"/>
+          </p:cNvSpPr>
+          <p:nvPr>
+            <p:ph type="title"/>
+          </p:nvPr>
+        </p:nvSpPr>
+        <p:spPr/>
+        <p:txBody>
+          <a:bodyPr/>
+          <a:lstStyle/>
+          <a:p>
+            <a:endParaRPr lang="id-ID"/>
+          </a:p>
+        </p:txBody>
+      </p:sp>
+      <p:sp>
+        <p:nvSpPr>
+          <p:cNvPr id="3" name="Content Placeholder 2"/>
+          <p:cNvSpPr>
+            <a:spLocks noGrp="1"/>
+          </p:cNvSpPr>
+          <p:nvPr>
+            <p:ph idx="1"/>
+          </p:nvPr>
+        </p:nvSpPr>
+        <p:spPr/>
+        <p:txBody>
+          <a:bodyPr/>
+          <a:lstStyle/>
+          <a:p>
+            <a:endParaRPr lang="id-ID"/>
+          </a:p>
+        </p:txBody>
+      </p:sp>
+      <p:pic>
+        <p:nvPicPr>
+          <p:cNvPr id="4" name="Picture 3"/>
+          <p:cNvPicPr>
+            <a:picLocks noChangeAspect="1"/>
+          </p:cNvPicPr>
+          <p:nvPr/>
+        </p:nvPicPr>
+        <p:blipFill>
+          <a:blip r:embed="rId2"/>
+          <a:stretch>
+            <a:fillRect/>
+          </a:stretch>
+        </p:blipFill>
+        <p:spPr>
+          <a:xfrm>
+            <a:off x="392508" y="259805"/>
+            <a:ext cx="8268165" cy="6534895"/>
+          </a:xfrm>
+          <a:prstGeom prst="rect">
+            <a:avLst/>
+          </a:prstGeom>
+        </p:spPr>
+      </p:pic>
+    </p:spTree>
+    <p:extLst>
+      <p:ext uri="{BB962C8B-B14F-4D97-AF65-F5344CB8AC3E}">
+        <p14:creationId xmlns:p14="http://schemas.microsoft.com/office/powerpoint/2010/main" val="2262871000"/>
+      </p:ext>
+    </p:extLst>
+  </p:cSld>
+  <p:clrMapOvr>
+    <a:masterClrMapping/>
+  </p:clrMapOvr>
+</p:sld>
+</file>
+
+<file path=ppt/slides/slide64.xml><?xml version="1.0" encoding="utf-8"?>
+<p:sld xmlns:a="http://schemas.openxmlformats.org/drawingml/2006/main" xmlns:r="http://schemas.openxmlformats.org/officeDocument/2006/relationships" xmlns:p="http://schemas.openxmlformats.org/presentationml/2006/main">
+  <p:cSld>
+    <p:spTree>
+      <p:nvGrpSpPr>
+        <p:cNvPr id="1" name=""/>
+        <p:cNvGrpSpPr/>
+        <p:nvPr/>
+      </p:nvGrpSpPr>
+      <p:grpSpPr>
+        <a:xfrm>
+          <a:off x="0" y="0"/>
+          <a:ext cx="0" cy="0"/>
+          <a:chOff x="0" y="0"/>
+          <a:chExt cx="0" cy="0"/>
+        </a:xfrm>
+      </p:grpSpPr>
+      <p:sp>
+        <p:nvSpPr>
+          <p:cNvPr id="2" name="Title 1"/>
+          <p:cNvSpPr>
+            <a:spLocks noGrp="1"/>
+          </p:cNvSpPr>
+          <p:nvPr>
+            <p:ph type="title"/>
+          </p:nvPr>
+        </p:nvSpPr>
+        <p:spPr/>
+        <p:txBody>
+          <a:bodyPr/>
+          <a:lstStyle/>
+          <a:p>
+            <a:endParaRPr lang="id-ID"/>
+          </a:p>
+        </p:txBody>
+      </p:sp>
+      <p:sp>
+        <p:nvSpPr>
+          <p:cNvPr id="3" name="Content Placeholder 2"/>
+          <p:cNvSpPr>
+            <a:spLocks noGrp="1"/>
+          </p:cNvSpPr>
+          <p:nvPr>
+            <p:ph idx="1"/>
+          </p:nvPr>
+        </p:nvSpPr>
+        <p:spPr/>
+        <p:txBody>
+          <a:bodyPr/>
+          <a:lstStyle/>
+          <a:p>
+            <a:endParaRPr lang="id-ID"/>
+          </a:p>
+        </p:txBody>
+      </p:sp>
+      <p:pic>
+        <p:nvPicPr>
+          <p:cNvPr id="4" name="Picture 3"/>
+          <p:cNvPicPr>
+            <a:picLocks noChangeAspect="1"/>
+          </p:cNvPicPr>
+          <p:nvPr/>
+        </p:nvPicPr>
+        <p:blipFill>
+          <a:blip r:embed="rId2"/>
+          <a:stretch>
+            <a:fillRect/>
+          </a:stretch>
+        </p:blipFill>
+        <p:spPr>
+          <a:xfrm>
+            <a:off x="322761" y="296363"/>
+            <a:ext cx="10229782" cy="6365694"/>
+          </a:xfrm>
+          <a:prstGeom prst="rect">
+            <a:avLst/>
+          </a:prstGeom>
+        </p:spPr>
+      </p:pic>
+    </p:spTree>
+    <p:extLst>
+      <p:ext uri="{BB962C8B-B14F-4D97-AF65-F5344CB8AC3E}">
+        <p14:creationId xmlns:p14="http://schemas.microsoft.com/office/powerpoint/2010/main" val="2902942401"/>
+      </p:ext>
+    </p:extLst>
+  </p:cSld>
+  <p:clrMapOvr>
+    <a:masterClrMapping/>
+  </p:clrMapOvr>
+</p:sld>
+</file>
+
+<file path=ppt/slides/slide65.xml><?xml version="1.0" encoding="utf-8"?>
+<p:sld xmlns:a="http://schemas.openxmlformats.org/drawingml/2006/main" xmlns:r="http://schemas.openxmlformats.org/officeDocument/2006/relationships" xmlns:p="http://schemas.openxmlformats.org/presentationml/2006/main">
+  <p:cSld>
+    <p:spTree>
+      <p:nvGrpSpPr>
+        <p:cNvPr id="1" name=""/>
+        <p:cNvGrpSpPr/>
+        <p:nvPr/>
+      </p:nvGrpSpPr>
+      <p:grpSpPr>
+        <a:xfrm>
+          <a:off x="0" y="0"/>
+          <a:ext cx="0" cy="0"/>
+          <a:chOff x="0" y="0"/>
+          <a:chExt cx="0" cy="0"/>
+        </a:xfrm>
+      </p:grpSpPr>
+      <p:sp>
+        <p:nvSpPr>
+          <p:cNvPr id="2" name="Title 1"/>
+          <p:cNvSpPr>
+            <a:spLocks noGrp="1"/>
+          </p:cNvSpPr>
+          <p:nvPr>
+            <p:ph type="title"/>
+          </p:nvPr>
+        </p:nvSpPr>
+        <p:spPr/>
+        <p:txBody>
+          <a:bodyPr/>
+          <a:lstStyle/>
+          <a:p>
+            <a:r>
+              <a:rPr lang="en-US" smtClean="0"/>
+              <a:t>Install IIS</a:t>
+            </a:r>
+            <a:endParaRPr lang="id-ID"/>
+          </a:p>
+        </p:txBody>
+      </p:sp>
+      <p:sp>
+        <p:nvSpPr>
+          <p:cNvPr id="3" name="Content Placeholder 2"/>
+          <p:cNvSpPr>
+            <a:spLocks noGrp="1"/>
+          </p:cNvSpPr>
+          <p:nvPr>
+            <p:ph idx="1"/>
+          </p:nvPr>
+        </p:nvSpPr>
+        <p:spPr/>
+        <p:txBody>
+          <a:bodyPr/>
+          <a:lstStyle/>
+          <a:p>
+            <a:endParaRPr lang="id-ID"/>
+          </a:p>
+        </p:txBody>
+      </p:sp>
+      <p:pic>
+        <p:nvPicPr>
+          <p:cNvPr id="4" name="Picture 3"/>
+          <p:cNvPicPr>
+            <a:picLocks noChangeAspect="1"/>
+          </p:cNvPicPr>
+          <p:nvPr/>
+        </p:nvPicPr>
+        <p:blipFill>
+          <a:blip r:embed="rId2"/>
+          <a:stretch>
+            <a:fillRect/>
+          </a:stretch>
+        </p:blipFill>
+        <p:spPr>
+          <a:xfrm>
+            <a:off x="680321" y="2094410"/>
+            <a:ext cx="5028148" cy="4458695"/>
+          </a:xfrm>
+          <a:prstGeom prst="rect">
+            <a:avLst/>
+          </a:prstGeom>
+        </p:spPr>
+      </p:pic>
+    </p:spTree>
+    <p:extLst>
+      <p:ext uri="{BB962C8B-B14F-4D97-AF65-F5344CB8AC3E}">
+        <p14:creationId xmlns:p14="http://schemas.microsoft.com/office/powerpoint/2010/main" val="517483130"/>
+      </p:ext>
+    </p:extLst>
+  </p:cSld>
+  <p:clrMapOvr>
+    <a:masterClrMapping/>
+  </p:clrMapOvr>
+</p:sld>
+</file>
+
+<file path=ppt/slides/slide66.xml><?xml version="1.0" encoding="utf-8"?>
+<p:sld xmlns:a="http://schemas.openxmlformats.org/drawingml/2006/main" xmlns:r="http://schemas.openxmlformats.org/officeDocument/2006/relationships" xmlns:p="http://schemas.openxmlformats.org/presentationml/2006/main">
+  <p:cSld>
+    <p:spTree>
+      <p:nvGrpSpPr>
+        <p:cNvPr id="1" name=""/>
+        <p:cNvGrpSpPr/>
+        <p:nvPr/>
+      </p:nvGrpSpPr>
+      <p:grpSpPr>
+        <a:xfrm>
+          <a:off x="0" y="0"/>
+          <a:ext cx="0" cy="0"/>
+          <a:chOff x="0" y="0"/>
+          <a:chExt cx="0" cy="0"/>
+        </a:xfrm>
+      </p:grpSpPr>
+      <p:sp>
+        <p:nvSpPr>
+          <p:cNvPr id="2" name="Title 1"/>
+          <p:cNvSpPr>
+            <a:spLocks noGrp="1"/>
+          </p:cNvSpPr>
+          <p:nvPr>
+            <p:ph type="title"/>
+          </p:nvPr>
+        </p:nvSpPr>
+        <p:spPr/>
+        <p:txBody>
+          <a:bodyPr/>
+          <a:lstStyle/>
+          <a:p>
+            <a:r>
+              <a:rPr lang="en-US" smtClean="0"/>
+              <a:t>Pastikan Application Pools</a:t>
+            </a:r>
+            <a:endParaRPr lang="id-ID"/>
+          </a:p>
+        </p:txBody>
+      </p:sp>
+      <p:sp>
+        <p:nvSpPr>
+          <p:cNvPr id="3" name="Content Placeholder 2"/>
+          <p:cNvSpPr>
+            <a:spLocks noGrp="1"/>
+          </p:cNvSpPr>
+          <p:nvPr>
+            <p:ph idx="1"/>
+          </p:nvPr>
+        </p:nvSpPr>
+        <p:spPr/>
+        <p:txBody>
+          <a:bodyPr/>
+          <a:lstStyle/>
+          <a:p>
+            <a:endParaRPr lang="id-ID"/>
+          </a:p>
+        </p:txBody>
+      </p:sp>
+      <p:pic>
+        <p:nvPicPr>
+          <p:cNvPr id="4" name="Picture 3"/>
+          <p:cNvPicPr>
+            <a:picLocks noChangeAspect="1"/>
+          </p:cNvPicPr>
+          <p:nvPr/>
+        </p:nvPicPr>
+        <p:blipFill>
+          <a:blip r:embed="rId2"/>
+          <a:stretch>
+            <a:fillRect/>
+          </a:stretch>
+        </p:blipFill>
+        <p:spPr>
+          <a:xfrm>
+            <a:off x="680321" y="2092573"/>
+            <a:ext cx="6557552" cy="4530296"/>
+          </a:xfrm>
+          <a:prstGeom prst="rect">
+            <a:avLst/>
+          </a:prstGeom>
+        </p:spPr>
+      </p:pic>
+    </p:spTree>
+    <p:extLst>
+      <p:ext uri="{BB962C8B-B14F-4D97-AF65-F5344CB8AC3E}">
+        <p14:creationId xmlns:p14="http://schemas.microsoft.com/office/powerpoint/2010/main" val="205250693"/>
+      </p:ext>
+    </p:extLst>
+  </p:cSld>
+  <p:clrMapOvr>
+    <a:masterClrMapping/>
+  </p:clrMapOvr>
+</p:sld>
+</file>
+
+<file path=ppt/slides/slide67.xml><?xml version="1.0" encoding="utf-8"?>
+<p:sld xmlns:a="http://schemas.openxmlformats.org/drawingml/2006/main" xmlns:r="http://schemas.openxmlformats.org/officeDocument/2006/relationships" xmlns:p="http://schemas.openxmlformats.org/presentationml/2006/main">
+  <p:cSld>
+    <p:spTree>
+      <p:nvGrpSpPr>
+        <p:cNvPr id="1" name=""/>
+        <p:cNvGrpSpPr/>
+        <p:nvPr/>
+      </p:nvGrpSpPr>
+      <p:grpSpPr>
+        <a:xfrm>
+          <a:off x="0" y="0"/>
+          <a:ext cx="0" cy="0"/>
+          <a:chOff x="0" y="0"/>
+          <a:chExt cx="0" cy="0"/>
+        </a:xfrm>
+      </p:grpSpPr>
+      <p:sp>
+        <p:nvSpPr>
+          <p:cNvPr id="2" name="Title 1"/>
+          <p:cNvSpPr>
+            <a:spLocks noGrp="1"/>
+          </p:cNvSpPr>
+          <p:nvPr>
+            <p:ph type="title"/>
+          </p:nvPr>
+        </p:nvSpPr>
+        <p:spPr/>
+        <p:txBody>
+          <a:bodyPr/>
+          <a:lstStyle/>
+          <a:p>
+            <a:r>
+              <a:rPr lang="en-US" smtClean="0"/>
+              <a:t>Buat website baru</a:t>
+            </a:r>
+            <a:endParaRPr lang="id-ID"/>
+          </a:p>
+        </p:txBody>
+      </p:sp>
+      <p:sp>
+        <p:nvSpPr>
+          <p:cNvPr id="3" name="Content Placeholder 2"/>
+          <p:cNvSpPr>
+            <a:spLocks noGrp="1"/>
+          </p:cNvSpPr>
+          <p:nvPr>
+            <p:ph idx="1"/>
+          </p:nvPr>
+        </p:nvSpPr>
+        <p:spPr/>
+        <p:txBody>
+          <a:bodyPr/>
+          <a:lstStyle/>
+          <a:p>
+            <a:endParaRPr lang="id-ID"/>
+          </a:p>
+        </p:txBody>
+      </p:sp>
+      <p:pic>
+        <p:nvPicPr>
+          <p:cNvPr id="5" name="Picture 4"/>
+          <p:cNvPicPr>
+            <a:picLocks noChangeAspect="1"/>
+          </p:cNvPicPr>
+          <p:nvPr/>
+        </p:nvPicPr>
+        <p:blipFill>
+          <a:blip r:embed="rId2"/>
+          <a:stretch>
+            <a:fillRect/>
+          </a:stretch>
+        </p:blipFill>
+        <p:spPr>
+          <a:xfrm>
+            <a:off x="680321" y="2011000"/>
+            <a:ext cx="6832691" cy="4622115"/>
+          </a:xfrm>
+          <a:prstGeom prst="rect">
+            <a:avLst/>
+          </a:prstGeom>
+        </p:spPr>
+      </p:pic>
+    </p:spTree>
+    <p:extLst>
+      <p:ext uri="{BB962C8B-B14F-4D97-AF65-F5344CB8AC3E}">
+        <p14:creationId xmlns:p14="http://schemas.microsoft.com/office/powerpoint/2010/main" val="2971514258"/>
+      </p:ext>
+    </p:extLst>
+  </p:cSld>
+  <p:clrMapOvr>
+    <a:masterClrMapping/>
+  </p:clrMapOvr>
+  <p:timing>
+    <p:tnLst>
+      <p:par>
+        <p:cTn id="1" dur="indefinite" restart="never" nodeType="tmRoot"/>
+      </p:par>
+    </p:tnLst>
+  </p:timing>
+</p:sld>
+</file>
+
+<file path=ppt/slides/slide68.xml><?xml version="1.0" encoding="utf-8"?>
+<p:sld xmlns:a="http://schemas.openxmlformats.org/drawingml/2006/main" xmlns:r="http://schemas.openxmlformats.org/officeDocument/2006/relationships" xmlns:p="http://schemas.openxmlformats.org/presentationml/2006/main">
+  <p:cSld>
+    <p:spTree>
+      <p:nvGrpSpPr>
+        <p:cNvPr id="1" name=""/>
+        <p:cNvGrpSpPr/>
+        <p:nvPr/>
+      </p:nvGrpSpPr>
+      <p:grpSpPr>
+        <a:xfrm>
+          <a:off x="0" y="0"/>
+          <a:ext cx="0" cy="0"/>
+          <a:chOff x="0" y="0"/>
+          <a:chExt cx="0" cy="0"/>
+        </a:xfrm>
+      </p:grpSpPr>
+      <p:sp>
+        <p:nvSpPr>
+          <p:cNvPr id="4" name="Title 3"/>
+          <p:cNvSpPr>
+            <a:spLocks noGrp="1"/>
+          </p:cNvSpPr>
+          <p:nvPr>
+            <p:ph type="title"/>
+          </p:nvPr>
+        </p:nvSpPr>
+        <p:spPr/>
+        <p:txBody>
+          <a:bodyPr/>
+          <a:lstStyle/>
+          <a:p>
+            <a:r>
+              <a:rPr lang="en-US" smtClean="0"/>
+              <a:t>Terimakasih</a:t>
+            </a:r>
+            <a:endParaRPr lang="id-ID"/>
+          </a:p>
+        </p:txBody>
+      </p:sp>
+      <p:sp>
+        <p:nvSpPr>
+          <p:cNvPr id="5" name="Text Placeholder 4"/>
+          <p:cNvSpPr>
+            <a:spLocks noGrp="1"/>
+          </p:cNvSpPr>
+          <p:nvPr>
+            <p:ph type="body" sz="half" idx="2"/>
+          </p:nvPr>
+        </p:nvSpPr>
+        <p:spPr/>
+        <p:txBody>
+          <a:bodyPr/>
+          <a:lstStyle/>
+          <a:p>
+            <a:endParaRPr lang="id-ID"/>
+          </a:p>
+        </p:txBody>
+      </p:sp>
+    </p:spTree>
+    <p:extLst>
+      <p:ext uri="{BB962C8B-B14F-4D97-AF65-F5344CB8AC3E}">
+        <p14:creationId xmlns:p14="http://schemas.microsoft.com/office/powerpoint/2010/main" val="2571889506"/>
       </p:ext>
     </p:extLst>
   </p:cSld>
